--- a/static/slides/Blazor-Intro.pptx
+++ b/static/slides/Blazor-Intro.pptx
@@ -3,49 +3,47 @@
 <p:presentation xmlns:a="http://schemas.openxmlformats.org/drawingml/2006/main" xmlns:r="http://schemas.openxmlformats.org/officeDocument/2006/relationships" xmlns:p="http://schemas.openxmlformats.org/presentationml/2006/main" showSpecialPlsOnTitleSld="0" saveSubsetFonts="1">
   <p:sldMasterIdLst>
     <p:sldMasterId id="2147483648" r:id="rId4"/>
-    <p:sldMasterId id="2147483691" r:id="rId5"/>
   </p:sldMasterIdLst>
   <p:notesMasterIdLst>
-    <p:notesMasterId r:id="rId40"/>
+    <p:notesMasterId r:id="rId38"/>
   </p:notesMasterIdLst>
   <p:handoutMasterIdLst>
-    <p:handoutMasterId r:id="rId41"/>
+    <p:handoutMasterId r:id="rId39"/>
   </p:handoutMasterIdLst>
   <p:sldIdLst>
-    <p:sldId id="292" r:id="rId6"/>
-    <p:sldId id="293" r:id="rId7"/>
-    <p:sldId id="393" r:id="rId8"/>
-    <p:sldId id="377" r:id="rId9"/>
-    <p:sldId id="256" r:id="rId10"/>
-    <p:sldId id="257" r:id="rId11"/>
-    <p:sldId id="258" r:id="rId12"/>
-    <p:sldId id="259" r:id="rId13"/>
-    <p:sldId id="260" r:id="rId14"/>
-    <p:sldId id="261" r:id="rId15"/>
-    <p:sldId id="380" r:id="rId16"/>
-    <p:sldId id="379" r:id="rId17"/>
-    <p:sldId id="381" r:id="rId18"/>
-    <p:sldId id="382" r:id="rId19"/>
-    <p:sldId id="389" r:id="rId20"/>
-    <p:sldId id="392" r:id="rId21"/>
-    <p:sldId id="384" r:id="rId22"/>
-    <p:sldId id="391" r:id="rId23"/>
-    <p:sldId id="390" r:id="rId24"/>
-    <p:sldId id="385" r:id="rId25"/>
-    <p:sldId id="394" r:id="rId26"/>
-    <p:sldId id="386" r:id="rId27"/>
-    <p:sldId id="387" r:id="rId28"/>
-    <p:sldId id="395" r:id="rId29"/>
-    <p:sldId id="396" r:id="rId30"/>
-    <p:sldId id="398" r:id="rId31"/>
-    <p:sldId id="399" r:id="rId32"/>
-    <p:sldId id="400" r:id="rId33"/>
-    <p:sldId id="388" r:id="rId34"/>
-    <p:sldId id="402" r:id="rId35"/>
-    <p:sldId id="401" r:id="rId36"/>
-    <p:sldId id="383" r:id="rId37"/>
-    <p:sldId id="397" r:id="rId38"/>
-    <p:sldId id="362" r:id="rId39"/>
+    <p:sldId id="293" r:id="rId5"/>
+    <p:sldId id="393" r:id="rId6"/>
+    <p:sldId id="377" r:id="rId7"/>
+    <p:sldId id="256" r:id="rId8"/>
+    <p:sldId id="257" r:id="rId9"/>
+    <p:sldId id="258" r:id="rId10"/>
+    <p:sldId id="259" r:id="rId11"/>
+    <p:sldId id="260" r:id="rId12"/>
+    <p:sldId id="261" r:id="rId13"/>
+    <p:sldId id="380" r:id="rId14"/>
+    <p:sldId id="379" r:id="rId15"/>
+    <p:sldId id="381" r:id="rId16"/>
+    <p:sldId id="382" r:id="rId17"/>
+    <p:sldId id="389" r:id="rId18"/>
+    <p:sldId id="392" r:id="rId19"/>
+    <p:sldId id="384" r:id="rId20"/>
+    <p:sldId id="391" r:id="rId21"/>
+    <p:sldId id="390" r:id="rId22"/>
+    <p:sldId id="385" r:id="rId23"/>
+    <p:sldId id="394" r:id="rId24"/>
+    <p:sldId id="386" r:id="rId25"/>
+    <p:sldId id="387" r:id="rId26"/>
+    <p:sldId id="395" r:id="rId27"/>
+    <p:sldId id="396" r:id="rId28"/>
+    <p:sldId id="398" r:id="rId29"/>
+    <p:sldId id="399" r:id="rId30"/>
+    <p:sldId id="400" r:id="rId31"/>
+    <p:sldId id="388" r:id="rId32"/>
+    <p:sldId id="402" r:id="rId33"/>
+    <p:sldId id="401" r:id="rId34"/>
+    <p:sldId id="383" r:id="rId35"/>
+    <p:sldId id="397" r:id="rId36"/>
+    <p:sldId id="362" r:id="rId37"/>
   </p:sldIdLst>
   <p:sldSz cx="9144000" cy="5143500" type="screen16x9"/>
   <p:notesSz cx="6858000" cy="9144000"/>
@@ -259,7 +257,7 @@
           <a:p>
             <a:fld id="{D3FDC4BA-F62C-46A2-87C1-2103180CFF88}" type="datetimeFigureOut">
               <a:rPr lang="de-AT" smtClean="0"/>
-              <a:t>02.10.2018</a:t>
+              <a:t>16.10.2018</a:t>
             </a:fld>
             <a:endParaRPr lang="de-AT"/>
           </a:p>
@@ -425,7 +423,7 @@
             <a:fld id="{3612A09C-9A01-4873-9E29-1DA9CA5B5B01}" type="datetimeFigureOut">
               <a:rPr lang="de-DE" smtClean="0"/>
               <a:pPr/>
-              <a:t>02.10.2018</a:t>
+              <a:t>16.10.2018</a:t>
             </a:fld>
             <a:endParaRPr lang="de-AT"/>
           </a:p>
@@ -5865,7 +5863,7 @@
           <a:p>
             <a:fld id="{7DE70A0B-F4A8-4400-ACAB-21C365752352}" type="datetimeFigureOut">
               <a:rPr lang="de-AT" smtClean="0"/>
-              <a:t>02.10.2018</a:t>
+              <a:t>16.10.2018</a:t>
             </a:fld>
             <a:endParaRPr lang="de-AT"/>
           </a:p>
@@ -5949,7 +5947,7 @@
           </a:blip>
           <a:srcRect/>
           <a:stretch>
-            <a:fillRect l="-6000" r="-6000"/>
+            <a:fillRect/>
           </a:stretch>
         </a:blipFill>
         <a:effectLst/>
@@ -5969,72 +5967,6 @@
           <a:chExt cx="0" cy="0"/>
         </a:xfrm>
       </p:grpSpPr>
-      <p:pic>
-        <p:nvPicPr>
-          <p:cNvPr id="6" name="Picture 5">
-            <a:extLst>
-              <a:ext uri="{FF2B5EF4-FFF2-40B4-BE49-F238E27FC236}">
-                <a16:creationId xmlns:a16="http://schemas.microsoft.com/office/drawing/2014/main" id="{14F720AD-921C-4D07-A0F2-46E2475D3ACB}"/>
-              </a:ext>
-            </a:extLst>
-          </p:cNvPr>
-          <p:cNvPicPr>
-            <a:picLocks noChangeAspect="1"/>
-          </p:cNvPicPr>
-          <p:nvPr userDrawn="1"/>
-        </p:nvPicPr>
-        <p:blipFill>
-          <a:blip r:embed="rId3"/>
-          <a:stretch>
-            <a:fillRect/>
-          </a:stretch>
-        </p:blipFill>
-        <p:spPr>
-          <a:xfrm>
-            <a:off x="602537" y="1418227"/>
-            <a:ext cx="4615542" cy="1692456"/>
-          </a:xfrm>
-          <a:prstGeom prst="rect">
-            <a:avLst/>
-          </a:prstGeom>
-        </p:spPr>
-      </p:pic>
-      <p:pic>
-        <p:nvPicPr>
-          <p:cNvPr id="9" name="Content Placeholder 3">
-            <a:extLst>
-              <a:ext uri="{FF2B5EF4-FFF2-40B4-BE49-F238E27FC236}">
-                <a16:creationId xmlns:a16="http://schemas.microsoft.com/office/drawing/2014/main" id="{1BE9A4AC-5979-43F7-A81B-BC8CB9A1A878}"/>
-              </a:ext>
-            </a:extLst>
-          </p:cNvPr>
-          <p:cNvPicPr>
-            <a:picLocks noChangeAspect="1"/>
-          </p:cNvPicPr>
-          <p:nvPr userDrawn="1"/>
-        </p:nvPicPr>
-        <p:blipFill>
-          <a:blip r:embed="rId4">
-            <a:extLst>
-              <a:ext uri="{28A0092B-C50C-407E-A947-70E740481C1C}">
-                <a14:useLocalDpi xmlns:a14="http://schemas.microsoft.com/office/drawing/2010/main" val="0"/>
-              </a:ext>
-            </a:extLst>
-          </a:blip>
-          <a:stretch>
-            <a:fillRect/>
-          </a:stretch>
-        </p:blipFill>
-        <p:spPr>
-          <a:xfrm rot="19117553">
-            <a:off x="6249256" y="1120115"/>
-            <a:ext cx="4584414" cy="3590925"/>
-          </a:xfrm>
-          <a:prstGeom prst="rect">
-            <a:avLst/>
-          </a:prstGeom>
-        </p:spPr>
-      </p:pic>
     </p:spTree>
     <p:extLst>
       <p:ext uri="{BB962C8B-B14F-4D97-AF65-F5344CB8AC3E}">
@@ -6049,8 +5981,8 @@
 </file>
 
 <file path=ppt/slideLayouts/slideLayout19.xml><?xml version="1.0" encoding="utf-8"?>
-<p:sldLayout xmlns:a="http://schemas.openxmlformats.org/drawingml/2006/main" xmlns:r="http://schemas.openxmlformats.org/officeDocument/2006/relationships" xmlns:p="http://schemas.openxmlformats.org/presentationml/2006/main" preserve="1">
-  <p:cSld name="Intro">
+<p:sldLayout xmlns:a="http://schemas.openxmlformats.org/drawingml/2006/main" xmlns:r="http://schemas.openxmlformats.org/officeDocument/2006/relationships" xmlns:p="http://schemas.openxmlformats.org/presentationml/2006/main">
+  <p:cSld name="TussenTitel">
     <p:bg>
       <p:bgPr>
         <a:blipFill dpi="0" rotWithShape="1">
@@ -6059,7 +5991,7 @@
           </a:blip>
           <a:srcRect/>
           <a:stretch>
-            <a:fillRect l="-6000" r="-6000"/>
+            <a:fillRect/>
           </a:stretch>
         </a:blipFill>
         <a:effectLst/>
@@ -6079,76 +6011,50 @@
           <a:chExt cx="0" cy="0"/>
         </a:xfrm>
       </p:grpSpPr>
-      <p:pic>
-        <p:nvPicPr>
-          <p:cNvPr id="6" name="Picture 5">
-            <a:extLst>
-              <a:ext uri="{FF2B5EF4-FFF2-40B4-BE49-F238E27FC236}">
-                <a16:creationId xmlns:a16="http://schemas.microsoft.com/office/drawing/2014/main" id="{14F720AD-921C-4D07-A0F2-46E2475D3ACB}"/>
-              </a:ext>
-            </a:extLst>
-          </p:cNvPr>
-          <p:cNvPicPr>
-            <a:picLocks noChangeAspect="1"/>
-          </p:cNvPicPr>
-          <p:nvPr userDrawn="1"/>
-        </p:nvPicPr>
-        <p:blipFill>
-          <a:blip r:embed="rId3"/>
-          <a:stretch>
-            <a:fillRect/>
-          </a:stretch>
-        </p:blipFill>
+      <p:sp>
+        <p:nvSpPr>
+          <p:cNvPr id="2" name="Title 1"/>
+          <p:cNvSpPr>
+            <a:spLocks noGrp="1"/>
+          </p:cNvSpPr>
+          <p:nvPr>
+            <p:ph type="title" hasCustomPrompt="1"/>
+          </p:nvPr>
+        </p:nvSpPr>
         <p:spPr>
           <a:xfrm>
-            <a:off x="602537" y="1418227"/>
-            <a:ext cx="4615542" cy="1692456"/>
+            <a:off x="323528" y="2715766"/>
+            <a:ext cx="8424936" cy="1347324"/>
           </a:xfrm>
           <a:prstGeom prst="rect">
             <a:avLst/>
           </a:prstGeom>
         </p:spPr>
-      </p:pic>
-      <p:pic>
-        <p:nvPicPr>
-          <p:cNvPr id="9" name="Content Placeholder 3">
-            <a:extLst>
-              <a:ext uri="{FF2B5EF4-FFF2-40B4-BE49-F238E27FC236}">
-                <a16:creationId xmlns:a16="http://schemas.microsoft.com/office/drawing/2014/main" id="{1BE9A4AC-5979-43F7-A81B-BC8CB9A1A878}"/>
-              </a:ext>
-            </a:extLst>
-          </p:cNvPr>
-          <p:cNvPicPr>
-            <a:picLocks noChangeAspect="1"/>
-          </p:cNvPicPr>
-          <p:nvPr userDrawn="1"/>
-        </p:nvPicPr>
-        <p:blipFill>
-          <a:blip r:embed="rId4">
-            <a:extLst>
-              <a:ext uri="{28A0092B-C50C-407E-A947-70E740481C1C}">
-                <a14:useLocalDpi xmlns:a14="http://schemas.microsoft.com/office/drawing/2010/main" val="0"/>
-              </a:ext>
-            </a:extLst>
-          </a:blip>
-          <a:stretch>
-            <a:fillRect/>
-          </a:stretch>
-        </p:blipFill>
-        <p:spPr>
-          <a:xfrm rot="19117553">
-            <a:off x="6249256" y="1120115"/>
-            <a:ext cx="4584414" cy="3590925"/>
-          </a:xfrm>
-          <a:prstGeom prst="rect">
-            <a:avLst/>
-          </a:prstGeom>
-        </p:spPr>
-      </p:pic>
+        <p:txBody>
+          <a:bodyPr anchor="ctr" anchorCtr="0"/>
+          <a:lstStyle>
+            <a:lvl1pPr algn="ctr">
+              <a:defRPr sz="2700" b="0" i="0" cap="all" baseline="0">
+                <a:solidFill>
+                  <a:schemeClr val="bg1"/>
+                </a:solidFill>
+                <a:latin typeface="+mj-lt"/>
+              </a:defRPr>
+            </a:lvl1pPr>
+          </a:lstStyle>
+          <a:p>
+            <a:r>
+              <a:rPr lang="nl-NL" dirty="0"/>
+              <a:t>Hier dan een titel van een hoofdstuk</a:t>
+            </a:r>
+            <a:endParaRPr lang="en-US" dirty="0"/>
+          </a:p>
+        </p:txBody>
+      </p:sp>
     </p:spTree>
     <p:extLst>
       <p:ext uri="{BB962C8B-B14F-4D97-AF65-F5344CB8AC3E}">
-        <p14:creationId xmlns:p14="http://schemas.microsoft.com/office/powerpoint/2010/main" val="18243062"/>
+        <p14:creationId xmlns:p14="http://schemas.microsoft.com/office/powerpoint/2010/main" val="4269944284"/>
       </p:ext>
     </p:extLst>
   </p:cSld>
@@ -6365,562 +6271,6 @@
       </p:transition>
     </mc:Fallback>
   </mc:AlternateContent>
-</p:sldLayout>
-</file>
-
-<file path=ppt/slideLayouts/slideLayout20.xml><?xml version="1.0" encoding="utf-8"?>
-<p:sldLayout xmlns:a="http://schemas.openxmlformats.org/drawingml/2006/main" xmlns:r="http://schemas.openxmlformats.org/officeDocument/2006/relationships" xmlns:p="http://schemas.openxmlformats.org/presentationml/2006/main" preserve="1">
-  <p:cSld name="TussenTitel">
-    <p:bg>
-      <p:bgPr>
-        <a:blipFill dpi="0" rotWithShape="1">
-          <a:blip r:embed="rId2">
-            <a:lum/>
-          </a:blip>
-          <a:srcRect/>
-          <a:stretch>
-            <a:fillRect l="-6000" r="-6000"/>
-          </a:stretch>
-        </a:blipFill>
-        <a:effectLst/>
-      </p:bgPr>
-    </p:bg>
-    <p:spTree>
-      <p:nvGrpSpPr>
-        <p:cNvPr id="1" name=""/>
-        <p:cNvGrpSpPr/>
-        <p:nvPr/>
-      </p:nvGrpSpPr>
-      <p:grpSpPr>
-        <a:xfrm>
-          <a:off x="0" y="0"/>
-          <a:ext cx="0" cy="0"/>
-          <a:chOff x="0" y="0"/>
-          <a:chExt cx="0" cy="0"/>
-        </a:xfrm>
-      </p:grpSpPr>
-      <p:sp>
-        <p:nvSpPr>
-          <p:cNvPr id="2" name="Title 1"/>
-          <p:cNvSpPr>
-            <a:spLocks noGrp="1"/>
-          </p:cNvSpPr>
-          <p:nvPr>
-            <p:ph type="title" hasCustomPrompt="1"/>
-          </p:nvPr>
-        </p:nvSpPr>
-        <p:spPr>
-          <a:xfrm>
-            <a:off x="333375" y="1489862"/>
-            <a:ext cx="7914517" cy="1347324"/>
-          </a:xfrm>
-          <a:prstGeom prst="rect">
-            <a:avLst/>
-          </a:prstGeom>
-        </p:spPr>
-        <p:txBody>
-          <a:bodyPr anchor="ctr" anchorCtr="0"/>
-          <a:lstStyle>
-            <a:lvl1pPr>
-              <a:defRPr sz="2700" b="0" i="0" cap="all" baseline="0">
-                <a:solidFill>
-                  <a:schemeClr val="bg1"/>
-                </a:solidFill>
-                <a:latin typeface="Gotham Bold" charset="0"/>
-              </a:defRPr>
-            </a:lvl1pPr>
-          </a:lstStyle>
-          <a:p>
-            <a:r>
-              <a:rPr lang="nl-NL" dirty="0"/>
-              <a:t>Hier dan een titel van een hoofdstuk</a:t>
-            </a:r>
-            <a:endParaRPr lang="en-US" dirty="0"/>
-          </a:p>
-        </p:txBody>
-      </p:sp>
-      <p:pic>
-        <p:nvPicPr>
-          <p:cNvPr id="5" name="Picture 4">
-            <a:extLst>
-              <a:ext uri="{FF2B5EF4-FFF2-40B4-BE49-F238E27FC236}">
-                <a16:creationId xmlns:a16="http://schemas.microsoft.com/office/drawing/2014/main" id="{58D3B0AE-CF6A-42EC-88A7-3555FD294630}"/>
-              </a:ext>
-            </a:extLst>
-          </p:cNvPr>
-          <p:cNvPicPr>
-            <a:picLocks noChangeAspect="1"/>
-          </p:cNvPicPr>
-          <p:nvPr userDrawn="1"/>
-        </p:nvPicPr>
-        <p:blipFill>
-          <a:blip r:embed="rId3"/>
-          <a:stretch>
-            <a:fillRect/>
-          </a:stretch>
-        </p:blipFill>
-        <p:spPr>
-          <a:xfrm>
-            <a:off x="6129717" y="3958621"/>
-            <a:ext cx="2778838" cy="1018962"/>
-          </a:xfrm>
-          <a:prstGeom prst="rect">
-            <a:avLst/>
-          </a:prstGeom>
-        </p:spPr>
-      </p:pic>
-    </p:spTree>
-    <p:extLst>
-      <p:ext uri="{BB962C8B-B14F-4D97-AF65-F5344CB8AC3E}">
-        <p14:creationId xmlns:p14="http://schemas.microsoft.com/office/powerpoint/2010/main" val="491297899"/>
-      </p:ext>
-    </p:extLst>
-  </p:cSld>
-  <p:clrMapOvr>
-    <a:masterClrMapping/>
-  </p:clrMapOvr>
-</p:sldLayout>
-</file>
-
-<file path=ppt/slideLayouts/slideLayout21.xml><?xml version="1.0" encoding="utf-8"?>
-<p:sldLayout xmlns:a="http://schemas.openxmlformats.org/drawingml/2006/main" xmlns:r="http://schemas.openxmlformats.org/officeDocument/2006/relationships" xmlns:p="http://schemas.openxmlformats.org/presentationml/2006/main" preserve="1">
-  <p:cSld name="Content 01">
-    <p:bg>
-      <p:bgPr>
-        <a:blipFill dpi="0" rotWithShape="1">
-          <a:blip r:embed="rId2">
-            <a:lum/>
-          </a:blip>
-          <a:srcRect/>
-          <a:stretch>
-            <a:fillRect l="-6000" r="-6000"/>
-          </a:stretch>
-        </a:blipFill>
-        <a:effectLst/>
-      </p:bgPr>
-    </p:bg>
-    <p:spTree>
-      <p:nvGrpSpPr>
-        <p:cNvPr id="1" name=""/>
-        <p:cNvGrpSpPr/>
-        <p:nvPr/>
-      </p:nvGrpSpPr>
-      <p:grpSpPr>
-        <a:xfrm>
-          <a:off x="0" y="0"/>
-          <a:ext cx="0" cy="0"/>
-          <a:chOff x="0" y="0"/>
-          <a:chExt cx="0" cy="0"/>
-        </a:xfrm>
-      </p:grpSpPr>
-      <p:sp>
-        <p:nvSpPr>
-          <p:cNvPr id="2" name="Title 1"/>
-          <p:cNvSpPr>
-            <a:spLocks noGrp="1"/>
-          </p:cNvSpPr>
-          <p:nvPr>
-            <p:ph type="title"/>
-          </p:nvPr>
-        </p:nvSpPr>
-        <p:spPr>
-          <a:xfrm>
-            <a:off x="261937" y="233627"/>
-            <a:ext cx="8653463" cy="611233"/>
-          </a:xfrm>
-          <a:prstGeom prst="rect">
-            <a:avLst/>
-          </a:prstGeom>
-        </p:spPr>
-        <p:txBody>
-          <a:bodyPr anchor="t" anchorCtr="0"/>
-          <a:lstStyle>
-            <a:lvl1pPr>
-              <a:defRPr sz="2700" baseline="0">
-                <a:solidFill>
-                  <a:schemeClr val="bg1"/>
-                </a:solidFill>
-                <a:latin typeface="Gotham Bold" charset="0"/>
-              </a:defRPr>
-            </a:lvl1pPr>
-          </a:lstStyle>
-          <a:p>
-            <a:r>
-              <a:rPr lang="en-US"/>
-              <a:t>Click to edit Master title style</a:t>
-            </a:r>
-            <a:endParaRPr lang="en-US" dirty="0"/>
-          </a:p>
-        </p:txBody>
-      </p:sp>
-      <p:sp>
-        <p:nvSpPr>
-          <p:cNvPr id="5" name="Content Placeholder 4"/>
-          <p:cNvSpPr>
-            <a:spLocks noGrp="1"/>
-          </p:cNvSpPr>
-          <p:nvPr>
-            <p:ph sz="quarter" idx="14"/>
-          </p:nvPr>
-        </p:nvSpPr>
-        <p:spPr>
-          <a:xfrm flipH="1">
-            <a:off x="261937" y="1027829"/>
-            <a:ext cx="8653463" cy="3882045"/>
-          </a:xfrm>
-          <a:prstGeom prst="rect">
-            <a:avLst/>
-          </a:prstGeom>
-        </p:spPr>
-        <p:txBody>
-          <a:bodyPr/>
-          <a:lstStyle>
-            <a:lvl1pPr>
-              <a:defRPr>
-                <a:solidFill>
-                  <a:schemeClr val="bg1"/>
-                </a:solidFill>
-                <a:latin typeface="Gotham Medium" panose="02000604030000020004" pitchFamily="50" charset="0"/>
-              </a:defRPr>
-            </a:lvl1pPr>
-            <a:lvl2pPr>
-              <a:defRPr>
-                <a:solidFill>
-                  <a:schemeClr val="bg1"/>
-                </a:solidFill>
-                <a:latin typeface="Gotham Medium" panose="02000604030000020004" pitchFamily="50" charset="0"/>
-              </a:defRPr>
-            </a:lvl2pPr>
-            <a:lvl3pPr>
-              <a:defRPr>
-                <a:solidFill>
-                  <a:schemeClr val="bg1"/>
-                </a:solidFill>
-                <a:latin typeface="Gotham Medium" panose="02000604030000020004" pitchFamily="50" charset="0"/>
-              </a:defRPr>
-            </a:lvl3pPr>
-            <a:lvl4pPr>
-              <a:defRPr>
-                <a:solidFill>
-                  <a:schemeClr val="bg1"/>
-                </a:solidFill>
-                <a:latin typeface="Gotham Medium" panose="02000604030000020004" pitchFamily="50" charset="0"/>
-              </a:defRPr>
-            </a:lvl4pPr>
-            <a:lvl5pPr>
-              <a:defRPr>
-                <a:solidFill>
-                  <a:schemeClr val="bg1"/>
-                </a:solidFill>
-                <a:latin typeface="Gotham Medium" panose="02000604030000020004" pitchFamily="50" charset="0"/>
-              </a:defRPr>
-            </a:lvl5pPr>
-          </a:lstStyle>
-          <a:p>
-            <a:pPr lvl="0"/>
-            <a:r>
-              <a:rPr lang="en-US"/>
-              <a:t>Edit Master text styles</a:t>
-            </a:r>
-          </a:p>
-          <a:p>
-            <a:pPr lvl="1"/>
-            <a:r>
-              <a:rPr lang="en-US"/>
-              <a:t>Second level</a:t>
-            </a:r>
-          </a:p>
-          <a:p>
-            <a:pPr lvl="2"/>
-            <a:r>
-              <a:rPr lang="en-US"/>
-              <a:t>Third level</a:t>
-            </a:r>
-          </a:p>
-          <a:p>
-            <a:pPr lvl="3"/>
-            <a:r>
-              <a:rPr lang="en-US"/>
-              <a:t>Fourth level</a:t>
-            </a:r>
-          </a:p>
-          <a:p>
-            <a:pPr lvl="4"/>
-            <a:r>
-              <a:rPr lang="en-US"/>
-              <a:t>Fifth level</a:t>
-            </a:r>
-            <a:endParaRPr lang="en-GB" dirty="0"/>
-          </a:p>
-        </p:txBody>
-      </p:sp>
-      <p:pic>
-        <p:nvPicPr>
-          <p:cNvPr id="4" name="Picture 3">
-            <a:extLst>
-              <a:ext uri="{FF2B5EF4-FFF2-40B4-BE49-F238E27FC236}">
-                <a16:creationId xmlns:a16="http://schemas.microsoft.com/office/drawing/2014/main" id="{B8C0E459-D603-43A3-94DF-B735B83A932D}"/>
-              </a:ext>
-            </a:extLst>
-          </p:cNvPr>
-          <p:cNvPicPr>
-            <a:picLocks noChangeAspect="1"/>
-          </p:cNvPicPr>
-          <p:nvPr userDrawn="1"/>
-        </p:nvPicPr>
-        <p:blipFill>
-          <a:blip r:embed="rId3" cstate="print">
-            <a:extLst>
-              <a:ext uri="{28A0092B-C50C-407E-A947-70E740481C1C}">
-                <a14:useLocalDpi xmlns:a14="http://schemas.microsoft.com/office/drawing/2010/main" val="0"/>
-              </a:ext>
-            </a:extLst>
-          </a:blip>
-          <a:stretch>
-            <a:fillRect/>
-          </a:stretch>
-        </p:blipFill>
-        <p:spPr>
-          <a:xfrm>
-            <a:off x="8078190" y="4854159"/>
-            <a:ext cx="992147" cy="185201"/>
-          </a:xfrm>
-          <a:prstGeom prst="rect">
-            <a:avLst/>
-          </a:prstGeom>
-        </p:spPr>
-      </p:pic>
-    </p:spTree>
-    <p:extLst>
-      <p:ext uri="{BB962C8B-B14F-4D97-AF65-F5344CB8AC3E}">
-        <p14:creationId xmlns:p14="http://schemas.microsoft.com/office/powerpoint/2010/main" val="188484925"/>
-      </p:ext>
-    </p:extLst>
-  </p:cSld>
-  <p:clrMapOvr>
-    <a:masterClrMapping/>
-  </p:clrMapOvr>
-</p:sldLayout>
-</file>
-
-<file path=ppt/slideLayouts/slideLayout22.xml><?xml version="1.0" encoding="utf-8"?>
-<p:sldLayout xmlns:a="http://schemas.openxmlformats.org/drawingml/2006/main" xmlns:r="http://schemas.openxmlformats.org/officeDocument/2006/relationships" xmlns:p="http://schemas.openxmlformats.org/presentationml/2006/main" preserve="1">
-  <p:cSld name="Content 02">
-    <p:bg>
-      <p:bgPr>
-        <a:blipFill dpi="0" rotWithShape="1">
-          <a:blip r:embed="rId2">
-            <a:lum/>
-          </a:blip>
-          <a:srcRect/>
-          <a:stretch>
-            <a:fillRect l="-6000" r="-6000"/>
-          </a:stretch>
-        </a:blipFill>
-        <a:effectLst/>
-      </p:bgPr>
-    </p:bg>
-    <p:spTree>
-      <p:nvGrpSpPr>
-        <p:cNvPr id="1" name=""/>
-        <p:cNvGrpSpPr/>
-        <p:nvPr/>
-      </p:nvGrpSpPr>
-      <p:grpSpPr>
-        <a:xfrm>
-          <a:off x="0" y="0"/>
-          <a:ext cx="0" cy="0"/>
-          <a:chOff x="0" y="0"/>
-          <a:chExt cx="0" cy="0"/>
-        </a:xfrm>
-      </p:grpSpPr>
-      <p:sp>
-        <p:nvSpPr>
-          <p:cNvPr id="3" name="Title 1"/>
-          <p:cNvSpPr>
-            <a:spLocks noGrp="1"/>
-          </p:cNvSpPr>
-          <p:nvPr>
-            <p:ph type="title"/>
-          </p:nvPr>
-        </p:nvSpPr>
-        <p:spPr>
-          <a:xfrm>
-            <a:off x="623888" y="547952"/>
-            <a:ext cx="7886700" cy="611233"/>
-          </a:xfrm>
-          <a:prstGeom prst="rect">
-            <a:avLst/>
-          </a:prstGeom>
-        </p:spPr>
-        <p:txBody>
-          <a:bodyPr anchor="t" anchorCtr="0"/>
-          <a:lstStyle>
-            <a:lvl1pPr>
-              <a:defRPr sz="2700" baseline="0">
-                <a:solidFill>
-                  <a:srgbClr val="076181"/>
-                </a:solidFill>
-                <a:latin typeface="Gotham Bold" charset="0"/>
-              </a:defRPr>
-            </a:lvl1pPr>
-          </a:lstStyle>
-          <a:p>
-            <a:r>
-              <a:rPr lang="en-US"/>
-              <a:t>Click to edit Master title style</a:t>
-            </a:r>
-            <a:endParaRPr lang="en-US" dirty="0"/>
-          </a:p>
-        </p:txBody>
-      </p:sp>
-      <p:sp>
-        <p:nvSpPr>
-          <p:cNvPr id="9" name="Content Placeholder 8"/>
-          <p:cNvSpPr>
-            <a:spLocks noGrp="1"/>
-          </p:cNvSpPr>
-          <p:nvPr>
-            <p:ph sz="quarter" idx="10"/>
-          </p:nvPr>
-        </p:nvSpPr>
-        <p:spPr>
-          <a:xfrm>
-            <a:off x="623888" y="1257641"/>
-            <a:ext cx="7762875" cy="3399235"/>
-          </a:xfrm>
-          <a:prstGeom prst="rect">
-            <a:avLst/>
-          </a:prstGeom>
-        </p:spPr>
-        <p:txBody>
-          <a:bodyPr/>
-          <a:lstStyle>
-            <a:lvl1pPr>
-              <a:defRPr>
-                <a:solidFill>
-                  <a:srgbClr val="076181"/>
-                </a:solidFill>
-                <a:latin typeface="Gotham Medium" panose="02000604030000020004" pitchFamily="50" charset="0"/>
-              </a:defRPr>
-            </a:lvl1pPr>
-            <a:lvl2pPr>
-              <a:defRPr>
-                <a:solidFill>
-                  <a:srgbClr val="076181"/>
-                </a:solidFill>
-                <a:latin typeface="Gotham Medium" panose="02000604030000020004" pitchFamily="50" charset="0"/>
-              </a:defRPr>
-            </a:lvl2pPr>
-            <a:lvl3pPr>
-              <a:defRPr>
-                <a:solidFill>
-                  <a:srgbClr val="076181"/>
-                </a:solidFill>
-                <a:latin typeface="Gotham Medium" panose="02000604030000020004" pitchFamily="50" charset="0"/>
-              </a:defRPr>
-            </a:lvl3pPr>
-            <a:lvl4pPr>
-              <a:defRPr>
-                <a:solidFill>
-                  <a:srgbClr val="076181"/>
-                </a:solidFill>
-                <a:latin typeface="Gotham Medium" panose="02000604030000020004" pitchFamily="50" charset="0"/>
-              </a:defRPr>
-            </a:lvl4pPr>
-            <a:lvl5pPr>
-              <a:defRPr>
-                <a:solidFill>
-                  <a:srgbClr val="076181"/>
-                </a:solidFill>
-                <a:latin typeface="Gotham Medium" panose="02000604030000020004" pitchFamily="50" charset="0"/>
-              </a:defRPr>
-            </a:lvl5pPr>
-          </a:lstStyle>
-          <a:p>
-            <a:pPr lvl="0"/>
-            <a:r>
-              <a:rPr lang="en-US"/>
-              <a:t>Edit Master text styles</a:t>
-            </a:r>
-          </a:p>
-          <a:p>
-            <a:pPr lvl="1"/>
-            <a:r>
-              <a:rPr lang="en-US"/>
-              <a:t>Second level</a:t>
-            </a:r>
-          </a:p>
-          <a:p>
-            <a:pPr lvl="2"/>
-            <a:r>
-              <a:rPr lang="en-US"/>
-              <a:t>Third level</a:t>
-            </a:r>
-          </a:p>
-          <a:p>
-            <a:pPr lvl="3"/>
-            <a:r>
-              <a:rPr lang="en-US"/>
-              <a:t>Fourth level</a:t>
-            </a:r>
-          </a:p>
-          <a:p>
-            <a:pPr lvl="4"/>
-            <a:r>
-              <a:rPr lang="en-US"/>
-              <a:t>Fifth level</a:t>
-            </a:r>
-            <a:endParaRPr lang="en-GB" dirty="0"/>
-          </a:p>
-        </p:txBody>
-      </p:sp>
-      <p:pic>
-        <p:nvPicPr>
-          <p:cNvPr id="4" name="Picture 3">
-            <a:extLst>
-              <a:ext uri="{FF2B5EF4-FFF2-40B4-BE49-F238E27FC236}">
-                <a16:creationId xmlns:a16="http://schemas.microsoft.com/office/drawing/2014/main" id="{27A89336-C7C0-4079-A56B-E689644EB0BC}"/>
-              </a:ext>
-            </a:extLst>
-          </p:cNvPr>
-          <p:cNvPicPr>
-            <a:picLocks noChangeAspect="1"/>
-          </p:cNvPicPr>
-          <p:nvPr userDrawn="1"/>
-        </p:nvPicPr>
-        <p:blipFill>
-          <a:blip r:embed="rId3" cstate="print">
-            <a:extLst>
-              <a:ext uri="{28A0092B-C50C-407E-A947-70E740481C1C}">
-                <a14:useLocalDpi xmlns:a14="http://schemas.microsoft.com/office/drawing/2010/main" val="0"/>
-              </a:ext>
-            </a:extLst>
-          </a:blip>
-          <a:stretch>
-            <a:fillRect/>
-          </a:stretch>
-        </p:blipFill>
-        <p:spPr>
-          <a:xfrm>
-            <a:off x="8078190" y="4854159"/>
-            <a:ext cx="992147" cy="185201"/>
-          </a:xfrm>
-          <a:prstGeom prst="rect">
-            <a:avLst/>
-          </a:prstGeom>
-        </p:spPr>
-      </p:pic>
-    </p:spTree>
-    <p:extLst>
-      <p:ext uri="{BB962C8B-B14F-4D97-AF65-F5344CB8AC3E}">
-        <p14:creationId xmlns:p14="http://schemas.microsoft.com/office/powerpoint/2010/main" val="2782643352"/>
-      </p:ext>
-    </p:extLst>
-  </p:cSld>
-  <p:clrMapOvr>
-    <a:masterClrMapping/>
-  </p:clrMapOvr>
 </p:sldLayout>
 </file>
 
@@ -12397,6 +11747,7 @@
     <p:sldLayoutId id="2147483682" r:id="rId16"/>
     <p:sldLayoutId id="2147483690" r:id="rId17"/>
     <p:sldLayoutId id="2147483696" r:id="rId18"/>
+    <p:sldLayoutId id="2147483697" r:id="rId19"/>
   </p:sldLayoutIdLst>
   <p:hf hdr="0" ftr="0"/>
   <p:txStyles>
@@ -12652,359 +12003,7 @@
 </p:sldMaster>
 </file>
 
-<file path=ppt/slideMasters/slideMaster2.xml><?xml version="1.0" encoding="utf-8"?>
-<p:sldMaster xmlns:a="http://schemas.openxmlformats.org/drawingml/2006/main" xmlns:r="http://schemas.openxmlformats.org/officeDocument/2006/relationships" xmlns:p="http://schemas.openxmlformats.org/presentationml/2006/main">
-  <p:cSld>
-    <p:bg>
-      <p:bgRef idx="1001">
-        <a:schemeClr val="bg1"/>
-      </p:bgRef>
-    </p:bg>
-    <p:spTree>
-      <p:nvGrpSpPr>
-        <p:cNvPr id="1" name=""/>
-        <p:cNvGrpSpPr/>
-        <p:nvPr/>
-      </p:nvGrpSpPr>
-      <p:grpSpPr>
-        <a:xfrm>
-          <a:off x="0" y="0"/>
-          <a:ext cx="0" cy="0"/>
-          <a:chOff x="0" y="0"/>
-          <a:chExt cx="0" cy="0"/>
-        </a:xfrm>
-      </p:grpSpPr>
-    </p:spTree>
-    <p:extLst>
-      <p:ext uri="{BB962C8B-B14F-4D97-AF65-F5344CB8AC3E}">
-        <p14:creationId xmlns:p14="http://schemas.microsoft.com/office/powerpoint/2010/main" val="2684021803"/>
-      </p:ext>
-    </p:extLst>
-  </p:cSld>
-  <p:clrMap bg1="lt1" tx1="dk1" bg2="lt2" tx2="dk2" accent1="accent1" accent2="accent2" accent3="accent3" accent4="accent4" accent5="accent5" accent6="accent6" hlink="hlink" folHlink="folHlink"/>
-  <p:sldLayoutIdLst>
-    <p:sldLayoutId id="2147483692" r:id="rId1"/>
-    <p:sldLayoutId id="2147483693" r:id="rId2"/>
-    <p:sldLayoutId id="2147483694" r:id="rId3"/>
-    <p:sldLayoutId id="2147483695" r:id="rId4"/>
-  </p:sldLayoutIdLst>
-  <p:transition>
-    <p:fade/>
-  </p:transition>
-  <p:txStyles>
-    <p:titleStyle>
-      <a:lvl1pPr algn="l" defTabSz="685800" rtl="0" eaLnBrk="1" latinLnBrk="0" hangingPunct="1">
-        <a:lnSpc>
-          <a:spcPct val="90000"/>
-        </a:lnSpc>
-        <a:spcBef>
-          <a:spcPct val="0"/>
-        </a:spcBef>
-        <a:buNone/>
-        <a:defRPr sz="3300" kern="1200">
-          <a:solidFill>
-            <a:schemeClr val="tx1"/>
-          </a:solidFill>
-          <a:latin typeface="+mj-lt"/>
-          <a:ea typeface="+mj-ea"/>
-          <a:cs typeface="+mj-cs"/>
-        </a:defRPr>
-      </a:lvl1pPr>
-    </p:titleStyle>
-    <p:bodyStyle>
-      <a:lvl1pPr marL="171450" indent="-171450" algn="l" defTabSz="685800" rtl="0" eaLnBrk="1" latinLnBrk="0" hangingPunct="1">
-        <a:lnSpc>
-          <a:spcPct val="90000"/>
-        </a:lnSpc>
-        <a:spcBef>
-          <a:spcPts val="750"/>
-        </a:spcBef>
-        <a:buFont typeface="Arial" panose="020B0604020202020204" pitchFamily="34" charset="0"/>
-        <a:buChar char="•"/>
-        <a:defRPr sz="2100" kern="1200">
-          <a:solidFill>
-            <a:schemeClr val="tx1"/>
-          </a:solidFill>
-          <a:latin typeface="+mn-lt"/>
-          <a:ea typeface="+mn-ea"/>
-          <a:cs typeface="+mn-cs"/>
-        </a:defRPr>
-      </a:lvl1pPr>
-      <a:lvl2pPr marL="514350" indent="-171450" algn="l" defTabSz="685800" rtl="0" eaLnBrk="1" latinLnBrk="0" hangingPunct="1">
-        <a:lnSpc>
-          <a:spcPct val="90000"/>
-        </a:lnSpc>
-        <a:spcBef>
-          <a:spcPts val="375"/>
-        </a:spcBef>
-        <a:buFont typeface="Arial" panose="020B0604020202020204" pitchFamily="34" charset="0"/>
-        <a:buChar char="•"/>
-        <a:defRPr sz="1800" kern="1200">
-          <a:solidFill>
-            <a:schemeClr val="tx1"/>
-          </a:solidFill>
-          <a:latin typeface="+mn-lt"/>
-          <a:ea typeface="+mn-ea"/>
-          <a:cs typeface="+mn-cs"/>
-        </a:defRPr>
-      </a:lvl2pPr>
-      <a:lvl3pPr marL="857250" indent="-171450" algn="l" defTabSz="685800" rtl="0" eaLnBrk="1" latinLnBrk="0" hangingPunct="1">
-        <a:lnSpc>
-          <a:spcPct val="90000"/>
-        </a:lnSpc>
-        <a:spcBef>
-          <a:spcPts val="375"/>
-        </a:spcBef>
-        <a:buFont typeface="Arial" panose="020B0604020202020204" pitchFamily="34" charset="0"/>
-        <a:buChar char="•"/>
-        <a:defRPr sz="1500" kern="1200">
-          <a:solidFill>
-            <a:schemeClr val="tx1"/>
-          </a:solidFill>
-          <a:latin typeface="+mn-lt"/>
-          <a:ea typeface="+mn-ea"/>
-          <a:cs typeface="+mn-cs"/>
-        </a:defRPr>
-      </a:lvl3pPr>
-      <a:lvl4pPr marL="1200150" indent="-171450" algn="l" defTabSz="685800" rtl="0" eaLnBrk="1" latinLnBrk="0" hangingPunct="1">
-        <a:lnSpc>
-          <a:spcPct val="90000"/>
-        </a:lnSpc>
-        <a:spcBef>
-          <a:spcPts val="375"/>
-        </a:spcBef>
-        <a:buFont typeface="Arial" panose="020B0604020202020204" pitchFamily="34" charset="0"/>
-        <a:buChar char="•"/>
-        <a:defRPr sz="1350" kern="1200">
-          <a:solidFill>
-            <a:schemeClr val="tx1"/>
-          </a:solidFill>
-          <a:latin typeface="+mn-lt"/>
-          <a:ea typeface="+mn-ea"/>
-          <a:cs typeface="+mn-cs"/>
-        </a:defRPr>
-      </a:lvl4pPr>
-      <a:lvl5pPr marL="1543050" indent="-171450" algn="l" defTabSz="685800" rtl="0" eaLnBrk="1" latinLnBrk="0" hangingPunct="1">
-        <a:lnSpc>
-          <a:spcPct val="90000"/>
-        </a:lnSpc>
-        <a:spcBef>
-          <a:spcPts val="375"/>
-        </a:spcBef>
-        <a:buFont typeface="Arial" panose="020B0604020202020204" pitchFamily="34" charset="0"/>
-        <a:buChar char="•"/>
-        <a:defRPr sz="1350" kern="1200">
-          <a:solidFill>
-            <a:schemeClr val="tx1"/>
-          </a:solidFill>
-          <a:latin typeface="+mn-lt"/>
-          <a:ea typeface="+mn-ea"/>
-          <a:cs typeface="+mn-cs"/>
-        </a:defRPr>
-      </a:lvl5pPr>
-      <a:lvl6pPr marL="1885950" indent="-171450" algn="l" defTabSz="685800" rtl="0" eaLnBrk="1" latinLnBrk="0" hangingPunct="1">
-        <a:lnSpc>
-          <a:spcPct val="90000"/>
-        </a:lnSpc>
-        <a:spcBef>
-          <a:spcPts val="375"/>
-        </a:spcBef>
-        <a:buFont typeface="Arial" panose="020B0604020202020204" pitchFamily="34" charset="0"/>
-        <a:buChar char="•"/>
-        <a:defRPr sz="1350" kern="1200">
-          <a:solidFill>
-            <a:schemeClr val="tx1"/>
-          </a:solidFill>
-          <a:latin typeface="+mn-lt"/>
-          <a:ea typeface="+mn-ea"/>
-          <a:cs typeface="+mn-cs"/>
-        </a:defRPr>
-      </a:lvl6pPr>
-      <a:lvl7pPr marL="2228850" indent="-171450" algn="l" defTabSz="685800" rtl="0" eaLnBrk="1" latinLnBrk="0" hangingPunct="1">
-        <a:lnSpc>
-          <a:spcPct val="90000"/>
-        </a:lnSpc>
-        <a:spcBef>
-          <a:spcPts val="375"/>
-        </a:spcBef>
-        <a:buFont typeface="Arial" panose="020B0604020202020204" pitchFamily="34" charset="0"/>
-        <a:buChar char="•"/>
-        <a:defRPr sz="1350" kern="1200">
-          <a:solidFill>
-            <a:schemeClr val="tx1"/>
-          </a:solidFill>
-          <a:latin typeface="+mn-lt"/>
-          <a:ea typeface="+mn-ea"/>
-          <a:cs typeface="+mn-cs"/>
-        </a:defRPr>
-      </a:lvl7pPr>
-      <a:lvl8pPr marL="2571750" indent="-171450" algn="l" defTabSz="685800" rtl="0" eaLnBrk="1" latinLnBrk="0" hangingPunct="1">
-        <a:lnSpc>
-          <a:spcPct val="90000"/>
-        </a:lnSpc>
-        <a:spcBef>
-          <a:spcPts val="375"/>
-        </a:spcBef>
-        <a:buFont typeface="Arial" panose="020B0604020202020204" pitchFamily="34" charset="0"/>
-        <a:buChar char="•"/>
-        <a:defRPr sz="1350" kern="1200">
-          <a:solidFill>
-            <a:schemeClr val="tx1"/>
-          </a:solidFill>
-          <a:latin typeface="+mn-lt"/>
-          <a:ea typeface="+mn-ea"/>
-          <a:cs typeface="+mn-cs"/>
-        </a:defRPr>
-      </a:lvl8pPr>
-      <a:lvl9pPr marL="2914650" indent="-171450" algn="l" defTabSz="685800" rtl="0" eaLnBrk="1" latinLnBrk="0" hangingPunct="1">
-        <a:lnSpc>
-          <a:spcPct val="90000"/>
-        </a:lnSpc>
-        <a:spcBef>
-          <a:spcPts val="375"/>
-        </a:spcBef>
-        <a:buFont typeface="Arial" panose="020B0604020202020204" pitchFamily="34" charset="0"/>
-        <a:buChar char="•"/>
-        <a:defRPr sz="1350" kern="1200">
-          <a:solidFill>
-            <a:schemeClr val="tx1"/>
-          </a:solidFill>
-          <a:latin typeface="+mn-lt"/>
-          <a:ea typeface="+mn-ea"/>
-          <a:cs typeface="+mn-cs"/>
-        </a:defRPr>
-      </a:lvl9pPr>
-    </p:bodyStyle>
-    <p:otherStyle>
-      <a:defPPr>
-        <a:defRPr lang="en-US"/>
-      </a:defPPr>
-      <a:lvl1pPr marL="0" algn="l" defTabSz="685800" rtl="0" eaLnBrk="1" latinLnBrk="0" hangingPunct="1">
-        <a:defRPr sz="1350" kern="1200">
-          <a:solidFill>
-            <a:schemeClr val="tx1"/>
-          </a:solidFill>
-          <a:latin typeface="+mn-lt"/>
-          <a:ea typeface="+mn-ea"/>
-          <a:cs typeface="+mn-cs"/>
-        </a:defRPr>
-      </a:lvl1pPr>
-      <a:lvl2pPr marL="342900" algn="l" defTabSz="685800" rtl="0" eaLnBrk="1" latinLnBrk="0" hangingPunct="1">
-        <a:defRPr sz="1350" kern="1200">
-          <a:solidFill>
-            <a:schemeClr val="tx1"/>
-          </a:solidFill>
-          <a:latin typeface="+mn-lt"/>
-          <a:ea typeface="+mn-ea"/>
-          <a:cs typeface="+mn-cs"/>
-        </a:defRPr>
-      </a:lvl2pPr>
-      <a:lvl3pPr marL="685800" algn="l" defTabSz="685800" rtl="0" eaLnBrk="1" latinLnBrk="0" hangingPunct="1">
-        <a:defRPr sz="1350" kern="1200">
-          <a:solidFill>
-            <a:schemeClr val="tx1"/>
-          </a:solidFill>
-          <a:latin typeface="+mn-lt"/>
-          <a:ea typeface="+mn-ea"/>
-          <a:cs typeface="+mn-cs"/>
-        </a:defRPr>
-      </a:lvl3pPr>
-      <a:lvl4pPr marL="1028700" algn="l" defTabSz="685800" rtl="0" eaLnBrk="1" latinLnBrk="0" hangingPunct="1">
-        <a:defRPr sz="1350" kern="1200">
-          <a:solidFill>
-            <a:schemeClr val="tx1"/>
-          </a:solidFill>
-          <a:latin typeface="+mn-lt"/>
-          <a:ea typeface="+mn-ea"/>
-          <a:cs typeface="+mn-cs"/>
-        </a:defRPr>
-      </a:lvl4pPr>
-      <a:lvl5pPr marL="1371600" algn="l" defTabSz="685800" rtl="0" eaLnBrk="1" latinLnBrk="0" hangingPunct="1">
-        <a:defRPr sz="1350" kern="1200">
-          <a:solidFill>
-            <a:schemeClr val="tx1"/>
-          </a:solidFill>
-          <a:latin typeface="+mn-lt"/>
-          <a:ea typeface="+mn-ea"/>
-          <a:cs typeface="+mn-cs"/>
-        </a:defRPr>
-      </a:lvl5pPr>
-      <a:lvl6pPr marL="1714500" algn="l" defTabSz="685800" rtl="0" eaLnBrk="1" latinLnBrk="0" hangingPunct="1">
-        <a:defRPr sz="1350" kern="1200">
-          <a:solidFill>
-            <a:schemeClr val="tx1"/>
-          </a:solidFill>
-          <a:latin typeface="+mn-lt"/>
-          <a:ea typeface="+mn-ea"/>
-          <a:cs typeface="+mn-cs"/>
-        </a:defRPr>
-      </a:lvl6pPr>
-      <a:lvl7pPr marL="2057400" algn="l" defTabSz="685800" rtl="0" eaLnBrk="1" latinLnBrk="0" hangingPunct="1">
-        <a:defRPr sz="1350" kern="1200">
-          <a:solidFill>
-            <a:schemeClr val="tx1"/>
-          </a:solidFill>
-          <a:latin typeface="+mn-lt"/>
-          <a:ea typeface="+mn-ea"/>
-          <a:cs typeface="+mn-cs"/>
-        </a:defRPr>
-      </a:lvl7pPr>
-      <a:lvl8pPr marL="2400300" algn="l" defTabSz="685800" rtl="0" eaLnBrk="1" latinLnBrk="0" hangingPunct="1">
-        <a:defRPr sz="1350" kern="1200">
-          <a:solidFill>
-            <a:schemeClr val="tx1"/>
-          </a:solidFill>
-          <a:latin typeface="+mn-lt"/>
-          <a:ea typeface="+mn-ea"/>
-          <a:cs typeface="+mn-cs"/>
-        </a:defRPr>
-      </a:lvl8pPr>
-      <a:lvl9pPr marL="2743200" algn="l" defTabSz="685800" rtl="0" eaLnBrk="1" latinLnBrk="0" hangingPunct="1">
-        <a:defRPr sz="1350" kern="1200">
-          <a:solidFill>
-            <a:schemeClr val="tx1"/>
-          </a:solidFill>
-          <a:latin typeface="+mn-lt"/>
-          <a:ea typeface="+mn-ea"/>
-          <a:cs typeface="+mn-cs"/>
-        </a:defRPr>
-      </a:lvl9pPr>
-    </p:otherStyle>
-  </p:txStyles>
-</p:sldMaster>
-</file>
-
 <file path=ppt/slides/slide1.xml><?xml version="1.0" encoding="utf-8"?>
-<p:sld xmlns:a="http://schemas.openxmlformats.org/drawingml/2006/main" xmlns:r="http://schemas.openxmlformats.org/officeDocument/2006/relationships" xmlns:p="http://schemas.openxmlformats.org/presentationml/2006/main">
-  <p:cSld>
-    <p:spTree>
-      <p:nvGrpSpPr>
-        <p:cNvPr id="1" name=""/>
-        <p:cNvGrpSpPr/>
-        <p:nvPr/>
-      </p:nvGrpSpPr>
-      <p:grpSpPr>
-        <a:xfrm>
-          <a:off x="0" y="0"/>
-          <a:ext cx="0" cy="0"/>
-          <a:chOff x="0" y="0"/>
-          <a:chExt cx="0" cy="0"/>
-        </a:xfrm>
-      </p:grpSpPr>
-    </p:spTree>
-    <p:extLst>
-      <p:ext uri="{BB962C8B-B14F-4D97-AF65-F5344CB8AC3E}">
-        <p14:creationId xmlns:p14="http://schemas.microsoft.com/office/powerpoint/2010/main" val="1514511701"/>
-      </p:ext>
-    </p:extLst>
-  </p:cSld>
-  <p:clrMapOvr>
-    <a:masterClrMapping/>
-  </p:clrMapOvr>
-</p:sld>
-</file>
-
-<file path=ppt/slides/slide10.xml><?xml version="1.0" encoding="utf-8"?>
 <p:sld xmlns:a="http://schemas.openxmlformats.org/drawingml/2006/main" xmlns:r="http://schemas.openxmlformats.org/officeDocument/2006/relationships" xmlns:p="http://schemas.openxmlformats.org/presentationml/2006/main">
   <p:cSld>
     <p:spTree>
@@ -13026,7 +12025,7 @@
           <p:cNvPr id="2" name="Title 1">
             <a:extLst>
               <a:ext uri="{FF2B5EF4-FFF2-40B4-BE49-F238E27FC236}">
-                <a16:creationId xmlns:a16="http://schemas.microsoft.com/office/drawing/2014/main" id="{9EB43A58-15E0-418C-B760-4996EEE72F7B}"/>
+                <a16:creationId xmlns:a16="http://schemas.microsoft.com/office/drawing/2014/main" id="{D3CBE610-86BB-49D9-BA06-22CDA1DC050B}"/>
               </a:ext>
             </a:extLst>
           </p:cNvPr>
@@ -13043,218 +12042,93 @@
           <a:lstStyle/>
           <a:p>
             <a:r>
-              <a:rPr lang="de-AT" dirty="0" err="1"/>
+              <a:rPr lang="en-US" sz="3000" cap="none" dirty="0">
+                <a:latin typeface="Segoe UI Light" panose="020B0502040204020203" pitchFamily="34" charset="0"/>
+                <a:cs typeface="Segoe UI Light" panose="020B0502040204020203" pitchFamily="34" charset="0"/>
+              </a:rPr>
+              <a:t>SPA Revolution with </a:t>
+            </a:r>
+            <a:r>
+              <a:rPr lang="en-US" sz="3000" cap="none" dirty="0" err="1">
+                <a:latin typeface="Segoe UI Light" panose="020B0502040204020203" pitchFamily="34" charset="0"/>
+                <a:cs typeface="Segoe UI Light" panose="020B0502040204020203" pitchFamily="34" charset="0"/>
+              </a:rPr>
               <a:t>WebAssembly</a:t>
             </a:r>
-            <a:endParaRPr lang="de-AT" dirty="0"/>
+            <a:r>
+              <a:rPr lang="en-US" sz="3000" cap="none" dirty="0">
+                <a:latin typeface="Segoe UI Light" panose="020B0502040204020203" pitchFamily="34" charset="0"/>
+                <a:cs typeface="Segoe UI Light" panose="020B0502040204020203" pitchFamily="34" charset="0"/>
+              </a:rPr>
+              <a:t> and </a:t>
+            </a:r>
+            <a:r>
+              <a:rPr lang="en-US" sz="3000" cap="none" dirty="0" err="1">
+                <a:latin typeface="Segoe UI Light" panose="020B0502040204020203" pitchFamily="34" charset="0"/>
+                <a:cs typeface="Segoe UI Light" panose="020B0502040204020203" pitchFamily="34" charset="0"/>
+              </a:rPr>
+              <a:t>Blazor</a:t>
+            </a:r>
+            <a:br>
+              <a:rPr lang="en-US" sz="3000" cap="none" dirty="0">
+                <a:latin typeface="Segoe UI Light" panose="020B0502040204020203" pitchFamily="34" charset="0"/>
+                <a:cs typeface="Segoe UI Light" panose="020B0502040204020203" pitchFamily="34" charset="0"/>
+              </a:rPr>
+            </a:br>
+            <a:br>
+              <a:rPr lang="en-US" cap="none" dirty="0">
+                <a:latin typeface="Segoe UI Light" panose="020B0502040204020203" pitchFamily="34" charset="0"/>
+                <a:cs typeface="Segoe UI Light" panose="020B0502040204020203" pitchFamily="34" charset="0"/>
+              </a:rPr>
+            </a:br>
+            <a:r>
+              <a:rPr lang="en-US" sz="1800" cap="none" dirty="0">
+                <a:latin typeface="Segoe UI Light" panose="020B0502040204020203" pitchFamily="34" charset="0"/>
+                <a:cs typeface="Segoe UI Light" panose="020B0502040204020203" pitchFamily="34" charset="0"/>
+              </a:rPr>
+              <a:t>Rainer Stropek | software architects</a:t>
+            </a:r>
+            <a:br>
+              <a:rPr lang="en-US" sz="1800" cap="none" dirty="0">
+                <a:latin typeface="Segoe UI Light" panose="020B0502040204020203" pitchFamily="34" charset="0"/>
+                <a:cs typeface="Segoe UI Light" panose="020B0502040204020203" pitchFamily="34" charset="0"/>
+              </a:rPr>
+            </a:br>
+            <a:r>
+              <a:rPr lang="en-US" sz="1800" cap="none" dirty="0">
+                <a:latin typeface="Segoe UI Light" panose="020B0502040204020203" pitchFamily="34" charset="0"/>
+                <a:cs typeface="Segoe UI Light" panose="020B0502040204020203" pitchFamily="34" charset="0"/>
+              </a:rPr>
+              <a:t>@</a:t>
+            </a:r>
+            <a:r>
+              <a:rPr lang="en-US" sz="1800" cap="none" dirty="0" err="1">
+                <a:latin typeface="Segoe UI Light" panose="020B0502040204020203" pitchFamily="34" charset="0"/>
+                <a:cs typeface="Segoe UI Light" panose="020B0502040204020203" pitchFamily="34" charset="0"/>
+              </a:rPr>
+              <a:t>rstropek</a:t>
+            </a:r>
+            <a:endParaRPr lang="de-AT" sz="1800" cap="none" dirty="0">
+              <a:latin typeface="Segoe UI Light" panose="020B0502040204020203" pitchFamily="34" charset="0"/>
+              <a:cs typeface="Segoe UI Light" panose="020B0502040204020203" pitchFamily="34" charset="0"/>
+            </a:endParaRPr>
           </a:p>
         </p:txBody>
       </p:sp>
-      <p:sp>
-        <p:nvSpPr>
-          <p:cNvPr id="5" name="Text Placeholder 4">
-            <a:extLst>
-              <a:ext uri="{FF2B5EF4-FFF2-40B4-BE49-F238E27FC236}">
-                <a16:creationId xmlns:a16="http://schemas.microsoft.com/office/drawing/2014/main" id="{C605B6C3-8495-4E14-8F22-ADDFE3D05ED5}"/>
-              </a:ext>
-            </a:extLst>
-          </p:cNvPr>
-          <p:cNvSpPr>
-            <a:spLocks noGrp="1"/>
-          </p:cNvSpPr>
-          <p:nvPr>
-            <p:ph type="body" sz="quarter" idx="23"/>
-          </p:nvPr>
-        </p:nvSpPr>
-        <p:spPr/>
-        <p:txBody>
-          <a:bodyPr/>
-          <a:lstStyle/>
-          <a:p>
-            <a:r>
-              <a:rPr lang="de-AT" dirty="0">
-                <a:hlinkClick r:id="rId2"/>
-              </a:rPr>
-              <a:t>http://webassembly.org/</a:t>
-            </a:r>
-            <a:endParaRPr lang="de-AT" dirty="0"/>
-          </a:p>
-        </p:txBody>
-      </p:sp>
-      <p:sp>
-        <p:nvSpPr>
-          <p:cNvPr id="6" name="Text Placeholder 5">
-            <a:extLst>
-              <a:ext uri="{FF2B5EF4-FFF2-40B4-BE49-F238E27FC236}">
-                <a16:creationId xmlns:a16="http://schemas.microsoft.com/office/drawing/2014/main" id="{A111940C-CF0B-46BB-87B1-7171DA8F6C1A}"/>
-              </a:ext>
-            </a:extLst>
-          </p:cNvPr>
-          <p:cNvSpPr>
-            <a:spLocks noGrp="1"/>
-          </p:cNvSpPr>
-          <p:nvPr>
-            <p:ph type="body" sz="quarter" idx="24"/>
-          </p:nvPr>
-        </p:nvSpPr>
-        <p:spPr/>
-        <p:txBody>
-          <a:bodyPr/>
-          <a:lstStyle/>
-          <a:p>
-            <a:r>
-              <a:rPr lang="en-US" dirty="0"/>
-              <a:t>Binary instruction format for a stack-based VM</a:t>
-            </a:r>
-          </a:p>
-          <a:p>
-            <a:pPr lvl="1"/>
-            <a:r>
-              <a:rPr lang="en-US" dirty="0"/>
-              <a:t>For Browser and beyond</a:t>
-            </a:r>
-          </a:p>
-          <a:p>
-            <a:r>
-              <a:rPr lang="en-US" dirty="0"/>
-              <a:t>Portable compilation target for high-level languages like C/C++/Rust</a:t>
-            </a:r>
-          </a:p>
-          <a:p>
-            <a:r>
-              <a:rPr lang="en-US" b="1" dirty="0"/>
-              <a:t>Open Standard</a:t>
-            </a:r>
-          </a:p>
-          <a:p>
-            <a:r>
-              <a:rPr lang="en-US" dirty="0"/>
-              <a:t>Why?</a:t>
-            </a:r>
-          </a:p>
-          <a:p>
-            <a:pPr lvl="1"/>
-            <a:r>
-              <a:rPr lang="en-US" dirty="0"/>
-              <a:t>Performance</a:t>
-            </a:r>
-          </a:p>
-          <a:p>
-            <a:pPr lvl="1"/>
-            <a:r>
-              <a:rPr lang="de-AT" dirty="0"/>
-              <a:t>Safe</a:t>
-            </a:r>
-          </a:p>
-          <a:p>
-            <a:pPr lvl="1"/>
-            <a:endParaRPr lang="de-AT" dirty="0"/>
-          </a:p>
-        </p:txBody>
-      </p:sp>
-      <p:sp>
-        <p:nvSpPr>
-          <p:cNvPr id="7" name="Text Placeholder 6">
-            <a:extLst>
-              <a:ext uri="{FF2B5EF4-FFF2-40B4-BE49-F238E27FC236}">
-                <a16:creationId xmlns:a16="http://schemas.microsoft.com/office/drawing/2014/main" id="{2D507E37-4EB3-4E63-9E42-4E30F150BB41}"/>
-              </a:ext>
-            </a:extLst>
-          </p:cNvPr>
-          <p:cNvSpPr>
-            <a:spLocks noGrp="1"/>
-          </p:cNvSpPr>
-          <p:nvPr>
-            <p:ph type="body" sz="quarter" idx="25"/>
-          </p:nvPr>
-        </p:nvSpPr>
-        <p:spPr/>
-        <p:txBody>
-          <a:bodyPr/>
-          <a:lstStyle/>
-          <a:p>
-            <a:r>
-              <a:rPr lang="de-AT" sz="700" dirty="0"/>
-              <a:t>https://commons.wikimedia.org/wiki/File:Web_Assembly_Logo.svg</a:t>
-            </a:r>
-          </a:p>
-        </p:txBody>
-      </p:sp>
-      <p:pic>
-        <p:nvPicPr>
-          <p:cNvPr id="9" name="Picture 2" descr="File:Web Assembly Logo.svg">
-            <a:extLst>
-              <a:ext uri="{FF2B5EF4-FFF2-40B4-BE49-F238E27FC236}">
-                <a16:creationId xmlns:a16="http://schemas.microsoft.com/office/drawing/2014/main" id="{F467BD0D-EE83-45F0-B933-32E253173F63}"/>
-              </a:ext>
-            </a:extLst>
-          </p:cNvPr>
-          <p:cNvPicPr>
-            <a:picLocks noGrp="1" noChangeAspect="1" noChangeArrowheads="1"/>
-          </p:cNvPicPr>
-          <p:nvPr>
-            <p:ph sz="quarter" idx="22"/>
-          </p:nvPr>
-        </p:nvPicPr>
-        <p:blipFill>
-          <a:blip r:embed="rId3">
-            <a:extLst>
-              <a:ext uri="{28A0092B-C50C-407E-A947-70E740481C1C}">
-                <a14:useLocalDpi xmlns:a14="http://schemas.microsoft.com/office/drawing/2010/main" val="0"/>
-              </a:ext>
-            </a:extLst>
-          </a:blip>
-          <a:srcRect/>
-          <a:stretch>
-            <a:fillRect/>
-          </a:stretch>
-        </p:blipFill>
-        <p:spPr bwMode="auto">
-          <a:xfrm>
-            <a:off x="971600" y="464344"/>
-            <a:ext cx="4214812" cy="4214812"/>
-          </a:xfrm>
-          <a:prstGeom prst="rect">
-            <a:avLst/>
-          </a:prstGeom>
-          <a:noFill/>
-          <a:extLst>
-            <a:ext uri="{909E8E84-426E-40DD-AFC4-6F175D3DCCD1}">
-              <a14:hiddenFill xmlns:a14="http://schemas.microsoft.com/office/drawing/2010/main">
-                <a:solidFill>
-                  <a:srgbClr val="FFFFFF"/>
-                </a:solidFill>
-              </a14:hiddenFill>
-            </a:ext>
-          </a:extLst>
-        </p:spPr>
-      </p:pic>
     </p:spTree>
     <p:extLst>
       <p:ext uri="{BB962C8B-B14F-4D97-AF65-F5344CB8AC3E}">
-        <p14:creationId xmlns:p14="http://schemas.microsoft.com/office/powerpoint/2010/main" val="2001206982"/>
+        <p14:creationId xmlns:p14="http://schemas.microsoft.com/office/powerpoint/2010/main" val="71468584"/>
       </p:ext>
     </p:extLst>
   </p:cSld>
   <p:clrMapOvr>
     <a:masterClrMapping/>
   </p:clrMapOvr>
-  <mc:AlternateContent xmlns:mc="http://schemas.openxmlformats.org/markup-compatibility/2006" xmlns:p14="http://schemas.microsoft.com/office/powerpoint/2010/main">
-    <mc:Choice Requires="p14">
-      <p:transition spd="med" p14:dur="700">
-        <p:fade/>
-      </p:transition>
-    </mc:Choice>
-    <mc:Fallback xmlns="">
-      <p:transition spd="med">
-        <p:fade/>
-      </p:transition>
-    </mc:Fallback>
-  </mc:AlternateContent>
 </p:sld>
 </file>
 
-<file path=ppt/slides/slide11.xml><?xml version="1.0" encoding="utf-8"?>
+<file path=ppt/slides/slide10.xml><?xml version="1.0" encoding="utf-8"?>
 <p:sld xmlns:a="http://schemas.openxmlformats.org/drawingml/2006/main" xmlns:r="http://schemas.openxmlformats.org/officeDocument/2006/relationships" xmlns:p="http://schemas.openxmlformats.org/presentationml/2006/main">
   <p:cSld>
     <p:spTree>
@@ -13422,7 +12296,7 @@
 </p:sld>
 </file>
 
-<file path=ppt/slides/slide12.xml><?xml version="1.0" encoding="utf-8"?>
+<file path=ppt/slides/slide11.xml><?xml version="1.0" encoding="utf-8"?>
 <p:sld xmlns:a="http://schemas.openxmlformats.org/drawingml/2006/main" xmlns:r="http://schemas.openxmlformats.org/officeDocument/2006/relationships" xmlns:p="http://schemas.openxmlformats.org/presentationml/2006/main" showMasterPhAnim="0">
   <p:cSld>
     <p:spTree>
@@ -13931,7 +12805,7 @@
 </p:sld>
 </file>
 
-<file path=ppt/slides/slide13.xml><?xml version="1.0" encoding="utf-8"?>
+<file path=ppt/slides/slide12.xml><?xml version="1.0" encoding="utf-8"?>
 <p:sld xmlns:a="http://schemas.openxmlformats.org/drawingml/2006/main" xmlns:r="http://schemas.openxmlformats.org/officeDocument/2006/relationships" xmlns:p="http://schemas.openxmlformats.org/presentationml/2006/main" showMasterPhAnim="0">
   <p:cSld>
     <p:spTree>
@@ -14273,7 +13147,7 @@
 </p:sld>
 </file>
 
-<file path=ppt/slides/slide14.xml><?xml version="1.0" encoding="utf-8"?>
+<file path=ppt/slides/slide13.xml><?xml version="1.0" encoding="utf-8"?>
 <p:sld xmlns:a="http://schemas.openxmlformats.org/drawingml/2006/main" xmlns:r="http://schemas.openxmlformats.org/officeDocument/2006/relationships" xmlns:p="http://schemas.openxmlformats.org/presentationml/2006/main" showMasterPhAnim="0">
   <p:cSld>
     <p:spTree>
@@ -14424,6 +13298,311 @@
     <p:extLst>
       <p:ext uri="{BB962C8B-B14F-4D97-AF65-F5344CB8AC3E}">
         <p14:creationId xmlns:p14="http://schemas.microsoft.com/office/powerpoint/2010/main" val="3604457082"/>
+      </p:ext>
+    </p:extLst>
+  </p:cSld>
+  <p:clrMapOvr>
+    <a:masterClrMapping/>
+  </p:clrMapOvr>
+  <p:transition spd="slow">
+    <p:push/>
+  </p:transition>
+</p:sld>
+</file>
+
+<file path=ppt/slides/slide14.xml><?xml version="1.0" encoding="utf-8"?>
+<p:sld xmlns:a="http://schemas.openxmlformats.org/drawingml/2006/main" xmlns:r="http://schemas.openxmlformats.org/officeDocument/2006/relationships" xmlns:p="http://schemas.openxmlformats.org/presentationml/2006/main">
+  <p:cSld>
+    <p:spTree>
+      <p:nvGrpSpPr>
+        <p:cNvPr id="1" name=""/>
+        <p:cNvGrpSpPr/>
+        <p:nvPr/>
+      </p:nvGrpSpPr>
+      <p:grpSpPr>
+        <a:xfrm>
+          <a:off x="0" y="0"/>
+          <a:ext cx="0" cy="0"/>
+          <a:chOff x="0" y="0"/>
+          <a:chExt cx="0" cy="0"/>
+        </a:xfrm>
+      </p:grpSpPr>
+      <p:sp>
+        <p:nvSpPr>
+          <p:cNvPr id="6" name="Title 5">
+            <a:extLst>
+              <a:ext uri="{FF2B5EF4-FFF2-40B4-BE49-F238E27FC236}">
+                <a16:creationId xmlns:a16="http://schemas.microsoft.com/office/drawing/2014/main" id="{31C9A591-967D-4B8C-80EB-800A41020900}"/>
+              </a:ext>
+            </a:extLst>
+          </p:cNvPr>
+          <p:cNvSpPr>
+            <a:spLocks noGrp="1"/>
+          </p:cNvSpPr>
+          <p:nvPr>
+            <p:ph type="title"/>
+          </p:nvPr>
+        </p:nvSpPr>
+        <p:spPr/>
+        <p:txBody>
+          <a:bodyPr/>
+          <a:lstStyle/>
+          <a:p>
+            <a:r>
+              <a:rPr lang="en-US"/>
+              <a:t>Anatomy of a Blazor App</a:t>
+            </a:r>
+          </a:p>
+        </p:txBody>
+      </p:sp>
+      <p:sp>
+        <p:nvSpPr>
+          <p:cNvPr id="7" name="Content Placeholder 6">
+            <a:extLst>
+              <a:ext uri="{FF2B5EF4-FFF2-40B4-BE49-F238E27FC236}">
+                <a16:creationId xmlns:a16="http://schemas.microsoft.com/office/drawing/2014/main" id="{3425F950-541D-4060-9EA1-5513D16557B5}"/>
+              </a:ext>
+            </a:extLst>
+          </p:cNvPr>
+          <p:cNvSpPr>
+            <a:spLocks noGrp="1"/>
+          </p:cNvSpPr>
+          <p:nvPr>
+            <p:ph sz="quarter" idx="12"/>
+          </p:nvPr>
+        </p:nvSpPr>
+        <p:spPr/>
+        <p:txBody>
+          <a:bodyPr/>
+          <a:lstStyle/>
+          <a:p>
+            <a:r>
+              <a:rPr lang="en-US" sz="2000" i="1" dirty="0"/>
+              <a:t>dotnet </a:t>
+            </a:r>
+            <a:r>
+              <a:rPr lang="en-US" sz="2000" dirty="0"/>
+              <a:t>command line</a:t>
+            </a:r>
+          </a:p>
+          <a:p>
+            <a:pPr lvl="1"/>
+            <a:r>
+              <a:rPr lang="en-US" sz="1400" i="1" dirty="0"/>
+              <a:t>dotnet new </a:t>
+            </a:r>
+            <a:r>
+              <a:rPr lang="en-US" sz="1400" i="1" dirty="0" err="1"/>
+              <a:t>blazor</a:t>
+            </a:r>
+            <a:endParaRPr lang="en-US" sz="1400" i="1" dirty="0"/>
+          </a:p>
+          <a:p>
+            <a:pPr lvl="1"/>
+            <a:r>
+              <a:rPr lang="en-US" sz="1400" i="1" dirty="0"/>
+              <a:t>dotnet build</a:t>
+            </a:r>
+            <a:endParaRPr lang="en-US" sz="1400" dirty="0"/>
+          </a:p>
+          <a:p>
+            <a:pPr>
+              <a:spcBef>
+                <a:spcPts val="600"/>
+              </a:spcBef>
+            </a:pPr>
+            <a:r>
+              <a:rPr lang="en-US" sz="2000" dirty="0"/>
+              <a:t>Add to a new solution</a:t>
+            </a:r>
+          </a:p>
+          <a:p>
+            <a:pPr lvl="1"/>
+            <a:r>
+              <a:rPr lang="en-US" sz="1400" i="1" dirty="0"/>
+              <a:t>dotnet new </a:t>
+            </a:r>
+            <a:r>
+              <a:rPr lang="en-US" sz="1400" i="1" dirty="0" err="1"/>
+              <a:t>sln</a:t>
+            </a:r>
+            <a:endParaRPr lang="en-US" sz="1400" dirty="0"/>
+          </a:p>
+          <a:p>
+            <a:pPr lvl="1"/>
+            <a:r>
+              <a:rPr lang="en-US" sz="1400" i="1" dirty="0">
+                <a:sym typeface="Wingdings" panose="05000000000000000000" pitchFamily="2" charset="2"/>
+              </a:rPr>
+              <a:t>dotnet </a:t>
+            </a:r>
+            <a:r>
+              <a:rPr lang="en-US" sz="1400" i="1" dirty="0" err="1">
+                <a:sym typeface="Wingdings" panose="05000000000000000000" pitchFamily="2" charset="2"/>
+              </a:rPr>
+              <a:t>sln</a:t>
+            </a:r>
+            <a:r>
+              <a:rPr lang="en-US" sz="1400" i="1" dirty="0">
+                <a:sym typeface="Wingdings" panose="05000000000000000000" pitchFamily="2" charset="2"/>
+              </a:rPr>
+              <a:t> add </a:t>
+            </a:r>
+            <a:r>
+              <a:rPr lang="en-US" sz="1400" i="1" dirty="0" err="1">
+                <a:sym typeface="Wingdings" panose="05000000000000000000" pitchFamily="2" charset="2"/>
+              </a:rPr>
+              <a:t>BlazorDemo.csproj</a:t>
+            </a:r>
+            <a:endParaRPr lang="en-US" sz="1400" dirty="0">
+              <a:sym typeface="Wingdings" panose="05000000000000000000" pitchFamily="2" charset="2"/>
+            </a:endParaRPr>
+          </a:p>
+          <a:p>
+            <a:pPr>
+              <a:spcBef>
+                <a:spcPts val="600"/>
+              </a:spcBef>
+            </a:pPr>
+            <a:r>
+              <a:rPr lang="en-US" sz="2000" dirty="0">
+                <a:sym typeface="Wingdings" panose="05000000000000000000" pitchFamily="2" charset="2"/>
+              </a:rPr>
+              <a:t>Publish Solution</a:t>
+            </a:r>
+          </a:p>
+          <a:p>
+            <a:pPr lvl="1"/>
+            <a:r>
+              <a:rPr lang="en-US" sz="1400" i="1" dirty="0">
+                <a:sym typeface="Wingdings" panose="05000000000000000000" pitchFamily="2" charset="2"/>
+              </a:rPr>
+              <a:t>dotnet publish -c Release -o out</a:t>
+            </a:r>
+          </a:p>
+          <a:p>
+            <a:pPr lvl="1"/>
+            <a:r>
+              <a:rPr lang="en-US" sz="1400" dirty="0">
+                <a:sym typeface="Wingdings" panose="05000000000000000000" pitchFamily="2" charset="2"/>
+              </a:rPr>
+              <a:t>Review content of </a:t>
+            </a:r>
+            <a:r>
+              <a:rPr lang="en-US" sz="1400" i="1" dirty="0">
+                <a:sym typeface="Wingdings" panose="05000000000000000000" pitchFamily="2" charset="2"/>
+              </a:rPr>
+              <a:t>out </a:t>
+            </a:r>
+            <a:r>
+              <a:rPr lang="en-US" sz="1400" dirty="0">
+                <a:sym typeface="Wingdings" panose="05000000000000000000" pitchFamily="2" charset="2"/>
+              </a:rPr>
+              <a:t>folder</a:t>
+            </a:r>
+          </a:p>
+          <a:p>
+            <a:pPr>
+              <a:spcBef>
+                <a:spcPts val="600"/>
+              </a:spcBef>
+            </a:pPr>
+            <a:r>
+              <a:rPr lang="en-US" sz="2000" dirty="0">
+                <a:sym typeface="Wingdings" panose="05000000000000000000" pitchFamily="2" charset="2"/>
+              </a:rPr>
+              <a:t>VS2017</a:t>
+            </a:r>
+          </a:p>
+          <a:p>
+            <a:pPr lvl="1"/>
+            <a:r>
+              <a:rPr lang="en-US" sz="1400" dirty="0">
+                <a:sym typeface="Wingdings" panose="05000000000000000000" pitchFamily="2" charset="2"/>
+              </a:rPr>
+              <a:t>Open VS2017 and show how to create </a:t>
+            </a:r>
+            <a:r>
+              <a:rPr lang="en-US" sz="1400" dirty="0" err="1">
+                <a:sym typeface="Wingdings" panose="05000000000000000000" pitchFamily="2" charset="2"/>
+              </a:rPr>
+              <a:t>Blazor</a:t>
+            </a:r>
+            <a:r>
+              <a:rPr lang="en-US" sz="1400" dirty="0">
+                <a:sym typeface="Wingdings" panose="05000000000000000000" pitchFamily="2" charset="2"/>
+              </a:rPr>
+              <a:t> app there</a:t>
+            </a:r>
+          </a:p>
+          <a:p>
+            <a:pPr lvl="1"/>
+            <a:r>
+              <a:rPr lang="en-US" sz="1400" dirty="0">
+                <a:sym typeface="Wingdings" panose="05000000000000000000" pitchFamily="2" charset="2"/>
+              </a:rPr>
+              <a:t>Show </a:t>
+            </a:r>
+            <a:r>
+              <a:rPr lang="en-US" sz="1400" dirty="0" err="1">
+                <a:sym typeface="Wingdings" panose="05000000000000000000" pitchFamily="2" charset="2"/>
+              </a:rPr>
+              <a:t>Blazor</a:t>
+            </a:r>
+            <a:r>
+              <a:rPr lang="en-US" sz="1400" dirty="0">
+                <a:sym typeface="Wingdings" panose="05000000000000000000" pitchFamily="2" charset="2"/>
+              </a:rPr>
+              <a:t> language service extension</a:t>
+            </a:r>
+            <a:endParaRPr lang="en-US" sz="1400" dirty="0"/>
+          </a:p>
+          <a:p>
+            <a:pPr lvl="1"/>
+            <a:r>
+              <a:rPr lang="en-US" sz="1400" dirty="0"/>
+              <a:t>Open project in VS2017 (</a:t>
+            </a:r>
+            <a:r>
+              <a:rPr lang="en-US" sz="1400" i="1" dirty="0"/>
+              <a:t>start BlazorDemo.sln</a:t>
+            </a:r>
+            <a:r>
+              <a:rPr lang="en-US" sz="1400" dirty="0"/>
+              <a:t>)</a:t>
+            </a:r>
+          </a:p>
+        </p:txBody>
+      </p:sp>
+      <p:sp>
+        <p:nvSpPr>
+          <p:cNvPr id="8" name="Text Placeholder 7">
+            <a:extLst>
+              <a:ext uri="{FF2B5EF4-FFF2-40B4-BE49-F238E27FC236}">
+                <a16:creationId xmlns:a16="http://schemas.microsoft.com/office/drawing/2014/main" id="{22DB5DAF-D514-4FC3-8D3A-7379CCF8F04D}"/>
+              </a:ext>
+            </a:extLst>
+          </p:cNvPr>
+          <p:cNvSpPr>
+            <a:spLocks noGrp="1"/>
+          </p:cNvSpPr>
+          <p:nvPr>
+            <p:ph type="body" sz="quarter" idx="23"/>
+          </p:nvPr>
+        </p:nvSpPr>
+        <p:spPr/>
+        <p:txBody>
+          <a:bodyPr/>
+          <a:lstStyle/>
+          <a:p>
+            <a:endParaRPr lang="en-US"/>
+          </a:p>
+        </p:txBody>
+      </p:sp>
+    </p:spTree>
+    <p:extLst>
+      <p:ext uri="{BB962C8B-B14F-4D97-AF65-F5344CB8AC3E}">
+        <p14:creationId xmlns:p14="http://schemas.microsoft.com/office/powerpoint/2010/main" val="2364156775"/>
       </p:ext>
     </p:extLst>
   </p:cSld>
@@ -14475,8 +13654,16 @@
           <a:lstStyle/>
           <a:p>
             <a:r>
-              <a:rPr lang="en-US"/>
-              <a:t>Anatomy of a Blazor App</a:t>
+              <a:rPr lang="en-US" dirty="0"/>
+              <a:t>Running a SPA </a:t>
+            </a:r>
+            <a:r>
+              <a:rPr lang="en-US" dirty="0" err="1"/>
+              <a:t>Blazor</a:t>
+            </a:r>
+            <a:r>
+              <a:rPr lang="en-US" dirty="0"/>
+              <a:t> App</a:t>
             </a:r>
           </a:p>
         </p:txBody>
@@ -14515,21 +13702,39 @@
             <a:pPr lvl="1"/>
             <a:r>
               <a:rPr lang="en-US" sz="1400" i="1" dirty="0"/>
-              <a:t>dotnet new </a:t>
+              <a:t>dotnet </a:t>
             </a:r>
             <a:r>
               <a:rPr lang="en-US" sz="1400" i="1" dirty="0" err="1"/>
               <a:t>blazor</a:t>
             </a:r>
+            <a:r>
+              <a:rPr lang="en-US" sz="1400" i="1" dirty="0"/>
+              <a:t> serve</a:t>
+            </a:r>
+          </a:p>
+          <a:p>
+            <a:pPr lvl="1"/>
+            <a:r>
+              <a:rPr lang="en-US" sz="1400" dirty="0"/>
+              <a:t>F5 in Visual Studio – show </a:t>
+            </a:r>
+            <a:r>
+              <a:rPr lang="en-US" sz="1400" i="1" dirty="0"/>
+              <a:t>.</a:t>
+            </a:r>
+            <a:r>
+              <a:rPr lang="en-US" sz="1400" i="1" dirty="0" err="1"/>
+              <a:t>csproj</a:t>
+            </a:r>
             <a:endParaRPr lang="en-US" sz="1400" i="1" dirty="0"/>
           </a:p>
           <a:p>
             <a:pPr lvl="1"/>
             <a:r>
-              <a:rPr lang="en-US" sz="1400" i="1" dirty="0"/>
-              <a:t>dotnet build</a:t>
-            </a:r>
-            <a:endParaRPr lang="en-US" sz="1400" dirty="0"/>
+              <a:rPr lang="en-US" sz="1400" dirty="0"/>
+              <a:t>Look at Network tab in Chrome Dev Tools</a:t>
+            </a:r>
           </a:p>
           <a:p>
             <a:pPr>
@@ -14539,164 +13744,56 @@
             </a:pPr>
             <a:r>
               <a:rPr lang="en-US" sz="2000" dirty="0"/>
-              <a:t>Add to a new solution</a:t>
+              <a:t>Static hosting</a:t>
             </a:r>
           </a:p>
           <a:p>
             <a:pPr lvl="1"/>
             <a:r>
-              <a:rPr lang="en-US" sz="1400" i="1" dirty="0"/>
-              <a:t>dotnet </a:t>
-            </a:r>
-            <a:r>
-              <a:rPr lang="en-US" sz="1400" i="1" dirty="0" err="1"/>
-              <a:t>sln</a:t>
-            </a:r>
-            <a:endParaRPr lang="en-US" sz="1400" dirty="0"/>
-          </a:p>
-          <a:p>
-            <a:pPr lvl="1"/>
+              <a:rPr lang="en-US" sz="1400" dirty="0">
+                <a:sym typeface="Wingdings" panose="05000000000000000000" pitchFamily="2" charset="2"/>
+              </a:rPr>
+              <a:t>Prove SPA nature by hosting app in </a:t>
+            </a:r>
             <a:r>
               <a:rPr lang="en-US" sz="1400" i="1" dirty="0">
                 <a:sym typeface="Wingdings" panose="05000000000000000000" pitchFamily="2" charset="2"/>
               </a:rPr>
-              <a:t>dotnet </a:t>
-            </a:r>
-            <a:r>
-              <a:rPr lang="en-US" sz="1400" i="1" dirty="0" err="1">
+              <a:t>Chrome Dev Web Server</a:t>
+            </a:r>
+            <a:r>
+              <a:rPr lang="en-US" sz="1400" dirty="0">
                 <a:sym typeface="Wingdings" panose="05000000000000000000" pitchFamily="2" charset="2"/>
               </a:rPr>
-              <a:t>sln</a:t>
+              <a:t> (</a:t>
             </a:r>
             <a:r>
               <a:rPr lang="en-US" sz="1400" i="1" dirty="0">
                 <a:sym typeface="Wingdings" panose="05000000000000000000" pitchFamily="2" charset="2"/>
               </a:rPr>
-              <a:t> add </a:t>
-            </a:r>
-            <a:r>
-              <a:rPr lang="en-US" sz="1400" i="1" dirty="0" err="1">
+              <a:t>chrome://apps</a:t>
+            </a:r>
+            <a:r>
+              <a:rPr lang="en-US" sz="1400" dirty="0">
                 <a:sym typeface="Wingdings" panose="05000000000000000000" pitchFamily="2" charset="2"/>
               </a:rPr>
-              <a:t>BlazorDemo.csproj</a:t>
-            </a:r>
+              <a:t>)</a:t>
+            </a:r>
+          </a:p>
+          <a:p>
+            <a:pPr lvl="1"/>
+            <a:r>
+              <a:rPr lang="en-US" sz="1400" dirty="0">
+                <a:sym typeface="Wingdings" panose="05000000000000000000" pitchFamily="2" charset="2"/>
+              </a:rPr>
+              <a:t>Speak about rewrite rules</a:t>
+            </a:r>
+          </a:p>
+          <a:p>
+            <a:pPr lvl="1"/>
             <a:endParaRPr lang="en-US" sz="1400" dirty="0">
               <a:sym typeface="Wingdings" panose="05000000000000000000" pitchFamily="2" charset="2"/>
             </a:endParaRPr>
-          </a:p>
-          <a:p>
-            <a:pPr>
-              <a:spcBef>
-                <a:spcPts val="600"/>
-              </a:spcBef>
-            </a:pPr>
-            <a:r>
-              <a:rPr lang="en-US" sz="2000" dirty="0">
-                <a:sym typeface="Wingdings" panose="05000000000000000000" pitchFamily="2" charset="2"/>
-              </a:rPr>
-              <a:t>Publish Solution</a:t>
-            </a:r>
-          </a:p>
-          <a:p>
-            <a:pPr lvl="1"/>
-            <a:r>
-              <a:rPr lang="en-US" sz="1400" i="1" dirty="0">
-                <a:sym typeface="Wingdings" panose="05000000000000000000" pitchFamily="2" charset="2"/>
-              </a:rPr>
-              <a:t>dotnet publish -c Release -o out</a:t>
-            </a:r>
-          </a:p>
-          <a:p>
-            <a:pPr lvl="1"/>
-            <a:r>
-              <a:rPr lang="en-US" sz="1400" dirty="0">
-                <a:sym typeface="Wingdings" panose="05000000000000000000" pitchFamily="2" charset="2"/>
-              </a:rPr>
-              <a:t>Review content of </a:t>
-            </a:r>
-            <a:r>
-              <a:rPr lang="en-US" sz="1400" i="1" dirty="0">
-                <a:sym typeface="Wingdings" panose="05000000000000000000" pitchFamily="2" charset="2"/>
-              </a:rPr>
-              <a:t>out </a:t>
-            </a:r>
-            <a:r>
-              <a:rPr lang="en-US" sz="1400" dirty="0">
-                <a:sym typeface="Wingdings" panose="05000000000000000000" pitchFamily="2" charset="2"/>
-              </a:rPr>
-              <a:t>folder</a:t>
-            </a:r>
-          </a:p>
-          <a:p>
-            <a:pPr>
-              <a:spcBef>
-                <a:spcPts val="600"/>
-              </a:spcBef>
-            </a:pPr>
-            <a:r>
-              <a:rPr lang="en-US" sz="2000" dirty="0">
-                <a:sym typeface="Wingdings" panose="05000000000000000000" pitchFamily="2" charset="2"/>
-              </a:rPr>
-              <a:t>VS2017</a:t>
-            </a:r>
-          </a:p>
-          <a:p>
-            <a:pPr lvl="1"/>
-            <a:r>
-              <a:rPr lang="en-US" sz="1400" dirty="0">
-                <a:sym typeface="Wingdings" panose="05000000000000000000" pitchFamily="2" charset="2"/>
-              </a:rPr>
-              <a:t>Open VS2017 and show how to create </a:t>
-            </a:r>
-            <a:r>
-              <a:rPr lang="en-US" sz="1400" dirty="0" err="1">
-                <a:sym typeface="Wingdings" panose="05000000000000000000" pitchFamily="2" charset="2"/>
-              </a:rPr>
-              <a:t>Blazor</a:t>
-            </a:r>
-            <a:r>
-              <a:rPr lang="en-US" sz="1400" dirty="0">
-                <a:sym typeface="Wingdings" panose="05000000000000000000" pitchFamily="2" charset="2"/>
-              </a:rPr>
-              <a:t> app there</a:t>
-            </a:r>
-          </a:p>
-          <a:p>
-            <a:pPr lvl="1"/>
-            <a:r>
-              <a:rPr lang="en-US" sz="1400" dirty="0">
-                <a:sym typeface="Wingdings" panose="05000000000000000000" pitchFamily="2" charset="2"/>
-              </a:rPr>
-              <a:t>Show </a:t>
-            </a:r>
-            <a:r>
-              <a:rPr lang="en-US" sz="1400" dirty="0" err="1">
-                <a:sym typeface="Wingdings" panose="05000000000000000000" pitchFamily="2" charset="2"/>
-              </a:rPr>
-              <a:t>Blazor</a:t>
-            </a:r>
-            <a:r>
-              <a:rPr lang="en-US" sz="1400" dirty="0">
-                <a:sym typeface="Wingdings" panose="05000000000000000000" pitchFamily="2" charset="2"/>
-              </a:rPr>
-              <a:t> language service extension</a:t>
-            </a:r>
-            <a:endParaRPr lang="en-US" sz="1400" dirty="0"/>
-          </a:p>
-          <a:p>
-            <a:pPr lvl="1"/>
-            <a:r>
-              <a:rPr lang="en-US" sz="1400" dirty="0"/>
-              <a:t>Open project in VS2017 (</a:t>
-            </a:r>
-            <a:r>
-              <a:rPr lang="en-US" sz="1400" i="1" dirty="0"/>
-              <a:t>start BlazorDemo.sln</a:t>
-            </a:r>
-            <a:r>
-              <a:rPr lang="en-US" sz="1400" dirty="0"/>
-              <a:t>)</a:t>
-            </a:r>
           </a:p>
         </p:txBody>
       </p:sp>
@@ -14728,7 +13825,7 @@
     </p:spTree>
     <p:extLst>
       <p:ext uri="{BB962C8B-B14F-4D97-AF65-F5344CB8AC3E}">
-        <p14:creationId xmlns:p14="http://schemas.microsoft.com/office/powerpoint/2010/main" val="2364156775"/>
+        <p14:creationId xmlns:p14="http://schemas.microsoft.com/office/powerpoint/2010/main" val="3374827862"/>
       </p:ext>
     </p:extLst>
   </p:cSld>
@@ -14742,229 +13839,6 @@
 </file>
 
 <file path=ppt/slides/slide16.xml><?xml version="1.0" encoding="utf-8"?>
-<p:sld xmlns:a="http://schemas.openxmlformats.org/drawingml/2006/main" xmlns:r="http://schemas.openxmlformats.org/officeDocument/2006/relationships" xmlns:p="http://schemas.openxmlformats.org/presentationml/2006/main">
-  <p:cSld>
-    <p:spTree>
-      <p:nvGrpSpPr>
-        <p:cNvPr id="1" name=""/>
-        <p:cNvGrpSpPr/>
-        <p:nvPr/>
-      </p:nvGrpSpPr>
-      <p:grpSpPr>
-        <a:xfrm>
-          <a:off x="0" y="0"/>
-          <a:ext cx="0" cy="0"/>
-          <a:chOff x="0" y="0"/>
-          <a:chExt cx="0" cy="0"/>
-        </a:xfrm>
-      </p:grpSpPr>
-      <p:sp>
-        <p:nvSpPr>
-          <p:cNvPr id="6" name="Title 5">
-            <a:extLst>
-              <a:ext uri="{FF2B5EF4-FFF2-40B4-BE49-F238E27FC236}">
-                <a16:creationId xmlns:a16="http://schemas.microsoft.com/office/drawing/2014/main" id="{31C9A591-967D-4B8C-80EB-800A41020900}"/>
-              </a:ext>
-            </a:extLst>
-          </p:cNvPr>
-          <p:cNvSpPr>
-            <a:spLocks noGrp="1"/>
-          </p:cNvSpPr>
-          <p:nvPr>
-            <p:ph type="title"/>
-          </p:nvPr>
-        </p:nvSpPr>
-        <p:spPr/>
-        <p:txBody>
-          <a:bodyPr/>
-          <a:lstStyle/>
-          <a:p>
-            <a:r>
-              <a:rPr lang="en-US" dirty="0"/>
-              <a:t>Running a SPA </a:t>
-            </a:r>
-            <a:r>
-              <a:rPr lang="en-US" dirty="0" err="1"/>
-              <a:t>Blazor</a:t>
-            </a:r>
-            <a:r>
-              <a:rPr lang="en-US" dirty="0"/>
-              <a:t> App</a:t>
-            </a:r>
-          </a:p>
-        </p:txBody>
-      </p:sp>
-      <p:sp>
-        <p:nvSpPr>
-          <p:cNvPr id="7" name="Content Placeholder 6">
-            <a:extLst>
-              <a:ext uri="{FF2B5EF4-FFF2-40B4-BE49-F238E27FC236}">
-                <a16:creationId xmlns:a16="http://schemas.microsoft.com/office/drawing/2014/main" id="{3425F950-541D-4060-9EA1-5513D16557B5}"/>
-              </a:ext>
-            </a:extLst>
-          </p:cNvPr>
-          <p:cNvSpPr>
-            <a:spLocks noGrp="1"/>
-          </p:cNvSpPr>
-          <p:nvPr>
-            <p:ph sz="quarter" idx="12"/>
-          </p:nvPr>
-        </p:nvSpPr>
-        <p:spPr/>
-        <p:txBody>
-          <a:bodyPr/>
-          <a:lstStyle/>
-          <a:p>
-            <a:r>
-              <a:rPr lang="en-US" sz="2000" i="1" dirty="0"/>
-              <a:t>dotnet </a:t>
-            </a:r>
-            <a:r>
-              <a:rPr lang="en-US" sz="2000" dirty="0"/>
-              <a:t>command line</a:t>
-            </a:r>
-          </a:p>
-          <a:p>
-            <a:pPr lvl="1"/>
-            <a:r>
-              <a:rPr lang="en-US" sz="1400" i="1" dirty="0"/>
-              <a:t>dotnet </a:t>
-            </a:r>
-            <a:r>
-              <a:rPr lang="en-US" sz="1400" i="1" dirty="0" err="1"/>
-              <a:t>blazor</a:t>
-            </a:r>
-            <a:r>
-              <a:rPr lang="en-US" sz="1400" i="1" dirty="0"/>
-              <a:t> serve</a:t>
-            </a:r>
-          </a:p>
-          <a:p>
-            <a:pPr lvl="1"/>
-            <a:r>
-              <a:rPr lang="en-US" sz="1400" dirty="0"/>
-              <a:t>F5 in Visual Studio – show </a:t>
-            </a:r>
-            <a:r>
-              <a:rPr lang="en-US" sz="1400" i="1" dirty="0"/>
-              <a:t>.</a:t>
-            </a:r>
-            <a:r>
-              <a:rPr lang="en-US" sz="1400" i="1" dirty="0" err="1"/>
-              <a:t>csproj</a:t>
-            </a:r>
-            <a:endParaRPr lang="en-US" sz="1400" i="1" dirty="0"/>
-          </a:p>
-          <a:p>
-            <a:pPr lvl="1"/>
-            <a:r>
-              <a:rPr lang="en-US" sz="1400" dirty="0"/>
-              <a:t>Look at Network tab in Chrome Dev Tools</a:t>
-            </a:r>
-          </a:p>
-          <a:p>
-            <a:pPr>
-              <a:spcBef>
-                <a:spcPts val="600"/>
-              </a:spcBef>
-            </a:pPr>
-            <a:r>
-              <a:rPr lang="en-US" sz="2000" dirty="0"/>
-              <a:t>Static hosting</a:t>
-            </a:r>
-          </a:p>
-          <a:p>
-            <a:pPr lvl="1"/>
-            <a:r>
-              <a:rPr lang="en-US" sz="1400" dirty="0">
-                <a:sym typeface="Wingdings" panose="05000000000000000000" pitchFamily="2" charset="2"/>
-              </a:rPr>
-              <a:t>Prove SPA nature by hosting app in </a:t>
-            </a:r>
-            <a:r>
-              <a:rPr lang="en-US" sz="1400" i="1" dirty="0">
-                <a:sym typeface="Wingdings" panose="05000000000000000000" pitchFamily="2" charset="2"/>
-              </a:rPr>
-              <a:t>Chrome Dev Web Server</a:t>
-            </a:r>
-            <a:r>
-              <a:rPr lang="en-US" sz="1400" dirty="0">
-                <a:sym typeface="Wingdings" panose="05000000000000000000" pitchFamily="2" charset="2"/>
-              </a:rPr>
-              <a:t> (</a:t>
-            </a:r>
-            <a:r>
-              <a:rPr lang="en-US" sz="1400" i="1" dirty="0">
-                <a:sym typeface="Wingdings" panose="05000000000000000000" pitchFamily="2" charset="2"/>
-              </a:rPr>
-              <a:t>chrome://apps</a:t>
-            </a:r>
-            <a:r>
-              <a:rPr lang="en-US" sz="1400" dirty="0">
-                <a:sym typeface="Wingdings" panose="05000000000000000000" pitchFamily="2" charset="2"/>
-              </a:rPr>
-              <a:t>)</a:t>
-            </a:r>
-          </a:p>
-          <a:p>
-            <a:pPr lvl="1"/>
-            <a:r>
-              <a:rPr lang="en-US" sz="1400" dirty="0">
-                <a:sym typeface="Wingdings" panose="05000000000000000000" pitchFamily="2" charset="2"/>
-              </a:rPr>
-              <a:t>Speak about rewrite rules</a:t>
-            </a:r>
-          </a:p>
-          <a:p>
-            <a:pPr lvl="1"/>
-            <a:endParaRPr lang="en-US" sz="1400" dirty="0">
-              <a:sym typeface="Wingdings" panose="05000000000000000000" pitchFamily="2" charset="2"/>
-            </a:endParaRPr>
-          </a:p>
-        </p:txBody>
-      </p:sp>
-      <p:sp>
-        <p:nvSpPr>
-          <p:cNvPr id="8" name="Text Placeholder 7">
-            <a:extLst>
-              <a:ext uri="{FF2B5EF4-FFF2-40B4-BE49-F238E27FC236}">
-                <a16:creationId xmlns:a16="http://schemas.microsoft.com/office/drawing/2014/main" id="{22DB5DAF-D514-4FC3-8D3A-7379CCF8F04D}"/>
-              </a:ext>
-            </a:extLst>
-          </p:cNvPr>
-          <p:cNvSpPr>
-            <a:spLocks noGrp="1"/>
-          </p:cNvSpPr>
-          <p:nvPr>
-            <p:ph type="body" sz="quarter" idx="23"/>
-          </p:nvPr>
-        </p:nvSpPr>
-        <p:spPr/>
-        <p:txBody>
-          <a:bodyPr/>
-          <a:lstStyle/>
-          <a:p>
-            <a:endParaRPr lang="en-US"/>
-          </a:p>
-        </p:txBody>
-      </p:sp>
-    </p:spTree>
-    <p:extLst>
-      <p:ext uri="{BB962C8B-B14F-4D97-AF65-F5344CB8AC3E}">
-        <p14:creationId xmlns:p14="http://schemas.microsoft.com/office/powerpoint/2010/main" val="3374827862"/>
-      </p:ext>
-    </p:extLst>
-  </p:cSld>
-  <p:clrMapOvr>
-    <a:masterClrMapping/>
-  </p:clrMapOvr>
-  <p:transition spd="slow">
-    <p:push/>
-  </p:transition>
-</p:sld>
-</file>
-
-<file path=ppt/slides/slide17.xml><?xml version="1.0" encoding="utf-8"?>
 <p:sld xmlns:a="http://schemas.openxmlformats.org/drawingml/2006/main" xmlns:r="http://schemas.openxmlformats.org/officeDocument/2006/relationships" xmlns:p="http://schemas.openxmlformats.org/presentationml/2006/main">
   <p:cSld>
     <p:spTree>
@@ -15167,6 +14041,222 @@
 </p:sld>
 </file>
 
+<file path=ppt/slides/slide17.xml><?xml version="1.0" encoding="utf-8"?>
+<p:sld xmlns:a="http://schemas.openxmlformats.org/drawingml/2006/main" xmlns:r="http://schemas.openxmlformats.org/officeDocument/2006/relationships" xmlns:p="http://schemas.openxmlformats.org/presentationml/2006/main">
+  <p:cSld>
+    <p:spTree>
+      <p:nvGrpSpPr>
+        <p:cNvPr id="1" name=""/>
+        <p:cNvGrpSpPr/>
+        <p:nvPr/>
+      </p:nvGrpSpPr>
+      <p:grpSpPr>
+        <a:xfrm>
+          <a:off x="0" y="0"/>
+          <a:ext cx="0" cy="0"/>
+          <a:chOff x="0" y="0"/>
+          <a:chExt cx="0" cy="0"/>
+        </a:xfrm>
+      </p:grpSpPr>
+      <p:sp>
+        <p:nvSpPr>
+          <p:cNvPr id="6" name="Title 5">
+            <a:extLst>
+              <a:ext uri="{FF2B5EF4-FFF2-40B4-BE49-F238E27FC236}">
+                <a16:creationId xmlns:a16="http://schemas.microsoft.com/office/drawing/2014/main" id="{31C9A591-967D-4B8C-80EB-800A41020900}"/>
+              </a:ext>
+            </a:extLst>
+          </p:cNvPr>
+          <p:cNvSpPr>
+            <a:spLocks noGrp="1"/>
+          </p:cNvSpPr>
+          <p:nvPr>
+            <p:ph type="title"/>
+          </p:nvPr>
+        </p:nvSpPr>
+        <p:spPr/>
+        <p:txBody>
+          <a:bodyPr/>
+          <a:lstStyle/>
+          <a:p>
+            <a:r>
+              <a:rPr lang="en-US"/>
+              <a:t>Hosting in ASP.NET Core</a:t>
+            </a:r>
+          </a:p>
+        </p:txBody>
+      </p:sp>
+      <p:sp>
+        <p:nvSpPr>
+          <p:cNvPr id="7" name="Content Placeholder 6">
+            <a:extLst>
+              <a:ext uri="{FF2B5EF4-FFF2-40B4-BE49-F238E27FC236}">
+                <a16:creationId xmlns:a16="http://schemas.microsoft.com/office/drawing/2014/main" id="{3425F950-541D-4060-9EA1-5513D16557B5}"/>
+              </a:ext>
+            </a:extLst>
+          </p:cNvPr>
+          <p:cNvSpPr>
+            <a:spLocks noGrp="1"/>
+          </p:cNvSpPr>
+          <p:nvPr>
+            <p:ph sz="quarter" idx="12"/>
+          </p:nvPr>
+        </p:nvSpPr>
+        <p:spPr/>
+        <p:txBody>
+          <a:bodyPr/>
+          <a:lstStyle/>
+          <a:p>
+            <a:r>
+              <a:rPr lang="en-US" sz="2000" i="1" dirty="0" err="1"/>
+              <a:t>RestApi</a:t>
+            </a:r>
+            <a:r>
+              <a:rPr lang="en-US" sz="2000" dirty="0"/>
+              <a:t> Sample</a:t>
+            </a:r>
+          </a:p>
+          <a:p>
+            <a:pPr lvl="1"/>
+            <a:r>
+              <a:rPr lang="en-US" sz="1400" dirty="0"/>
+              <a:t>Show and discuss </a:t>
+            </a:r>
+            <a:r>
+              <a:rPr lang="en-US" sz="1400" i="1" dirty="0" err="1"/>
+              <a:t>Startup.cs</a:t>
+            </a:r>
+            <a:endParaRPr lang="en-US" sz="1400" i="1" dirty="0"/>
+          </a:p>
+          <a:p>
+            <a:pPr lvl="1"/>
+            <a:r>
+              <a:rPr lang="en-US" sz="1400" i="1" dirty="0" err="1"/>
+              <a:t>Microsoft.AspNetCore.Blazor.Server</a:t>
+            </a:r>
+            <a:r>
+              <a:rPr lang="en-US" sz="1400" i="1" dirty="0"/>
+              <a:t> </a:t>
+            </a:r>
+            <a:r>
+              <a:rPr lang="en-US" sz="1400" dirty="0"/>
+              <a:t>in </a:t>
+            </a:r>
+            <a:r>
+              <a:rPr lang="en-US" sz="1400" i="1" dirty="0" err="1"/>
+              <a:t>UseBlazor</a:t>
+            </a:r>
+            <a:r>
+              <a:rPr lang="en-US" sz="1400" i="1" dirty="0"/>
+              <a:t>&lt;T&gt;</a:t>
+            </a:r>
+          </a:p>
+          <a:p>
+            <a:pPr lvl="1"/>
+            <a:r>
+              <a:rPr lang="en-US" sz="1400" dirty="0"/>
+              <a:t>Show and discuss shared library (</a:t>
+            </a:r>
+            <a:r>
+              <a:rPr lang="en-US" sz="1400" i="1" dirty="0"/>
+              <a:t>Shift+F12</a:t>
+            </a:r>
+            <a:r>
+              <a:rPr lang="en-US" sz="1400" dirty="0"/>
+              <a:t>)</a:t>
+            </a:r>
+          </a:p>
+          <a:p>
+            <a:pPr>
+              <a:spcBef>
+                <a:spcPts val="600"/>
+              </a:spcBef>
+            </a:pPr>
+            <a:r>
+              <a:rPr lang="en-US" sz="2000" dirty="0"/>
+              <a:t>Publish and discuss result</a:t>
+            </a:r>
+          </a:p>
+          <a:p>
+            <a:pPr lvl="1"/>
+            <a:r>
+              <a:rPr lang="en-US" sz="1400" i="1" dirty="0"/>
+              <a:t>dotnet publish -c Release -o out</a:t>
+            </a:r>
+          </a:p>
+          <a:p>
+            <a:pPr lvl="1"/>
+            <a:r>
+              <a:rPr lang="en-US" sz="1400" dirty="0"/>
+              <a:t>Run hosted app in Docker container: </a:t>
+            </a:r>
+            <a:r>
+              <a:rPr lang="en-US" sz="1400" i="1" dirty="0">
+                <a:sym typeface="Wingdings" panose="05000000000000000000" pitchFamily="2" charset="2"/>
+              </a:rPr>
+              <a:t>docker run -v C:\Code\GitHub\learn-blazor\samples\RestApi\RestApi.Server\out:/app -w /app -p 8081:5000 </a:t>
+            </a:r>
+            <a:r>
+              <a:rPr lang="en-US" sz="1400" i="1" dirty="0" err="1">
+                <a:sym typeface="Wingdings" panose="05000000000000000000" pitchFamily="2" charset="2"/>
+              </a:rPr>
+              <a:t>microsoft</a:t>
+            </a:r>
+            <a:r>
+              <a:rPr lang="en-US" sz="1400" i="1" dirty="0">
+                <a:sym typeface="Wingdings" panose="05000000000000000000" pitchFamily="2" charset="2"/>
+              </a:rPr>
+              <a:t>/dotnet:2.1.4-aspnetcore-runtime-alpine dotnet RestApi.Server.dll</a:t>
+            </a:r>
+          </a:p>
+          <a:p>
+            <a:endParaRPr lang="en-US" sz="2200" i="1" dirty="0">
+              <a:sym typeface="Wingdings" panose="05000000000000000000" pitchFamily="2" charset="2"/>
+            </a:endParaRPr>
+          </a:p>
+        </p:txBody>
+      </p:sp>
+      <p:sp>
+        <p:nvSpPr>
+          <p:cNvPr id="8" name="Text Placeholder 7">
+            <a:extLst>
+              <a:ext uri="{FF2B5EF4-FFF2-40B4-BE49-F238E27FC236}">
+                <a16:creationId xmlns:a16="http://schemas.microsoft.com/office/drawing/2014/main" id="{22DB5DAF-D514-4FC3-8D3A-7379CCF8F04D}"/>
+              </a:ext>
+            </a:extLst>
+          </p:cNvPr>
+          <p:cNvSpPr>
+            <a:spLocks noGrp="1"/>
+          </p:cNvSpPr>
+          <p:nvPr>
+            <p:ph type="body" sz="quarter" idx="23"/>
+          </p:nvPr>
+        </p:nvSpPr>
+        <p:spPr/>
+        <p:txBody>
+          <a:bodyPr/>
+          <a:lstStyle/>
+          <a:p>
+            <a:endParaRPr lang="en-US"/>
+          </a:p>
+        </p:txBody>
+      </p:sp>
+    </p:spTree>
+    <p:extLst>
+      <p:ext uri="{BB962C8B-B14F-4D97-AF65-F5344CB8AC3E}">
+        <p14:creationId xmlns:p14="http://schemas.microsoft.com/office/powerpoint/2010/main" val="3121385410"/>
+      </p:ext>
+    </p:extLst>
+  </p:cSld>
+  <p:clrMapOvr>
+    <a:masterClrMapping/>
+  </p:clrMapOvr>
+  <p:transition spd="slow">
+    <p:push/>
+  </p:transition>
+</p:sld>
+</file>
+
 <file path=ppt/slides/slide18.xml><?xml version="1.0" encoding="utf-8"?>
 <p:sld xmlns:a="http://schemas.openxmlformats.org/drawingml/2006/main" xmlns:r="http://schemas.openxmlformats.org/officeDocument/2006/relationships" xmlns:p="http://schemas.openxmlformats.org/presentationml/2006/main">
   <p:cSld>
@@ -15207,7 +14297,7 @@
           <a:p>
             <a:r>
               <a:rPr lang="en-US"/>
-              <a:t>Hosting in ASP.NET Core</a:t>
+              <a:t>Razor Walkthrough</a:t>
             </a:r>
           </a:p>
         </p:txBody>
@@ -15234,62 +14324,40 @@
           <a:lstStyle/>
           <a:p>
             <a:r>
-              <a:rPr lang="en-US" sz="2000" i="1" dirty="0" err="1"/>
-              <a:t>RestApi</a:t>
-            </a:r>
-            <a:r>
-              <a:rPr lang="en-US" sz="2000" dirty="0"/>
-              <a:t> Sample</a:t>
+              <a:rPr lang="en-US" dirty="0"/>
+              <a:t>Razor</a:t>
             </a:r>
           </a:p>
           <a:p>
             <a:pPr lvl="1"/>
             <a:r>
-              <a:rPr lang="en-US" sz="1400" dirty="0"/>
-              <a:t>Show and discuss </a:t>
-            </a:r>
-            <a:r>
-              <a:rPr lang="en-US" sz="1400" i="1" dirty="0" err="1"/>
-              <a:t>Startup.cs</a:t>
-            </a:r>
-            <a:endParaRPr lang="en-US" sz="1400" i="1" dirty="0"/>
+              <a:rPr lang="en-US" i="1" dirty="0" err="1"/>
+              <a:t>Counter.cshtml</a:t>
+            </a:r>
+            <a:r>
+              <a:rPr lang="en-US" dirty="0"/>
+              <a:t> Razor file</a:t>
+            </a:r>
           </a:p>
           <a:p>
             <a:pPr lvl="1"/>
             <a:r>
-              <a:rPr lang="en-US" sz="1400" i="1" dirty="0" err="1"/>
-              <a:t>Microsoft.AspNetCore.Blazor.Server</a:t>
-            </a:r>
-            <a:r>
-              <a:rPr lang="en-US" sz="1400" i="1" dirty="0"/>
+              <a:rPr lang="en-US" dirty="0"/>
+              <a:t>Show generated C# file </a:t>
+            </a:r>
+            <a:r>
+              <a:rPr lang="en-US" i="1" dirty="0" err="1"/>
+              <a:t>Counter.g.cs</a:t>
+            </a:r>
+            <a:r>
+              <a:rPr lang="en-US" dirty="0"/>
               <a:t> </a:t>
             </a:r>
             <a:r>
-              <a:rPr lang="en-US" sz="1400" dirty="0"/>
-              <a:t>in </a:t>
-            </a:r>
-            <a:r>
-              <a:rPr lang="en-US" sz="1400" i="1" dirty="0" err="1"/>
-              <a:t>UseBlazor</a:t>
-            </a:r>
-            <a:r>
-              <a:rPr lang="en-US" sz="1400" i="1" dirty="0"/>
-              <a:t>&lt;T&gt;</a:t>
-            </a:r>
-          </a:p>
-          <a:p>
-            <a:pPr lvl="1"/>
-            <a:r>
-              <a:rPr lang="en-US" sz="1400" dirty="0"/>
-              <a:t>Show and discuss shared library (</a:t>
-            </a:r>
-            <a:r>
-              <a:rPr lang="en-US" sz="1400" i="1" dirty="0"/>
-              <a:t>Shift+F12</a:t>
-            </a:r>
-            <a:r>
-              <a:rPr lang="en-US" sz="1400" dirty="0"/>
-              <a:t>)</a:t>
+              <a:rPr lang="en-US" dirty="0">
+                <a:sym typeface="Wingdings" panose="05000000000000000000" pitchFamily="2" charset="2"/>
+              </a:rPr>
+              <a:t> Razor becomes C#</a:t>
             </a:r>
           </a:p>
           <a:p>
@@ -15299,46 +14367,132 @@
               </a:spcBef>
             </a:pPr>
             <a:r>
-              <a:rPr lang="en-US" sz="2000" dirty="0"/>
-              <a:t>Publish and discuss result</a:t>
-            </a:r>
-          </a:p>
-          <a:p>
-            <a:pPr lvl="1"/>
-            <a:r>
-              <a:rPr lang="en-US" sz="1400" i="1" dirty="0"/>
-              <a:t>dotnet publish -c Release -o out</a:t>
-            </a:r>
-          </a:p>
-          <a:p>
-            <a:pPr lvl="1"/>
-            <a:r>
-              <a:rPr lang="en-US" sz="1400" dirty="0"/>
-              <a:t>Run hosted app in Docker container: </a:t>
-            </a:r>
-            <a:r>
-              <a:rPr lang="en-US" sz="1400" i="1" dirty="0">
+              <a:rPr lang="en-US" i="1" dirty="0" err="1">
                 <a:sym typeface="Wingdings" panose="05000000000000000000" pitchFamily="2" charset="2"/>
               </a:rPr>
-              <a:t>docker run -v C:\Code\GitHub\learn-blazor\samples\RestApi\RestApi.Server\out:/app -w /app -p 8081:5000 </a:t>
-            </a:r>
-            <a:r>
-              <a:rPr lang="en-US" sz="1400" i="1" dirty="0" err="1">
+              <a:t>BlazorComponent</a:t>
+            </a:r>
+            <a:endParaRPr lang="en-US" i="1" dirty="0">
+              <a:sym typeface="Wingdings" panose="05000000000000000000" pitchFamily="2" charset="2"/>
+            </a:endParaRPr>
+          </a:p>
+          <a:p>
+            <a:pPr lvl="1"/>
+            <a:r>
+              <a:rPr lang="en-US" dirty="0">
                 <a:sym typeface="Wingdings" panose="05000000000000000000" pitchFamily="2" charset="2"/>
               </a:rPr>
-              <a:t>microsoft</a:t>
-            </a:r>
-            <a:r>
-              <a:rPr lang="en-US" sz="1400" i="1" dirty="0">
+              <a:t>Speak about Components-based architecture</a:t>
+            </a:r>
+          </a:p>
+          <a:p>
+            <a:pPr lvl="1"/>
+            <a:r>
+              <a:rPr lang="en-US" dirty="0">
                 <a:sym typeface="Wingdings" panose="05000000000000000000" pitchFamily="2" charset="2"/>
               </a:rPr>
-              <a:t>/dotnet:2.1.4-aspnetcore-runtime-alpine dotnet RestApi.Server.dll</a:t>
-            </a:r>
-          </a:p>
-          <a:p>
-            <a:endParaRPr lang="en-US" sz="2200" i="1" dirty="0">
-              <a:sym typeface="Wingdings" panose="05000000000000000000" pitchFamily="2" charset="2"/>
-            </a:endParaRPr>
+              <a:t>Show </a:t>
+            </a:r>
+            <a:r>
+              <a:rPr lang="en-US" i="1" dirty="0" err="1">
+                <a:sym typeface="Wingdings" panose="05000000000000000000" pitchFamily="2" charset="2"/>
+              </a:rPr>
+              <a:t>DynamicRenderTree</a:t>
+            </a:r>
+            <a:r>
+              <a:rPr lang="en-US" i="1" dirty="0">
+                <a:sym typeface="Wingdings" panose="05000000000000000000" pitchFamily="2" charset="2"/>
+              </a:rPr>
+              <a:t> </a:t>
+            </a:r>
+            <a:r>
+              <a:rPr lang="en-US" dirty="0">
+                <a:sym typeface="Wingdings" panose="05000000000000000000" pitchFamily="2" charset="2"/>
+              </a:rPr>
+              <a:t>in </a:t>
+            </a:r>
+            <a:r>
+              <a:rPr lang="en-US" i="1" dirty="0" err="1">
+                <a:sym typeface="Wingdings" panose="05000000000000000000" pitchFamily="2" charset="2"/>
+              </a:rPr>
+              <a:t>BlazorPages</a:t>
+            </a:r>
+            <a:r>
+              <a:rPr lang="en-US" i="1" dirty="0">
+                <a:sym typeface="Wingdings" panose="05000000000000000000" pitchFamily="2" charset="2"/>
+              </a:rPr>
+              <a:t> </a:t>
+            </a:r>
+            <a:r>
+              <a:rPr lang="en-US" dirty="0">
+                <a:sym typeface="Wingdings" panose="05000000000000000000" pitchFamily="2" charset="2"/>
+              </a:rPr>
+              <a:t>app</a:t>
+            </a:r>
+            <a:endParaRPr lang="en-US" dirty="0"/>
+          </a:p>
+          <a:p>
+            <a:pPr>
+              <a:spcBef>
+                <a:spcPts val="600"/>
+              </a:spcBef>
+            </a:pPr>
+            <a:r>
+              <a:rPr lang="en-US" dirty="0" err="1"/>
+              <a:t>Blazor</a:t>
+            </a:r>
+            <a:r>
+              <a:rPr lang="en-US" dirty="0"/>
+              <a:t> templates quick tour (</a:t>
+            </a:r>
+            <a:r>
+              <a:rPr lang="en-US" i="1" dirty="0" err="1"/>
+              <a:t>BlazorPages</a:t>
+            </a:r>
+            <a:r>
+              <a:rPr lang="en-US" dirty="0"/>
+              <a:t> sample)</a:t>
+            </a:r>
+          </a:p>
+          <a:p>
+            <a:pPr lvl="1"/>
+            <a:r>
+              <a:rPr lang="en-US" i="1" dirty="0" err="1"/>
+              <a:t>OneWayDataBinding.cshtml</a:t>
+            </a:r>
+            <a:endParaRPr lang="en-US" i="1" dirty="0"/>
+          </a:p>
+          <a:p>
+            <a:pPr lvl="1"/>
+            <a:r>
+              <a:rPr lang="en-US" i="1" dirty="0" err="1"/>
+              <a:t>TwoWayDataBinding.cshtml</a:t>
+            </a:r>
+            <a:endParaRPr lang="en-US" i="1" dirty="0"/>
+          </a:p>
+          <a:p>
+            <a:pPr lvl="1"/>
+            <a:r>
+              <a:rPr lang="en-US" i="1" dirty="0" err="1"/>
+              <a:t>EventBinding.cshtml</a:t>
+            </a:r>
+            <a:endParaRPr lang="en-US" i="1" dirty="0"/>
+          </a:p>
+          <a:p>
+            <a:pPr lvl="1"/>
+            <a:r>
+              <a:rPr lang="en-US" i="1" dirty="0" err="1"/>
+              <a:t>Initialization.cshtml</a:t>
+            </a:r>
+            <a:endParaRPr lang="en-US" i="1" dirty="0"/>
+          </a:p>
+          <a:p>
+            <a:pPr lvl="1"/>
+            <a:r>
+              <a:rPr lang="en-US" i="1" dirty="0" err="1"/>
+              <a:t>ManualRefresh.cshtml</a:t>
+            </a:r>
+            <a:endParaRPr lang="en-US" i="1" dirty="0"/>
           </a:p>
         </p:txBody>
       </p:sp>
@@ -15370,7 +14524,7 @@
     </p:spTree>
     <p:extLst>
       <p:ext uri="{BB962C8B-B14F-4D97-AF65-F5344CB8AC3E}">
-        <p14:creationId xmlns:p14="http://schemas.microsoft.com/office/powerpoint/2010/main" val="3121385410"/>
+        <p14:creationId xmlns:p14="http://schemas.microsoft.com/office/powerpoint/2010/main" val="3133448784"/>
       </p:ext>
     </p:extLst>
   </p:cSld>
@@ -15384,417 +14538,6 @@
 </file>
 
 <file path=ppt/slides/slide19.xml><?xml version="1.0" encoding="utf-8"?>
-<p:sld xmlns:a="http://schemas.openxmlformats.org/drawingml/2006/main" xmlns:r="http://schemas.openxmlformats.org/officeDocument/2006/relationships" xmlns:p="http://schemas.openxmlformats.org/presentationml/2006/main">
-  <p:cSld>
-    <p:spTree>
-      <p:nvGrpSpPr>
-        <p:cNvPr id="1" name=""/>
-        <p:cNvGrpSpPr/>
-        <p:nvPr/>
-      </p:nvGrpSpPr>
-      <p:grpSpPr>
-        <a:xfrm>
-          <a:off x="0" y="0"/>
-          <a:ext cx="0" cy="0"/>
-          <a:chOff x="0" y="0"/>
-          <a:chExt cx="0" cy="0"/>
-        </a:xfrm>
-      </p:grpSpPr>
-      <p:sp>
-        <p:nvSpPr>
-          <p:cNvPr id="6" name="Title 5">
-            <a:extLst>
-              <a:ext uri="{FF2B5EF4-FFF2-40B4-BE49-F238E27FC236}">
-                <a16:creationId xmlns:a16="http://schemas.microsoft.com/office/drawing/2014/main" id="{31C9A591-967D-4B8C-80EB-800A41020900}"/>
-              </a:ext>
-            </a:extLst>
-          </p:cNvPr>
-          <p:cNvSpPr>
-            <a:spLocks noGrp="1"/>
-          </p:cNvSpPr>
-          <p:nvPr>
-            <p:ph type="title"/>
-          </p:nvPr>
-        </p:nvSpPr>
-        <p:spPr/>
-        <p:txBody>
-          <a:bodyPr/>
-          <a:lstStyle/>
-          <a:p>
-            <a:r>
-              <a:rPr lang="en-US"/>
-              <a:t>Razor Walkthrough</a:t>
-            </a:r>
-          </a:p>
-        </p:txBody>
-      </p:sp>
-      <p:sp>
-        <p:nvSpPr>
-          <p:cNvPr id="7" name="Content Placeholder 6">
-            <a:extLst>
-              <a:ext uri="{FF2B5EF4-FFF2-40B4-BE49-F238E27FC236}">
-                <a16:creationId xmlns:a16="http://schemas.microsoft.com/office/drawing/2014/main" id="{3425F950-541D-4060-9EA1-5513D16557B5}"/>
-              </a:ext>
-            </a:extLst>
-          </p:cNvPr>
-          <p:cNvSpPr>
-            <a:spLocks noGrp="1"/>
-          </p:cNvSpPr>
-          <p:nvPr>
-            <p:ph sz="quarter" idx="12"/>
-          </p:nvPr>
-        </p:nvSpPr>
-        <p:spPr/>
-        <p:txBody>
-          <a:bodyPr/>
-          <a:lstStyle/>
-          <a:p>
-            <a:r>
-              <a:rPr lang="en-US" dirty="0"/>
-              <a:t>Razor</a:t>
-            </a:r>
-          </a:p>
-          <a:p>
-            <a:pPr lvl="1"/>
-            <a:r>
-              <a:rPr lang="en-US" i="1" dirty="0" err="1"/>
-              <a:t>Counter.cshtml</a:t>
-            </a:r>
-            <a:r>
-              <a:rPr lang="en-US" dirty="0"/>
-              <a:t> Razor file</a:t>
-            </a:r>
-          </a:p>
-          <a:p>
-            <a:pPr lvl="1"/>
-            <a:r>
-              <a:rPr lang="en-US" dirty="0"/>
-              <a:t>Show generated C# file </a:t>
-            </a:r>
-            <a:r>
-              <a:rPr lang="en-US" i="1" dirty="0" err="1"/>
-              <a:t>Counter.g.cs</a:t>
-            </a:r>
-            <a:r>
-              <a:rPr lang="en-US" dirty="0"/>
-              <a:t> </a:t>
-            </a:r>
-            <a:r>
-              <a:rPr lang="en-US" dirty="0">
-                <a:sym typeface="Wingdings" panose="05000000000000000000" pitchFamily="2" charset="2"/>
-              </a:rPr>
-              <a:t> Razor becomes C#</a:t>
-            </a:r>
-          </a:p>
-          <a:p>
-            <a:pPr>
-              <a:spcBef>
-                <a:spcPts val="600"/>
-              </a:spcBef>
-            </a:pPr>
-            <a:r>
-              <a:rPr lang="en-US" i="1" dirty="0" err="1">
-                <a:sym typeface="Wingdings" panose="05000000000000000000" pitchFamily="2" charset="2"/>
-              </a:rPr>
-              <a:t>BlazorComponent</a:t>
-            </a:r>
-            <a:endParaRPr lang="en-US" i="1" dirty="0">
-              <a:sym typeface="Wingdings" panose="05000000000000000000" pitchFamily="2" charset="2"/>
-            </a:endParaRPr>
-          </a:p>
-          <a:p>
-            <a:pPr lvl="1"/>
-            <a:r>
-              <a:rPr lang="en-US" dirty="0">
-                <a:sym typeface="Wingdings" panose="05000000000000000000" pitchFamily="2" charset="2"/>
-              </a:rPr>
-              <a:t>Speak about Components-based architecture</a:t>
-            </a:r>
-          </a:p>
-          <a:p>
-            <a:pPr lvl="1"/>
-            <a:r>
-              <a:rPr lang="en-US" dirty="0">
-                <a:sym typeface="Wingdings" panose="05000000000000000000" pitchFamily="2" charset="2"/>
-              </a:rPr>
-              <a:t>Show </a:t>
-            </a:r>
-            <a:r>
-              <a:rPr lang="en-US" i="1" dirty="0" err="1">
-                <a:sym typeface="Wingdings" panose="05000000000000000000" pitchFamily="2" charset="2"/>
-              </a:rPr>
-              <a:t>DynamicRenderTree</a:t>
-            </a:r>
-            <a:r>
-              <a:rPr lang="en-US" i="1" dirty="0">
-                <a:sym typeface="Wingdings" panose="05000000000000000000" pitchFamily="2" charset="2"/>
-              </a:rPr>
-              <a:t> </a:t>
-            </a:r>
-            <a:r>
-              <a:rPr lang="en-US" dirty="0">
-                <a:sym typeface="Wingdings" panose="05000000000000000000" pitchFamily="2" charset="2"/>
-              </a:rPr>
-              <a:t>in </a:t>
-            </a:r>
-            <a:r>
-              <a:rPr lang="en-US" i="1" dirty="0" err="1">
-                <a:sym typeface="Wingdings" panose="05000000000000000000" pitchFamily="2" charset="2"/>
-              </a:rPr>
-              <a:t>BlazorPages</a:t>
-            </a:r>
-            <a:r>
-              <a:rPr lang="en-US" i="1" dirty="0">
-                <a:sym typeface="Wingdings" panose="05000000000000000000" pitchFamily="2" charset="2"/>
-              </a:rPr>
-              <a:t> </a:t>
-            </a:r>
-            <a:r>
-              <a:rPr lang="en-US" dirty="0">
-                <a:sym typeface="Wingdings" panose="05000000000000000000" pitchFamily="2" charset="2"/>
-              </a:rPr>
-              <a:t>app</a:t>
-            </a:r>
-            <a:endParaRPr lang="en-US" dirty="0"/>
-          </a:p>
-          <a:p>
-            <a:pPr>
-              <a:spcBef>
-                <a:spcPts val="600"/>
-              </a:spcBef>
-            </a:pPr>
-            <a:r>
-              <a:rPr lang="en-US" dirty="0" err="1"/>
-              <a:t>Blazor</a:t>
-            </a:r>
-            <a:r>
-              <a:rPr lang="en-US" dirty="0"/>
-              <a:t> templates quick tour (</a:t>
-            </a:r>
-            <a:r>
-              <a:rPr lang="en-US" i="1" dirty="0" err="1"/>
-              <a:t>BlazorPages</a:t>
-            </a:r>
-            <a:r>
-              <a:rPr lang="en-US" dirty="0"/>
-              <a:t> sample)</a:t>
-            </a:r>
-          </a:p>
-          <a:p>
-            <a:pPr lvl="1"/>
-            <a:r>
-              <a:rPr lang="en-US" i="1" dirty="0" err="1"/>
-              <a:t>OneWayDataBinding.cshtml</a:t>
-            </a:r>
-            <a:endParaRPr lang="en-US" i="1" dirty="0"/>
-          </a:p>
-          <a:p>
-            <a:pPr lvl="1"/>
-            <a:r>
-              <a:rPr lang="en-US" i="1" dirty="0" err="1"/>
-              <a:t>TwoWayDataBinding.cshtml</a:t>
-            </a:r>
-            <a:endParaRPr lang="en-US" i="1" dirty="0"/>
-          </a:p>
-          <a:p>
-            <a:pPr lvl="1"/>
-            <a:r>
-              <a:rPr lang="en-US" i="1" dirty="0" err="1"/>
-              <a:t>EventBinding.cshtml</a:t>
-            </a:r>
-            <a:endParaRPr lang="en-US" i="1" dirty="0"/>
-          </a:p>
-          <a:p>
-            <a:pPr lvl="1"/>
-            <a:r>
-              <a:rPr lang="en-US" i="1" dirty="0" err="1"/>
-              <a:t>Initialization.cshtml</a:t>
-            </a:r>
-            <a:endParaRPr lang="en-US" i="1" dirty="0"/>
-          </a:p>
-          <a:p>
-            <a:pPr lvl="1"/>
-            <a:r>
-              <a:rPr lang="en-US" i="1" dirty="0" err="1"/>
-              <a:t>ManualRefresh.cshtml</a:t>
-            </a:r>
-            <a:endParaRPr lang="en-US" i="1" dirty="0"/>
-          </a:p>
-        </p:txBody>
-      </p:sp>
-      <p:sp>
-        <p:nvSpPr>
-          <p:cNvPr id="8" name="Text Placeholder 7">
-            <a:extLst>
-              <a:ext uri="{FF2B5EF4-FFF2-40B4-BE49-F238E27FC236}">
-                <a16:creationId xmlns:a16="http://schemas.microsoft.com/office/drawing/2014/main" id="{22DB5DAF-D514-4FC3-8D3A-7379CCF8F04D}"/>
-              </a:ext>
-            </a:extLst>
-          </p:cNvPr>
-          <p:cNvSpPr>
-            <a:spLocks noGrp="1"/>
-          </p:cNvSpPr>
-          <p:nvPr>
-            <p:ph type="body" sz="quarter" idx="23"/>
-          </p:nvPr>
-        </p:nvSpPr>
-        <p:spPr/>
-        <p:txBody>
-          <a:bodyPr/>
-          <a:lstStyle/>
-          <a:p>
-            <a:endParaRPr lang="en-US"/>
-          </a:p>
-        </p:txBody>
-      </p:sp>
-    </p:spTree>
-    <p:extLst>
-      <p:ext uri="{BB962C8B-B14F-4D97-AF65-F5344CB8AC3E}">
-        <p14:creationId xmlns:p14="http://schemas.microsoft.com/office/powerpoint/2010/main" val="3133448784"/>
-      </p:ext>
-    </p:extLst>
-  </p:cSld>
-  <p:clrMapOvr>
-    <a:masterClrMapping/>
-  </p:clrMapOvr>
-  <p:transition spd="slow">
-    <p:push/>
-  </p:transition>
-</p:sld>
-</file>
-
-<file path=ppt/slides/slide2.xml><?xml version="1.0" encoding="utf-8"?>
-<p:sld xmlns:a="http://schemas.openxmlformats.org/drawingml/2006/main" xmlns:r="http://schemas.openxmlformats.org/officeDocument/2006/relationships" xmlns:p="http://schemas.openxmlformats.org/presentationml/2006/main">
-  <p:cSld>
-    <p:spTree>
-      <p:nvGrpSpPr>
-        <p:cNvPr id="1" name=""/>
-        <p:cNvGrpSpPr/>
-        <p:nvPr/>
-      </p:nvGrpSpPr>
-      <p:grpSpPr>
-        <a:xfrm>
-          <a:off x="0" y="0"/>
-          <a:ext cx="0" cy="0"/>
-          <a:chOff x="0" y="0"/>
-          <a:chExt cx="0" cy="0"/>
-        </a:xfrm>
-      </p:grpSpPr>
-      <p:sp>
-        <p:nvSpPr>
-          <p:cNvPr id="2" name="Title 1">
-            <a:extLst>
-              <a:ext uri="{FF2B5EF4-FFF2-40B4-BE49-F238E27FC236}">
-                <a16:creationId xmlns:a16="http://schemas.microsoft.com/office/drawing/2014/main" id="{D3CBE610-86BB-49D9-BA06-22CDA1DC050B}"/>
-              </a:ext>
-            </a:extLst>
-          </p:cNvPr>
-          <p:cNvSpPr>
-            <a:spLocks noGrp="1"/>
-          </p:cNvSpPr>
-          <p:nvPr>
-            <p:ph type="title"/>
-          </p:nvPr>
-        </p:nvSpPr>
-        <p:spPr/>
-        <p:txBody>
-          <a:bodyPr/>
-          <a:lstStyle/>
-          <a:p>
-            <a:r>
-              <a:rPr lang="en-US" sz="3000" cap="none" dirty="0">
-                <a:latin typeface="Segoe UI Light" panose="020B0502040204020203" pitchFamily="34" charset="0"/>
-                <a:cs typeface="Segoe UI Light" panose="020B0502040204020203" pitchFamily="34" charset="0"/>
-              </a:rPr>
-              <a:t>SPA Revolution with </a:t>
-            </a:r>
-            <a:r>
-              <a:rPr lang="en-US" sz="3000" cap="none" dirty="0" err="1">
-                <a:latin typeface="Segoe UI Light" panose="020B0502040204020203" pitchFamily="34" charset="0"/>
-                <a:cs typeface="Segoe UI Light" panose="020B0502040204020203" pitchFamily="34" charset="0"/>
-              </a:rPr>
-              <a:t>WebAssembly</a:t>
-            </a:r>
-            <a:r>
-              <a:rPr lang="en-US" sz="3000" cap="none" dirty="0">
-                <a:latin typeface="Segoe UI Light" panose="020B0502040204020203" pitchFamily="34" charset="0"/>
-                <a:cs typeface="Segoe UI Light" panose="020B0502040204020203" pitchFamily="34" charset="0"/>
-              </a:rPr>
-              <a:t> and </a:t>
-            </a:r>
-            <a:r>
-              <a:rPr lang="en-US" sz="3000" cap="none" dirty="0" err="1">
-                <a:latin typeface="Segoe UI Light" panose="020B0502040204020203" pitchFamily="34" charset="0"/>
-                <a:cs typeface="Segoe UI Light" panose="020B0502040204020203" pitchFamily="34" charset="0"/>
-              </a:rPr>
-              <a:t>Blazor</a:t>
-            </a:r>
-            <a:br>
-              <a:rPr lang="en-US" sz="3000" cap="none" dirty="0">
-                <a:latin typeface="Segoe UI Light" panose="020B0502040204020203" pitchFamily="34" charset="0"/>
-                <a:cs typeface="Segoe UI Light" panose="020B0502040204020203" pitchFamily="34" charset="0"/>
-              </a:rPr>
-            </a:br>
-            <a:br>
-              <a:rPr lang="en-US" sz="3000" cap="none" dirty="0">
-                <a:latin typeface="Segoe UI Light" panose="020B0502040204020203" pitchFamily="34" charset="0"/>
-                <a:cs typeface="Segoe UI Light" panose="020B0502040204020203" pitchFamily="34" charset="0"/>
-              </a:rPr>
-            </a:br>
-            <a:br>
-              <a:rPr lang="en-US" cap="none" dirty="0">
-                <a:latin typeface="Segoe UI Light" panose="020B0502040204020203" pitchFamily="34" charset="0"/>
-                <a:cs typeface="Segoe UI Light" panose="020B0502040204020203" pitchFamily="34" charset="0"/>
-              </a:rPr>
-            </a:br>
-            <a:r>
-              <a:rPr lang="en-US" sz="1800" cap="none" dirty="0">
-                <a:latin typeface="Segoe UI Light" panose="020B0502040204020203" pitchFamily="34" charset="0"/>
-                <a:cs typeface="Segoe UI Light" panose="020B0502040204020203" pitchFamily="34" charset="0"/>
-              </a:rPr>
-              <a:t>Rainer Stropek | software architects</a:t>
-            </a:r>
-            <a:br>
-              <a:rPr lang="en-US" sz="1800" cap="none" dirty="0">
-                <a:latin typeface="Segoe UI Light" panose="020B0502040204020203" pitchFamily="34" charset="0"/>
-                <a:cs typeface="Segoe UI Light" panose="020B0502040204020203" pitchFamily="34" charset="0"/>
-              </a:rPr>
-            </a:br>
-            <a:r>
-              <a:rPr lang="en-US" sz="1800" cap="none" dirty="0">
-                <a:latin typeface="Segoe UI Light" panose="020B0502040204020203" pitchFamily="34" charset="0"/>
-                <a:cs typeface="Segoe UI Light" panose="020B0502040204020203" pitchFamily="34" charset="0"/>
-              </a:rPr>
-              <a:t>@</a:t>
-            </a:r>
-            <a:r>
-              <a:rPr lang="en-US" sz="1800" cap="none" dirty="0" err="1">
-                <a:latin typeface="Segoe UI Light" panose="020B0502040204020203" pitchFamily="34" charset="0"/>
-                <a:cs typeface="Segoe UI Light" panose="020B0502040204020203" pitchFamily="34" charset="0"/>
-              </a:rPr>
-              <a:t>rstropek</a:t>
-            </a:r>
-            <a:endParaRPr lang="de-AT" sz="1800" cap="none" dirty="0">
-              <a:latin typeface="Segoe UI Light" panose="020B0502040204020203" pitchFamily="34" charset="0"/>
-              <a:cs typeface="Segoe UI Light" panose="020B0502040204020203" pitchFamily="34" charset="0"/>
-            </a:endParaRPr>
-          </a:p>
-        </p:txBody>
-      </p:sp>
-    </p:spTree>
-    <p:extLst>
-      <p:ext uri="{BB962C8B-B14F-4D97-AF65-F5344CB8AC3E}">
-        <p14:creationId xmlns:p14="http://schemas.microsoft.com/office/powerpoint/2010/main" val="71468584"/>
-      </p:ext>
-    </p:extLst>
-  </p:cSld>
-  <p:clrMapOvr>
-    <a:masterClrMapping/>
-  </p:clrMapOvr>
-</p:sld>
-</file>
-
-<file path=ppt/slides/slide20.xml><?xml version="1.0" encoding="utf-8"?>
 <p:sld xmlns:a="http://schemas.openxmlformats.org/drawingml/2006/main" xmlns:r="http://schemas.openxmlformats.org/officeDocument/2006/relationships" xmlns:p="http://schemas.openxmlformats.org/presentationml/2006/main">
   <p:cSld>
     <p:spTree>
@@ -15985,7 +14728,103 @@
 </p:sld>
 </file>
 
-<file path=ppt/slides/slide21.xml><?xml version="1.0" encoding="utf-8"?>
+<file path=ppt/slides/slide2.xml><?xml version="1.0" encoding="utf-8"?>
+<p:sld xmlns:a="http://schemas.openxmlformats.org/drawingml/2006/main" xmlns:r="http://schemas.openxmlformats.org/officeDocument/2006/relationships" xmlns:p="http://schemas.openxmlformats.org/presentationml/2006/main">
+  <p:cSld>
+    <p:spTree>
+      <p:nvGrpSpPr>
+        <p:cNvPr id="1" name=""/>
+        <p:cNvGrpSpPr/>
+        <p:nvPr/>
+      </p:nvGrpSpPr>
+      <p:grpSpPr>
+        <a:xfrm>
+          <a:off x="0" y="0"/>
+          <a:ext cx="0" cy="0"/>
+          <a:chOff x="0" y="0"/>
+          <a:chExt cx="0" cy="0"/>
+        </a:xfrm>
+      </p:grpSpPr>
+      <p:sp>
+        <p:nvSpPr>
+          <p:cNvPr id="2" name="Title 1">
+            <a:extLst>
+              <a:ext uri="{FF2B5EF4-FFF2-40B4-BE49-F238E27FC236}">
+                <a16:creationId xmlns:a16="http://schemas.microsoft.com/office/drawing/2014/main" id="{D3CBE610-86BB-49D9-BA06-22CDA1DC050B}"/>
+              </a:ext>
+            </a:extLst>
+          </p:cNvPr>
+          <p:cNvSpPr>
+            <a:spLocks noGrp="1"/>
+          </p:cNvSpPr>
+          <p:nvPr>
+            <p:ph type="title"/>
+          </p:nvPr>
+        </p:nvSpPr>
+        <p:spPr>
+          <a:xfrm>
+            <a:off x="328451" y="2859782"/>
+            <a:ext cx="8487097" cy="1347324"/>
+          </a:xfrm>
+        </p:spPr>
+        <p:txBody>
+          <a:bodyPr/>
+          <a:lstStyle/>
+          <a:p>
+            <a:r>
+              <a:rPr lang="en-US" sz="3000" cap="none" dirty="0">
+                <a:latin typeface="Segoe UI Light" panose="020B0502040204020203" pitchFamily="34" charset="0"/>
+                <a:cs typeface="Segoe UI Light" panose="020B0502040204020203" pitchFamily="34" charset="0"/>
+              </a:rPr>
+              <a:t>Samples:</a:t>
+            </a:r>
+            <a:br>
+              <a:rPr lang="en-US" sz="3000" cap="none" dirty="0">
+                <a:latin typeface="Segoe UI Light" panose="020B0502040204020203" pitchFamily="34" charset="0"/>
+                <a:cs typeface="Segoe UI Light" panose="020B0502040204020203" pitchFamily="34" charset="0"/>
+              </a:rPr>
+            </a:br>
+            <a:r>
+              <a:rPr lang="en-US" sz="3000" cap="none" dirty="0">
+                <a:latin typeface="Segoe UI Light" panose="020B0502040204020203" pitchFamily="34" charset="0"/>
+                <a:cs typeface="Segoe UI Light" panose="020B0502040204020203" pitchFamily="34" charset="0"/>
+              </a:rPr>
+              <a:t>https://github.com/software-architects/learn-blazor</a:t>
+            </a:r>
+            <a:br>
+              <a:rPr lang="en-US" sz="3000" cap="none" dirty="0">
+                <a:latin typeface="Segoe UI Light" panose="020B0502040204020203" pitchFamily="34" charset="0"/>
+                <a:cs typeface="Segoe UI Light" panose="020B0502040204020203" pitchFamily="34" charset="0"/>
+              </a:rPr>
+            </a:br>
+            <a:r>
+              <a:rPr lang="en-US" sz="3000" cap="none" dirty="0">
+                <a:latin typeface="Segoe UI Light" panose="020B0502040204020203" pitchFamily="34" charset="0"/>
+                <a:cs typeface="Segoe UI Light" panose="020B0502040204020203" pitchFamily="34" charset="0"/>
+              </a:rPr>
+              <a:t>https://learn-blazor.com</a:t>
+            </a:r>
+            <a:endParaRPr lang="de-AT" sz="1800" cap="none" dirty="0">
+              <a:latin typeface="Segoe UI Light" panose="020B0502040204020203" pitchFamily="34" charset="0"/>
+              <a:cs typeface="Segoe UI Light" panose="020B0502040204020203" pitchFamily="34" charset="0"/>
+            </a:endParaRPr>
+          </a:p>
+        </p:txBody>
+      </p:sp>
+    </p:spTree>
+    <p:extLst>
+      <p:ext uri="{BB962C8B-B14F-4D97-AF65-F5344CB8AC3E}">
+        <p14:creationId xmlns:p14="http://schemas.microsoft.com/office/powerpoint/2010/main" val="3096471054"/>
+      </p:ext>
+    </p:extLst>
+  </p:cSld>
+  <p:clrMapOvr>
+    <a:masterClrMapping/>
+  </p:clrMapOvr>
+</p:sld>
+</file>
+
+<file path=ppt/slides/slide20.xml><?xml version="1.0" encoding="utf-8"?>
 <p:sld xmlns:a="http://schemas.openxmlformats.org/drawingml/2006/main" xmlns:r="http://schemas.openxmlformats.org/officeDocument/2006/relationships" xmlns:p="http://schemas.openxmlformats.org/presentationml/2006/main">
   <p:cSld>
     <p:spTree>
@@ -16324,7 +15163,7 @@
 </p:sld>
 </file>
 
-<file path=ppt/slides/slide22.xml><?xml version="1.0" encoding="utf-8"?>
+<file path=ppt/slides/slide21.xml><?xml version="1.0" encoding="utf-8"?>
 <p:sld xmlns:a="http://schemas.openxmlformats.org/drawingml/2006/main" xmlns:r="http://schemas.openxmlformats.org/officeDocument/2006/relationships" xmlns:p="http://schemas.openxmlformats.org/presentationml/2006/main">
   <p:cSld>
     <p:spTree>
@@ -16498,7 +15337,7 @@
 </p:sld>
 </file>
 
-<file path=ppt/slides/slide23.xml><?xml version="1.0" encoding="utf-8"?>
+<file path=ppt/slides/slide22.xml><?xml version="1.0" encoding="utf-8"?>
 <p:sld xmlns:a="http://schemas.openxmlformats.org/drawingml/2006/main" xmlns:r="http://schemas.openxmlformats.org/officeDocument/2006/relationships" xmlns:p="http://schemas.openxmlformats.org/presentationml/2006/main">
   <p:cSld>
     <p:spTree>
@@ -16688,6 +15527,467 @@
 </p:sld>
 </file>
 
+<file path=ppt/slides/slide23.xml><?xml version="1.0" encoding="utf-8"?>
+<p:sld xmlns:a="http://schemas.openxmlformats.org/drawingml/2006/main" xmlns:r="http://schemas.openxmlformats.org/officeDocument/2006/relationships" xmlns:p="http://schemas.openxmlformats.org/presentationml/2006/main">
+  <p:cSld>
+    <p:spTree>
+      <p:nvGrpSpPr>
+        <p:cNvPr id="1" name=""/>
+        <p:cNvGrpSpPr/>
+        <p:nvPr/>
+      </p:nvGrpSpPr>
+      <p:grpSpPr>
+        <a:xfrm>
+          <a:off x="0" y="0"/>
+          <a:ext cx="0" cy="0"/>
+          <a:chOff x="0" y="0"/>
+          <a:chExt cx="0" cy="0"/>
+        </a:xfrm>
+      </p:grpSpPr>
+      <p:sp>
+        <p:nvSpPr>
+          <p:cNvPr id="6" name="Title 5">
+            <a:extLst>
+              <a:ext uri="{FF2B5EF4-FFF2-40B4-BE49-F238E27FC236}">
+                <a16:creationId xmlns:a16="http://schemas.microsoft.com/office/drawing/2014/main" id="{31C9A591-967D-4B8C-80EB-800A41020900}"/>
+              </a:ext>
+            </a:extLst>
+          </p:cNvPr>
+          <p:cNvSpPr>
+            <a:spLocks noGrp="1"/>
+          </p:cNvSpPr>
+          <p:nvPr>
+            <p:ph type="title"/>
+          </p:nvPr>
+        </p:nvSpPr>
+        <p:spPr/>
+        <p:txBody>
+          <a:bodyPr/>
+          <a:lstStyle/>
+          <a:p>
+            <a:r>
+              <a:rPr lang="en-US" dirty="0"/>
+              <a:t>Dependency Injection</a:t>
+            </a:r>
+          </a:p>
+        </p:txBody>
+      </p:sp>
+      <p:sp>
+        <p:nvSpPr>
+          <p:cNvPr id="7" name="Content Placeholder 6">
+            <a:extLst>
+              <a:ext uri="{FF2B5EF4-FFF2-40B4-BE49-F238E27FC236}">
+                <a16:creationId xmlns:a16="http://schemas.microsoft.com/office/drawing/2014/main" id="{3425F950-541D-4060-9EA1-5513D16557B5}"/>
+              </a:ext>
+            </a:extLst>
+          </p:cNvPr>
+          <p:cNvSpPr>
+            <a:spLocks noGrp="1"/>
+          </p:cNvSpPr>
+          <p:nvPr>
+            <p:ph sz="quarter" idx="12"/>
+          </p:nvPr>
+        </p:nvSpPr>
+        <p:spPr/>
+        <p:txBody>
+          <a:bodyPr/>
+          <a:lstStyle/>
+          <a:p>
+            <a:r>
+              <a:rPr lang="en-US" dirty="0"/>
+              <a:t>Basics</a:t>
+            </a:r>
+          </a:p>
+          <a:p>
+            <a:pPr lvl="1"/>
+            <a:r>
+              <a:rPr lang="en-US" dirty="0"/>
+              <a:t>Open </a:t>
+            </a:r>
+            <a:r>
+              <a:rPr lang="en-US" i="1" dirty="0" err="1"/>
+              <a:t>Startup.cs</a:t>
+            </a:r>
+            <a:r>
+              <a:rPr lang="en-US" i="1" dirty="0"/>
+              <a:t> </a:t>
+            </a:r>
+            <a:r>
+              <a:rPr lang="en-US" dirty="0"/>
+              <a:t>in </a:t>
+            </a:r>
+            <a:r>
+              <a:rPr lang="en-US" i="1" dirty="0" err="1"/>
+              <a:t>DependencyInjection</a:t>
+            </a:r>
+            <a:r>
+              <a:rPr lang="en-US" dirty="0"/>
+              <a:t> sample</a:t>
+            </a:r>
+          </a:p>
+          <a:p>
+            <a:pPr lvl="1"/>
+            <a:r>
+              <a:rPr lang="en-US" dirty="0"/>
+              <a:t>Open </a:t>
+            </a:r>
+            <a:r>
+              <a:rPr lang="en-US" i="1" dirty="0" err="1"/>
+              <a:t>CustomerList.cshtml</a:t>
+            </a:r>
+            <a:r>
+              <a:rPr lang="en-US" dirty="0"/>
+              <a:t> in </a:t>
+            </a:r>
+            <a:r>
+              <a:rPr lang="en-US" i="1" dirty="0" err="1"/>
+              <a:t>DependencyInjection</a:t>
+            </a:r>
+            <a:r>
+              <a:rPr lang="en-US" dirty="0"/>
+              <a:t> sample – </a:t>
+            </a:r>
+            <a:r>
+              <a:rPr lang="en-US" i="1" dirty="0"/>
+              <a:t>@inject</a:t>
+            </a:r>
+          </a:p>
+          <a:p>
+            <a:pPr lvl="1"/>
+            <a:r>
+              <a:rPr lang="en-US" dirty="0">
+                <a:sym typeface="Wingdings" panose="05000000000000000000" pitchFamily="2" charset="2"/>
+              </a:rPr>
+              <a:t>Speak about DI basics</a:t>
+            </a:r>
+          </a:p>
+          <a:p>
+            <a:pPr lvl="1"/>
+            <a:r>
+              <a:rPr lang="en-US" dirty="0">
+                <a:sym typeface="Wingdings" panose="05000000000000000000" pitchFamily="2" charset="2"/>
+              </a:rPr>
+              <a:t>Open </a:t>
+            </a:r>
+            <a:r>
+              <a:rPr lang="en-US" dirty="0" err="1">
+                <a:sym typeface="Wingdings" panose="05000000000000000000" pitchFamily="2" charset="2"/>
+              </a:rPr>
+              <a:t>Repository.cs</a:t>
+            </a:r>
+            <a:r>
+              <a:rPr lang="en-US" dirty="0"/>
+              <a:t> in </a:t>
+            </a:r>
+            <a:r>
+              <a:rPr lang="en-US" i="1" dirty="0" err="1"/>
+              <a:t>DependencyInjection</a:t>
+            </a:r>
+            <a:r>
+              <a:rPr lang="en-US" dirty="0"/>
+              <a:t> sample – constructor injection</a:t>
+            </a:r>
+            <a:endParaRPr lang="en-US" dirty="0">
+              <a:sym typeface="Wingdings" panose="05000000000000000000" pitchFamily="2" charset="2"/>
+            </a:endParaRPr>
+          </a:p>
+          <a:p>
+            <a:r>
+              <a:rPr lang="en-US" i="1" dirty="0" err="1">
+                <a:sym typeface="Wingdings" panose="05000000000000000000" pitchFamily="2" charset="2"/>
+              </a:rPr>
+              <a:t>HttpClient</a:t>
+            </a:r>
+            <a:endParaRPr lang="en-US" i="1" dirty="0">
+              <a:sym typeface="Wingdings" panose="05000000000000000000" pitchFamily="2" charset="2"/>
+            </a:endParaRPr>
+          </a:p>
+          <a:p>
+            <a:pPr lvl="1"/>
+            <a:r>
+              <a:rPr lang="en-US" dirty="0">
+                <a:sym typeface="Wingdings" panose="05000000000000000000" pitchFamily="2" charset="2"/>
+              </a:rPr>
+              <a:t>Open </a:t>
+            </a:r>
+            <a:r>
+              <a:rPr lang="en-US" i="1" dirty="0" err="1">
+                <a:sym typeface="Wingdings" panose="05000000000000000000" pitchFamily="2" charset="2"/>
+              </a:rPr>
+              <a:t>FetchData.cshtml</a:t>
+            </a:r>
+            <a:r>
+              <a:rPr lang="en-US" dirty="0">
+                <a:sym typeface="Wingdings" panose="05000000000000000000" pitchFamily="2" charset="2"/>
+              </a:rPr>
+              <a:t> in </a:t>
+            </a:r>
+            <a:r>
+              <a:rPr lang="en-US" i="1" dirty="0" err="1">
+                <a:sym typeface="Wingdings" panose="05000000000000000000" pitchFamily="2" charset="2"/>
+              </a:rPr>
+              <a:t>RestApi</a:t>
+            </a:r>
+            <a:r>
+              <a:rPr lang="en-US" i="1" dirty="0">
+                <a:sym typeface="Wingdings" panose="05000000000000000000" pitchFamily="2" charset="2"/>
+              </a:rPr>
+              <a:t> </a:t>
+            </a:r>
+            <a:r>
+              <a:rPr lang="en-US" dirty="0">
+                <a:sym typeface="Wingdings" panose="05000000000000000000" pitchFamily="2" charset="2"/>
+              </a:rPr>
+              <a:t>sample</a:t>
+            </a:r>
+          </a:p>
+          <a:p>
+            <a:pPr lvl="1"/>
+            <a:r>
+              <a:rPr lang="en-US" dirty="0">
+                <a:sym typeface="Wingdings" panose="05000000000000000000" pitchFamily="2" charset="2"/>
+              </a:rPr>
+              <a:t>Speak about </a:t>
+            </a:r>
+            <a:r>
+              <a:rPr lang="en-US" i="1" dirty="0" err="1">
+                <a:sym typeface="Wingdings" panose="05000000000000000000" pitchFamily="2" charset="2"/>
+              </a:rPr>
+              <a:t>HttpClient</a:t>
+            </a:r>
+            <a:r>
+              <a:rPr lang="en-US" dirty="0">
+                <a:sym typeface="Wingdings" panose="05000000000000000000" pitchFamily="2" charset="2"/>
+              </a:rPr>
+              <a:t> standard service</a:t>
+            </a:r>
+          </a:p>
+          <a:p>
+            <a:pPr lvl="1"/>
+            <a:r>
+              <a:rPr lang="en-US" dirty="0">
+                <a:sym typeface="Wingdings" panose="05000000000000000000" pitchFamily="2" charset="2"/>
+              </a:rPr>
+              <a:t>   </a:t>
+            </a:r>
+            <a:r>
+              <a:rPr lang="en-US" i="1" dirty="0" err="1">
+                <a:sym typeface="Wingdings" panose="05000000000000000000" pitchFamily="2" charset="2"/>
+                <a:hlinkClick r:id="rId2"/>
+              </a:rPr>
+              <a:t>HttpClient</a:t>
+            </a:r>
+            <a:r>
+              <a:rPr lang="en-US" i="1" dirty="0">
+                <a:sym typeface="Wingdings" panose="05000000000000000000" pitchFamily="2" charset="2"/>
+                <a:hlinkClick r:id="rId2"/>
+              </a:rPr>
+              <a:t>(</a:t>
+            </a:r>
+            <a:r>
+              <a:rPr lang="en-US" i="1" dirty="0" err="1">
+                <a:sym typeface="Wingdings" panose="05000000000000000000" pitchFamily="2" charset="2"/>
+                <a:hlinkClick r:id="rId2"/>
+              </a:rPr>
+              <a:t>HttpMessageHandler</a:t>
+            </a:r>
+            <a:r>
+              <a:rPr lang="en-US" i="1" dirty="0">
+                <a:sym typeface="Wingdings" panose="05000000000000000000" pitchFamily="2" charset="2"/>
+                <a:hlinkClick r:id="rId2"/>
+              </a:rPr>
+              <a:t>)</a:t>
+            </a:r>
+            <a:r>
+              <a:rPr lang="en-US" dirty="0">
+                <a:sym typeface="Wingdings" panose="05000000000000000000" pitchFamily="2" charset="2"/>
+                <a:hlinkClick r:id="rId2"/>
+              </a:rPr>
+              <a:t> Constructor</a:t>
+            </a:r>
+            <a:br>
+              <a:rPr lang="en-US" dirty="0">
+                <a:sym typeface="Wingdings" panose="05000000000000000000" pitchFamily="2" charset="2"/>
+              </a:rPr>
+            </a:br>
+            <a:r>
+              <a:rPr lang="en-US" dirty="0">
+                <a:sym typeface="Wingdings" panose="05000000000000000000" pitchFamily="2" charset="2"/>
+              </a:rPr>
+              <a:t>   </a:t>
+            </a:r>
+            <a:r>
+              <a:rPr lang="en-US" i="1" dirty="0" err="1">
+                <a:sym typeface="Wingdings" panose="05000000000000000000" pitchFamily="2" charset="2"/>
+                <a:hlinkClick r:id="rId3"/>
+              </a:rPr>
+              <a:t>HttpClient</a:t>
+            </a:r>
+            <a:r>
+              <a:rPr lang="en-US" dirty="0">
+                <a:sym typeface="Wingdings" panose="05000000000000000000" pitchFamily="2" charset="2"/>
+                <a:hlinkClick r:id="rId3"/>
+              </a:rPr>
+              <a:t> creation in </a:t>
+            </a:r>
+            <a:r>
+              <a:rPr lang="en-US" dirty="0" err="1">
+                <a:sym typeface="Wingdings" panose="05000000000000000000" pitchFamily="2" charset="2"/>
+                <a:hlinkClick r:id="rId3"/>
+              </a:rPr>
+              <a:t>Blazor</a:t>
+            </a:r>
+            <a:r>
+              <a:rPr lang="en-US" dirty="0">
+                <a:sym typeface="Wingdings" panose="05000000000000000000" pitchFamily="2" charset="2"/>
+                <a:hlinkClick r:id="rId3"/>
+              </a:rPr>
+              <a:t> (Browser)</a:t>
+            </a:r>
+            <a:br>
+              <a:rPr lang="en-US" dirty="0">
+                <a:sym typeface="Wingdings" panose="05000000000000000000" pitchFamily="2" charset="2"/>
+              </a:rPr>
+            </a:br>
+            <a:r>
+              <a:rPr lang="en-US" dirty="0">
+                <a:sym typeface="Wingdings" panose="05000000000000000000" pitchFamily="2" charset="2"/>
+              </a:rPr>
+              <a:t>   </a:t>
+            </a:r>
+            <a:r>
+              <a:rPr lang="en-US" i="1" dirty="0" err="1">
+                <a:sym typeface="Wingdings" panose="05000000000000000000" pitchFamily="2" charset="2"/>
+                <a:hlinkClick r:id="rId4"/>
+              </a:rPr>
+              <a:t>BrowserHttpMessageHandler</a:t>
+            </a:r>
+            <a:r>
+              <a:rPr lang="en-US" dirty="0">
+                <a:sym typeface="Wingdings" panose="05000000000000000000" pitchFamily="2" charset="2"/>
+                <a:hlinkClick r:id="rId4"/>
+              </a:rPr>
+              <a:t> in </a:t>
+            </a:r>
+            <a:r>
+              <a:rPr lang="en-US" dirty="0" err="1">
+                <a:sym typeface="Wingdings" panose="05000000000000000000" pitchFamily="2" charset="2"/>
+                <a:hlinkClick r:id="rId4"/>
+              </a:rPr>
+              <a:t>Blazor</a:t>
+            </a:r>
+            <a:r>
+              <a:rPr lang="en-US" dirty="0">
+                <a:sym typeface="Wingdings" panose="05000000000000000000" pitchFamily="2" charset="2"/>
+                <a:hlinkClick r:id="rId4"/>
+              </a:rPr>
+              <a:t> (Browser)</a:t>
+            </a:r>
+            <a:br>
+              <a:rPr lang="en-US" dirty="0">
+                <a:sym typeface="Wingdings" panose="05000000000000000000" pitchFamily="2" charset="2"/>
+              </a:rPr>
+            </a:br>
+            <a:r>
+              <a:rPr lang="en-US" dirty="0">
+                <a:sym typeface="Wingdings" panose="05000000000000000000" pitchFamily="2" charset="2"/>
+              </a:rPr>
+              <a:t>   </a:t>
+            </a:r>
+            <a:r>
+              <a:rPr lang="en-US" dirty="0">
+                <a:sym typeface="Wingdings" panose="05000000000000000000" pitchFamily="2" charset="2"/>
+                <a:hlinkClick r:id="rId5"/>
+              </a:rPr>
+              <a:t>JS implementation using </a:t>
+            </a:r>
+            <a:r>
+              <a:rPr lang="en-US" i="1" dirty="0">
+                <a:sym typeface="Wingdings" panose="05000000000000000000" pitchFamily="2" charset="2"/>
+                <a:hlinkClick r:id="rId5"/>
+              </a:rPr>
+              <a:t>fetch</a:t>
+            </a:r>
+            <a:r>
+              <a:rPr lang="en-US" dirty="0">
+                <a:sym typeface="Wingdings" panose="05000000000000000000" pitchFamily="2" charset="2"/>
+                <a:hlinkClick r:id="rId5"/>
+              </a:rPr>
+              <a:t> API</a:t>
+            </a:r>
+            <a:br>
+              <a:rPr lang="en-US" dirty="0">
+                <a:sym typeface="Wingdings" panose="05000000000000000000" pitchFamily="2" charset="2"/>
+              </a:rPr>
+            </a:br>
+            <a:r>
+              <a:rPr lang="en-US" dirty="0">
+                <a:sym typeface="Wingdings" panose="05000000000000000000" pitchFamily="2" charset="2"/>
+              </a:rPr>
+              <a:t>Show call stack for Web API calls in </a:t>
+            </a:r>
+            <a:r>
+              <a:rPr lang="en-US" i="1" dirty="0" err="1">
+                <a:sym typeface="Wingdings" panose="05000000000000000000" pitchFamily="2" charset="2"/>
+              </a:rPr>
+              <a:t>RestApi</a:t>
+            </a:r>
+            <a:r>
+              <a:rPr lang="en-US" i="1" dirty="0">
+                <a:sym typeface="Wingdings" panose="05000000000000000000" pitchFamily="2" charset="2"/>
+              </a:rPr>
+              <a:t> </a:t>
+            </a:r>
+            <a:r>
+              <a:rPr lang="en-US" dirty="0">
+                <a:sym typeface="Wingdings" panose="05000000000000000000" pitchFamily="2" charset="2"/>
+              </a:rPr>
+              <a:t>service</a:t>
+            </a:r>
+          </a:p>
+        </p:txBody>
+      </p:sp>
+      <p:sp>
+        <p:nvSpPr>
+          <p:cNvPr id="8" name="Text Placeholder 7">
+            <a:extLst>
+              <a:ext uri="{FF2B5EF4-FFF2-40B4-BE49-F238E27FC236}">
+                <a16:creationId xmlns:a16="http://schemas.microsoft.com/office/drawing/2014/main" id="{22DB5DAF-D514-4FC3-8D3A-7379CCF8F04D}"/>
+              </a:ext>
+            </a:extLst>
+          </p:cNvPr>
+          <p:cNvSpPr>
+            <a:spLocks noGrp="1"/>
+          </p:cNvSpPr>
+          <p:nvPr>
+            <p:ph type="body" sz="quarter" idx="23"/>
+          </p:nvPr>
+        </p:nvSpPr>
+        <p:spPr/>
+        <p:txBody>
+          <a:bodyPr/>
+          <a:lstStyle/>
+          <a:p>
+            <a:endParaRPr lang="en-US"/>
+          </a:p>
+        </p:txBody>
+      </p:sp>
+    </p:spTree>
+    <p:extLst>
+      <p:ext uri="{BB962C8B-B14F-4D97-AF65-F5344CB8AC3E}">
+        <p14:creationId xmlns:p14="http://schemas.microsoft.com/office/powerpoint/2010/main" val="2450884543"/>
+      </p:ext>
+    </p:extLst>
+  </p:cSld>
+  <p:clrMapOvr>
+    <a:masterClrMapping/>
+  </p:clrMapOvr>
+  <p:transition spd="slow">
+    <p:push/>
+  </p:transition>
+</p:sld>
+</file>
+
 <file path=ppt/slides/slide24.xml><?xml version="1.0" encoding="utf-8"?>
 <p:sld xmlns:a="http://schemas.openxmlformats.org/drawingml/2006/main" xmlns:r="http://schemas.openxmlformats.org/officeDocument/2006/relationships" xmlns:p="http://schemas.openxmlformats.org/presentationml/2006/main">
   <p:cSld>
@@ -16728,7 +16028,7 @@
           <a:p>
             <a:r>
               <a:rPr lang="en-US" dirty="0"/>
-              <a:t>Dependency Injection</a:t>
+              <a:t>Router</a:t>
             </a:r>
           </a:p>
         </p:txBody>
@@ -16756,18 +16056,11 @@
           <a:p>
             <a:r>
               <a:rPr lang="en-US" dirty="0"/>
-              <a:t>Basics</a:t>
-            </a:r>
-          </a:p>
-          <a:p>
-            <a:pPr lvl="1"/>
-            <a:r>
-              <a:rPr lang="en-US" dirty="0"/>
-              <a:t>Open </a:t>
+              <a:t>Basics (in </a:t>
             </a:r>
             <a:r>
               <a:rPr lang="en-US" i="1" dirty="0" err="1"/>
-              <a:t>Startup.cs</a:t>
+              <a:t>RouterDemo</a:t>
             </a:r>
             <a:r>
               <a:rPr lang="en-US" i="1" dirty="0"/>
@@ -16775,52 +16068,64 @@
             </a:r>
             <a:r>
               <a:rPr lang="en-US" dirty="0"/>
-              <a:t>in </a:t>
-            </a:r>
-            <a:r>
-              <a:rPr lang="en-US" i="1" dirty="0" err="1"/>
-              <a:t>DependencyInjection</a:t>
-            </a:r>
-            <a:r>
-              <a:rPr lang="en-US" dirty="0"/>
-              <a:t> sample</a:t>
+              <a:t>sample)</a:t>
             </a:r>
           </a:p>
           <a:p>
             <a:pPr lvl="1"/>
             <a:r>
-              <a:rPr lang="en-US" dirty="0"/>
-              <a:t>Open </a:t>
-            </a:r>
-            <a:r>
-              <a:rPr lang="en-US" i="1" dirty="0" err="1"/>
-              <a:t>CustomerList.cshtml</a:t>
-            </a:r>
-            <a:r>
-              <a:rPr lang="en-US" dirty="0"/>
-              <a:t> in </a:t>
-            </a:r>
-            <a:r>
-              <a:rPr lang="en-US" i="1" dirty="0" err="1"/>
-              <a:t>DependencyInjection</a:t>
-            </a:r>
-            <a:r>
-              <a:rPr lang="en-US" dirty="0"/>
-              <a:t> sample – </a:t>
-            </a:r>
-            <a:r>
-              <a:rPr lang="en-US" i="1" dirty="0"/>
-              <a:t>@inject</a:t>
-            </a:r>
+              <a:rPr lang="en-US" i="1" dirty="0" err="1">
+                <a:sym typeface="Wingdings" panose="05000000000000000000" pitchFamily="2" charset="2"/>
+              </a:rPr>
+              <a:t>HelloUniverse.cshtml</a:t>
+            </a:r>
+            <a:endParaRPr lang="en-US" i="1" dirty="0">
+              <a:sym typeface="Wingdings" panose="05000000000000000000" pitchFamily="2" charset="2"/>
+            </a:endParaRPr>
           </a:p>
           <a:p>
             <a:pPr lvl="1"/>
+            <a:r>
+              <a:rPr lang="en-US" i="1" dirty="0" err="1">
+                <a:sym typeface="Wingdings" panose="05000000000000000000" pitchFamily="2" charset="2"/>
+              </a:rPr>
+              <a:t>HelloPlanet.cshtml</a:t>
+            </a:r>
+            <a:endParaRPr lang="en-US" i="1" dirty="0">
+              <a:sym typeface="Wingdings" panose="05000000000000000000" pitchFamily="2" charset="2"/>
+            </a:endParaRPr>
+          </a:p>
+          <a:p>
+            <a:pPr lvl="1"/>
+            <a:r>
+              <a:rPr lang="en-US" i="1" dirty="0" err="1">
+                <a:sym typeface="Wingdings" panose="05000000000000000000" pitchFamily="2" charset="2"/>
+              </a:rPr>
+              <a:t>HelloWorld.cshtml</a:t>
+            </a:r>
+            <a:endParaRPr lang="en-US" i="1" dirty="0">
+              <a:sym typeface="Wingdings" panose="05000000000000000000" pitchFamily="2" charset="2"/>
+            </a:endParaRPr>
+          </a:p>
+          <a:p>
             <a:r>
               <a:rPr lang="en-US" dirty="0">
                 <a:sym typeface="Wingdings" panose="05000000000000000000" pitchFamily="2" charset="2"/>
               </a:rPr>
-              <a:t>Speak about DI basics</a:t>
-            </a:r>
+              <a:t>Links</a:t>
+            </a:r>
+          </a:p>
+          <a:p>
+            <a:pPr lvl="1"/>
+            <a:r>
+              <a:rPr lang="en-US" dirty="0" err="1">
+                <a:sym typeface="Wingdings" panose="05000000000000000000" pitchFamily="2" charset="2"/>
+              </a:rPr>
+              <a:t>MainMenu.cshtml</a:t>
+            </a:r>
+            <a:endParaRPr lang="en-US" dirty="0">
+              <a:sym typeface="Wingdings" panose="05000000000000000000" pitchFamily="2" charset="2"/>
+            </a:endParaRPr>
           </a:p>
           <a:p>
             <a:pPr lvl="1"/>
@@ -16828,129 +16133,32 @@
               <a:rPr lang="en-US" dirty="0">
                 <a:sym typeface="Wingdings" panose="05000000000000000000" pitchFamily="2" charset="2"/>
               </a:rPr>
-              <a:t>Open </a:t>
-            </a:r>
-            <a:r>
-              <a:rPr lang="en-US" dirty="0" err="1">
+              <a:t>Talk about </a:t>
+            </a:r>
+            <a:r>
+              <a:rPr lang="en-US" i="1" dirty="0">
                 <a:sym typeface="Wingdings" panose="05000000000000000000" pitchFamily="2" charset="2"/>
               </a:rPr>
-              <a:t>Repository.cs</a:t>
-            </a:r>
-            <a:r>
-              <a:rPr lang="en-US" dirty="0"/>
-              <a:t> in </a:t>
-            </a:r>
-            <a:r>
-              <a:rPr lang="en-US" i="1" dirty="0" err="1"/>
-              <a:t>DependencyInjection</a:t>
-            </a:r>
-            <a:r>
-              <a:rPr lang="en-US" dirty="0"/>
-              <a:t> sample – constructor injection</a:t>
-            </a:r>
+              <a:t>base </a:t>
+            </a:r>
+            <a:r>
+              <a:rPr lang="en-US" dirty="0">
+                <a:sym typeface="Wingdings" panose="05000000000000000000" pitchFamily="2" charset="2"/>
+              </a:rPr>
+              <a:t>tag in </a:t>
+            </a:r>
+            <a:r>
+              <a:rPr lang="en-US" i="1" dirty="0">
+                <a:sym typeface="Wingdings" panose="05000000000000000000" pitchFamily="2" charset="2"/>
+              </a:rPr>
+              <a:t>index.html</a:t>
+            </a:r>
+          </a:p>
+          <a:p>
+            <a:pPr lvl="1"/>
             <a:endParaRPr lang="en-US" dirty="0">
               <a:sym typeface="Wingdings" panose="05000000000000000000" pitchFamily="2" charset="2"/>
             </a:endParaRPr>
-          </a:p>
-          <a:p>
-            <a:r>
-              <a:rPr lang="en-US" i="1" dirty="0" err="1">
-                <a:sym typeface="Wingdings" panose="05000000000000000000" pitchFamily="2" charset="2"/>
-              </a:rPr>
-              <a:t>HttpClient</a:t>
-            </a:r>
-            <a:endParaRPr lang="en-US" i="1" dirty="0">
-              <a:sym typeface="Wingdings" panose="05000000000000000000" pitchFamily="2" charset="2"/>
-            </a:endParaRPr>
-          </a:p>
-          <a:p>
-            <a:pPr lvl="1"/>
-            <a:r>
-              <a:rPr lang="en-US" dirty="0">
-                <a:sym typeface="Wingdings" panose="05000000000000000000" pitchFamily="2" charset="2"/>
-              </a:rPr>
-              <a:t>Open </a:t>
-            </a:r>
-            <a:r>
-              <a:rPr lang="en-US" i="1" dirty="0" err="1">
-                <a:sym typeface="Wingdings" panose="05000000000000000000" pitchFamily="2" charset="2"/>
-              </a:rPr>
-              <a:t>FetchData.cshtml</a:t>
-            </a:r>
-            <a:r>
-              <a:rPr lang="en-US" dirty="0">
-                <a:sym typeface="Wingdings" panose="05000000000000000000" pitchFamily="2" charset="2"/>
-              </a:rPr>
-              <a:t> in </a:t>
-            </a:r>
-            <a:r>
-              <a:rPr lang="en-US" i="1" dirty="0" err="1">
-                <a:sym typeface="Wingdings" panose="05000000000000000000" pitchFamily="2" charset="2"/>
-              </a:rPr>
-              <a:t>RestApi</a:t>
-            </a:r>
-            <a:r>
-              <a:rPr lang="en-US" i="1" dirty="0">
-                <a:sym typeface="Wingdings" panose="05000000000000000000" pitchFamily="2" charset="2"/>
-              </a:rPr>
-              <a:t> </a:t>
-            </a:r>
-            <a:r>
-              <a:rPr lang="en-US" dirty="0">
-                <a:sym typeface="Wingdings" panose="05000000000000000000" pitchFamily="2" charset="2"/>
-              </a:rPr>
-              <a:t>sample</a:t>
-            </a:r>
-          </a:p>
-          <a:p>
-            <a:pPr lvl="1"/>
-            <a:r>
-              <a:rPr lang="en-US" dirty="0">
-                <a:sym typeface="Wingdings" panose="05000000000000000000" pitchFamily="2" charset="2"/>
-              </a:rPr>
-              <a:t>Speak about </a:t>
-            </a:r>
-            <a:r>
-              <a:rPr lang="en-US" i="1" dirty="0" err="1">
-                <a:sym typeface="Wingdings" panose="05000000000000000000" pitchFamily="2" charset="2"/>
-              </a:rPr>
-              <a:t>HttpClient</a:t>
-            </a:r>
-            <a:r>
-              <a:rPr lang="en-US" dirty="0">
-                <a:sym typeface="Wingdings" panose="05000000000000000000" pitchFamily="2" charset="2"/>
-              </a:rPr>
-              <a:t> standard service</a:t>
-            </a:r>
-            <a:br>
-              <a:rPr lang="en-US" dirty="0">
-                <a:sym typeface="Wingdings" panose="05000000000000000000" pitchFamily="2" charset="2"/>
-              </a:rPr>
-            </a:br>
-            <a:r>
-              <a:rPr lang="en-US" dirty="0">
-                <a:sym typeface="Wingdings" panose="05000000000000000000" pitchFamily="2" charset="2"/>
-              </a:rPr>
-              <a:t>Show call stack for Web API calls in </a:t>
-            </a:r>
-            <a:r>
-              <a:rPr lang="en-US" i="1" dirty="0" err="1">
-                <a:sym typeface="Wingdings" panose="05000000000000000000" pitchFamily="2" charset="2"/>
-              </a:rPr>
-              <a:t>RestApi</a:t>
-            </a:r>
-            <a:r>
-              <a:rPr lang="en-US" i="1" dirty="0">
-                <a:sym typeface="Wingdings" panose="05000000000000000000" pitchFamily="2" charset="2"/>
-              </a:rPr>
-              <a:t> </a:t>
-            </a:r>
-            <a:r>
-              <a:rPr lang="en-US" dirty="0">
-                <a:sym typeface="Wingdings" panose="05000000000000000000" pitchFamily="2" charset="2"/>
-              </a:rPr>
-              <a:t>service</a:t>
-            </a:r>
           </a:p>
         </p:txBody>
       </p:sp>
@@ -16982,7 +16190,7 @@
     </p:spTree>
     <p:extLst>
       <p:ext uri="{BB962C8B-B14F-4D97-AF65-F5344CB8AC3E}">
-        <p14:creationId xmlns:p14="http://schemas.microsoft.com/office/powerpoint/2010/main" val="2450884543"/>
+        <p14:creationId xmlns:p14="http://schemas.microsoft.com/office/powerpoint/2010/main" val="810963624"/>
       </p:ext>
     </p:extLst>
   </p:cSld>
@@ -16996,221 +16204,6 @@
 </file>
 
 <file path=ppt/slides/slide25.xml><?xml version="1.0" encoding="utf-8"?>
-<p:sld xmlns:a="http://schemas.openxmlformats.org/drawingml/2006/main" xmlns:r="http://schemas.openxmlformats.org/officeDocument/2006/relationships" xmlns:p="http://schemas.openxmlformats.org/presentationml/2006/main">
-  <p:cSld>
-    <p:spTree>
-      <p:nvGrpSpPr>
-        <p:cNvPr id="1" name=""/>
-        <p:cNvGrpSpPr/>
-        <p:nvPr/>
-      </p:nvGrpSpPr>
-      <p:grpSpPr>
-        <a:xfrm>
-          <a:off x="0" y="0"/>
-          <a:ext cx="0" cy="0"/>
-          <a:chOff x="0" y="0"/>
-          <a:chExt cx="0" cy="0"/>
-        </a:xfrm>
-      </p:grpSpPr>
-      <p:sp>
-        <p:nvSpPr>
-          <p:cNvPr id="6" name="Title 5">
-            <a:extLst>
-              <a:ext uri="{FF2B5EF4-FFF2-40B4-BE49-F238E27FC236}">
-                <a16:creationId xmlns:a16="http://schemas.microsoft.com/office/drawing/2014/main" id="{31C9A591-967D-4B8C-80EB-800A41020900}"/>
-              </a:ext>
-            </a:extLst>
-          </p:cNvPr>
-          <p:cNvSpPr>
-            <a:spLocks noGrp="1"/>
-          </p:cNvSpPr>
-          <p:nvPr>
-            <p:ph type="title"/>
-          </p:nvPr>
-        </p:nvSpPr>
-        <p:spPr/>
-        <p:txBody>
-          <a:bodyPr/>
-          <a:lstStyle/>
-          <a:p>
-            <a:r>
-              <a:rPr lang="en-US" dirty="0"/>
-              <a:t>Router</a:t>
-            </a:r>
-          </a:p>
-        </p:txBody>
-      </p:sp>
-      <p:sp>
-        <p:nvSpPr>
-          <p:cNvPr id="7" name="Content Placeholder 6">
-            <a:extLst>
-              <a:ext uri="{FF2B5EF4-FFF2-40B4-BE49-F238E27FC236}">
-                <a16:creationId xmlns:a16="http://schemas.microsoft.com/office/drawing/2014/main" id="{3425F950-541D-4060-9EA1-5513D16557B5}"/>
-              </a:ext>
-            </a:extLst>
-          </p:cNvPr>
-          <p:cNvSpPr>
-            <a:spLocks noGrp="1"/>
-          </p:cNvSpPr>
-          <p:nvPr>
-            <p:ph sz="quarter" idx="12"/>
-          </p:nvPr>
-        </p:nvSpPr>
-        <p:spPr/>
-        <p:txBody>
-          <a:bodyPr/>
-          <a:lstStyle/>
-          <a:p>
-            <a:r>
-              <a:rPr lang="en-US" dirty="0"/>
-              <a:t>Basics (in </a:t>
-            </a:r>
-            <a:r>
-              <a:rPr lang="en-US" i="1" dirty="0" err="1"/>
-              <a:t>RouterDemo</a:t>
-            </a:r>
-            <a:r>
-              <a:rPr lang="en-US" i="1" dirty="0"/>
-              <a:t> </a:t>
-            </a:r>
-            <a:r>
-              <a:rPr lang="en-US" dirty="0"/>
-              <a:t>sample)</a:t>
-            </a:r>
-          </a:p>
-          <a:p>
-            <a:pPr lvl="1"/>
-            <a:r>
-              <a:rPr lang="en-US" i="1" dirty="0" err="1">
-                <a:sym typeface="Wingdings" panose="05000000000000000000" pitchFamily="2" charset="2"/>
-              </a:rPr>
-              <a:t>HelloUniverse.cshtml</a:t>
-            </a:r>
-            <a:endParaRPr lang="en-US" i="1" dirty="0">
-              <a:sym typeface="Wingdings" panose="05000000000000000000" pitchFamily="2" charset="2"/>
-            </a:endParaRPr>
-          </a:p>
-          <a:p>
-            <a:pPr lvl="1"/>
-            <a:r>
-              <a:rPr lang="en-US" i="1" dirty="0" err="1">
-                <a:sym typeface="Wingdings" panose="05000000000000000000" pitchFamily="2" charset="2"/>
-              </a:rPr>
-              <a:t>HelloPlanet.cshtml</a:t>
-            </a:r>
-            <a:endParaRPr lang="en-US" i="1" dirty="0">
-              <a:sym typeface="Wingdings" panose="05000000000000000000" pitchFamily="2" charset="2"/>
-            </a:endParaRPr>
-          </a:p>
-          <a:p>
-            <a:pPr lvl="1"/>
-            <a:r>
-              <a:rPr lang="en-US" i="1" dirty="0" err="1">
-                <a:sym typeface="Wingdings" panose="05000000000000000000" pitchFamily="2" charset="2"/>
-              </a:rPr>
-              <a:t>HelloWorld.cshtml</a:t>
-            </a:r>
-            <a:endParaRPr lang="en-US" i="1" dirty="0">
-              <a:sym typeface="Wingdings" panose="05000000000000000000" pitchFamily="2" charset="2"/>
-            </a:endParaRPr>
-          </a:p>
-          <a:p>
-            <a:r>
-              <a:rPr lang="en-US" dirty="0">
-                <a:sym typeface="Wingdings" panose="05000000000000000000" pitchFamily="2" charset="2"/>
-              </a:rPr>
-              <a:t>Links</a:t>
-            </a:r>
-          </a:p>
-          <a:p>
-            <a:pPr lvl="1"/>
-            <a:r>
-              <a:rPr lang="en-US" dirty="0" err="1">
-                <a:sym typeface="Wingdings" panose="05000000000000000000" pitchFamily="2" charset="2"/>
-              </a:rPr>
-              <a:t>MainMenu.cshtml</a:t>
-            </a:r>
-            <a:endParaRPr lang="en-US" dirty="0">
-              <a:sym typeface="Wingdings" panose="05000000000000000000" pitchFamily="2" charset="2"/>
-            </a:endParaRPr>
-          </a:p>
-          <a:p>
-            <a:pPr lvl="1"/>
-            <a:r>
-              <a:rPr lang="en-US" dirty="0">
-                <a:sym typeface="Wingdings" panose="05000000000000000000" pitchFamily="2" charset="2"/>
-              </a:rPr>
-              <a:t>Talk about </a:t>
-            </a:r>
-            <a:r>
-              <a:rPr lang="en-US" i="1" dirty="0">
-                <a:sym typeface="Wingdings" panose="05000000000000000000" pitchFamily="2" charset="2"/>
-              </a:rPr>
-              <a:t>base </a:t>
-            </a:r>
-            <a:r>
-              <a:rPr lang="en-US" dirty="0">
-                <a:sym typeface="Wingdings" panose="05000000000000000000" pitchFamily="2" charset="2"/>
-              </a:rPr>
-              <a:t>tag in </a:t>
-            </a:r>
-            <a:r>
-              <a:rPr lang="en-US" i="1" dirty="0">
-                <a:sym typeface="Wingdings" panose="05000000000000000000" pitchFamily="2" charset="2"/>
-              </a:rPr>
-              <a:t>index.html</a:t>
-            </a:r>
-          </a:p>
-          <a:p>
-            <a:pPr lvl="1"/>
-            <a:endParaRPr lang="en-US" dirty="0">
-              <a:sym typeface="Wingdings" panose="05000000000000000000" pitchFamily="2" charset="2"/>
-            </a:endParaRPr>
-          </a:p>
-        </p:txBody>
-      </p:sp>
-      <p:sp>
-        <p:nvSpPr>
-          <p:cNvPr id="8" name="Text Placeholder 7">
-            <a:extLst>
-              <a:ext uri="{FF2B5EF4-FFF2-40B4-BE49-F238E27FC236}">
-                <a16:creationId xmlns:a16="http://schemas.microsoft.com/office/drawing/2014/main" id="{22DB5DAF-D514-4FC3-8D3A-7379CCF8F04D}"/>
-              </a:ext>
-            </a:extLst>
-          </p:cNvPr>
-          <p:cNvSpPr>
-            <a:spLocks noGrp="1"/>
-          </p:cNvSpPr>
-          <p:nvPr>
-            <p:ph type="body" sz="quarter" idx="23"/>
-          </p:nvPr>
-        </p:nvSpPr>
-        <p:spPr/>
-        <p:txBody>
-          <a:bodyPr/>
-          <a:lstStyle/>
-          <a:p>
-            <a:endParaRPr lang="en-US"/>
-          </a:p>
-        </p:txBody>
-      </p:sp>
-    </p:spTree>
-    <p:extLst>
-      <p:ext uri="{BB962C8B-B14F-4D97-AF65-F5344CB8AC3E}">
-        <p14:creationId xmlns:p14="http://schemas.microsoft.com/office/powerpoint/2010/main" val="810963624"/>
-      </p:ext>
-    </p:extLst>
-  </p:cSld>
-  <p:clrMapOvr>
-    <a:masterClrMapping/>
-  </p:clrMapOvr>
-  <p:transition spd="slow">
-    <p:push/>
-  </p:transition>
-</p:sld>
-</file>
-
-<file path=ppt/slides/slide26.xml><?xml version="1.0" encoding="utf-8"?>
 <p:sld xmlns:a="http://schemas.openxmlformats.org/drawingml/2006/main" xmlns:r="http://schemas.openxmlformats.org/officeDocument/2006/relationships" xmlns:p="http://schemas.openxmlformats.org/presentationml/2006/main" showMasterPhAnim="0">
   <p:cSld>
     <p:spTree>
@@ -18748,7 +17741,7 @@
 </p:sld>
 </file>
 
-<file path=ppt/slides/slide27.xml><?xml version="1.0" encoding="utf-8"?>
+<file path=ppt/slides/slide26.xml><?xml version="1.0" encoding="utf-8"?>
 <p:sld xmlns:a="http://schemas.openxmlformats.org/drawingml/2006/main" xmlns:r="http://schemas.openxmlformats.org/officeDocument/2006/relationships" xmlns:p="http://schemas.openxmlformats.org/presentationml/2006/main">
   <p:cSld>
     <p:spTree>
@@ -18936,6 +17929,15 @@
               <a:t> traffic in Chrome Dev Tools</a:t>
             </a:r>
           </a:p>
+          <a:p>
+            <a:pPr lvl="1"/>
+            <a:r>
+              <a:rPr lang="en-US" dirty="0">
+                <a:sym typeface="Wingdings" panose="05000000000000000000" pitchFamily="2" charset="2"/>
+              </a:rPr>
+              <a:t>Set breakpoint in counter increment, show it hitting</a:t>
+            </a:r>
+          </a:p>
         </p:txBody>
       </p:sp>
       <p:sp>
@@ -18979,7 +17981,7 @@
 </p:sld>
 </file>
 
-<file path=ppt/slides/slide28.xml><?xml version="1.0" encoding="utf-8"?>
+<file path=ppt/slides/slide27.xml><?xml version="1.0" encoding="utf-8"?>
 <p:sld xmlns:a="http://schemas.openxmlformats.org/drawingml/2006/main" xmlns:r="http://schemas.openxmlformats.org/officeDocument/2006/relationships" xmlns:p="http://schemas.openxmlformats.org/presentationml/2006/main">
   <p:cSld>
     <p:spTree>
@@ -19130,7 +18132,7 @@
 </p:sld>
 </file>
 
-<file path=ppt/slides/slide29.xml><?xml version="1.0" encoding="utf-8"?>
+<file path=ppt/slides/slide28.xml><?xml version="1.0" encoding="utf-8"?>
 <p:sld xmlns:a="http://schemas.openxmlformats.org/drawingml/2006/main" xmlns:r="http://schemas.openxmlformats.org/officeDocument/2006/relationships" xmlns:p="http://schemas.openxmlformats.org/presentationml/2006/main">
   <p:cSld>
     <p:spTree>
@@ -19228,109 +18230,7 @@
 </p:sld>
 </file>
 
-<file path=ppt/slides/slide3.xml><?xml version="1.0" encoding="utf-8"?>
-<p:sld xmlns:a="http://schemas.openxmlformats.org/drawingml/2006/main" xmlns:r="http://schemas.openxmlformats.org/officeDocument/2006/relationships" xmlns:p="http://schemas.openxmlformats.org/presentationml/2006/main">
-  <p:cSld>
-    <p:spTree>
-      <p:nvGrpSpPr>
-        <p:cNvPr id="1" name=""/>
-        <p:cNvGrpSpPr/>
-        <p:nvPr/>
-      </p:nvGrpSpPr>
-      <p:grpSpPr>
-        <a:xfrm>
-          <a:off x="0" y="0"/>
-          <a:ext cx="0" cy="0"/>
-          <a:chOff x="0" y="0"/>
-          <a:chExt cx="0" cy="0"/>
-        </a:xfrm>
-      </p:grpSpPr>
-      <p:sp>
-        <p:nvSpPr>
-          <p:cNvPr id="2" name="Title 1">
-            <a:extLst>
-              <a:ext uri="{FF2B5EF4-FFF2-40B4-BE49-F238E27FC236}">
-                <a16:creationId xmlns:a16="http://schemas.microsoft.com/office/drawing/2014/main" id="{D3CBE610-86BB-49D9-BA06-22CDA1DC050B}"/>
-              </a:ext>
-            </a:extLst>
-          </p:cNvPr>
-          <p:cNvSpPr>
-            <a:spLocks noGrp="1"/>
-          </p:cNvSpPr>
-          <p:nvPr>
-            <p:ph type="title"/>
-          </p:nvPr>
-        </p:nvSpPr>
-        <p:spPr>
-          <a:xfrm>
-            <a:off x="333375" y="1489862"/>
-            <a:ext cx="8487097" cy="1347324"/>
-          </a:xfrm>
-        </p:spPr>
-        <p:txBody>
-          <a:bodyPr/>
-          <a:lstStyle/>
-          <a:p>
-            <a:r>
-              <a:rPr lang="en-US" sz="3000" cap="none" dirty="0">
-                <a:latin typeface="Segoe UI Light" panose="020B0502040204020203" pitchFamily="34" charset="0"/>
-                <a:cs typeface="Segoe UI Light" panose="020B0502040204020203" pitchFamily="34" charset="0"/>
-              </a:rPr>
-              <a:t>Samples:</a:t>
-            </a:r>
-            <a:br>
-              <a:rPr lang="en-US" sz="3000" cap="none" dirty="0">
-                <a:latin typeface="Segoe UI Light" panose="020B0502040204020203" pitchFamily="34" charset="0"/>
-                <a:cs typeface="Segoe UI Light" panose="020B0502040204020203" pitchFamily="34" charset="0"/>
-              </a:rPr>
-            </a:br>
-            <a:r>
-              <a:rPr lang="en-US" sz="3000" cap="none" dirty="0">
-                <a:latin typeface="Segoe UI Light" panose="020B0502040204020203" pitchFamily="34" charset="0"/>
-                <a:cs typeface="Segoe UI Light" panose="020B0502040204020203" pitchFamily="34" charset="0"/>
-              </a:rPr>
-              <a:t>https://github.com/software-architects/learn-blazor</a:t>
-            </a:r>
-            <a:br>
-              <a:rPr lang="en-US" sz="3000" cap="none" dirty="0">
-                <a:latin typeface="Segoe UI Light" panose="020B0502040204020203" pitchFamily="34" charset="0"/>
-                <a:cs typeface="Segoe UI Light" panose="020B0502040204020203" pitchFamily="34" charset="0"/>
-              </a:rPr>
-            </a:br>
-            <a:br>
-              <a:rPr lang="en-US" sz="3000" cap="none" dirty="0">
-                <a:latin typeface="Segoe UI Light" panose="020B0502040204020203" pitchFamily="34" charset="0"/>
-                <a:cs typeface="Segoe UI Light" panose="020B0502040204020203" pitchFamily="34" charset="0"/>
-              </a:rPr>
-            </a:br>
-            <a:r>
-              <a:rPr lang="en-US" sz="3000" cap="none" dirty="0">
-                <a:latin typeface="Segoe UI Light" panose="020B0502040204020203" pitchFamily="34" charset="0"/>
-                <a:cs typeface="Segoe UI Light" panose="020B0502040204020203" pitchFamily="34" charset="0"/>
-              </a:rPr>
-              <a:t>https://learn-blazor.com</a:t>
-            </a:r>
-            <a:endParaRPr lang="de-AT" sz="1800" cap="none" dirty="0">
-              <a:latin typeface="Segoe UI Light" panose="020B0502040204020203" pitchFamily="34" charset="0"/>
-              <a:cs typeface="Segoe UI Light" panose="020B0502040204020203" pitchFamily="34" charset="0"/>
-            </a:endParaRPr>
-          </a:p>
-        </p:txBody>
-      </p:sp>
-    </p:spTree>
-    <p:extLst>
-      <p:ext uri="{BB962C8B-B14F-4D97-AF65-F5344CB8AC3E}">
-        <p14:creationId xmlns:p14="http://schemas.microsoft.com/office/powerpoint/2010/main" val="3096471054"/>
-      </p:ext>
-    </p:extLst>
-  </p:cSld>
-  <p:clrMapOvr>
-    <a:masterClrMapping/>
-  </p:clrMapOvr>
-</p:sld>
-</file>
-
-<file path=ppt/slides/slide30.xml><?xml version="1.0" encoding="utf-8"?>
+<file path=ppt/slides/slide29.xml><?xml version="1.0" encoding="utf-8"?>
 <p:sld xmlns:a="http://schemas.openxmlformats.org/drawingml/2006/main" xmlns:r="http://schemas.openxmlformats.org/officeDocument/2006/relationships" xmlns:p="http://schemas.openxmlformats.org/presentationml/2006/main" showMasterPhAnim="0">
   <p:cSld>
     <p:spTree>
@@ -19894,7 +18794,345 @@
 </p:sld>
 </file>
 
-<file path=ppt/slides/slide31.xml><?xml version="1.0" encoding="utf-8"?>
+<file path=ppt/slides/slide3.xml><?xml version="1.0" encoding="utf-8"?>
+<p:sld xmlns:a="http://schemas.openxmlformats.org/drawingml/2006/main" xmlns:r="http://schemas.openxmlformats.org/officeDocument/2006/relationships" xmlns:p="http://schemas.openxmlformats.org/presentationml/2006/main" show="0">
+  <p:cSld>
+    <p:spTree>
+      <p:nvGrpSpPr>
+        <p:cNvPr id="1" name=""/>
+        <p:cNvGrpSpPr/>
+        <p:nvPr/>
+      </p:nvGrpSpPr>
+      <p:grpSpPr>
+        <a:xfrm>
+          <a:off x="0" y="0"/>
+          <a:ext cx="0" cy="0"/>
+          <a:chOff x="0" y="0"/>
+          <a:chExt cx="0" cy="0"/>
+        </a:xfrm>
+      </p:grpSpPr>
+      <p:sp>
+        <p:nvSpPr>
+          <p:cNvPr id="18" name="Text Placeholder 17"/>
+          <p:cNvSpPr>
+            <a:spLocks noGrp="1"/>
+          </p:cNvSpPr>
+          <p:nvPr>
+            <p:ph type="body" sz="quarter" idx="24"/>
+          </p:nvPr>
+        </p:nvSpPr>
+        <p:spPr/>
+        <p:txBody>
+          <a:bodyPr/>
+          <a:lstStyle/>
+          <a:p>
+            <a:r>
+              <a:rPr lang="de-AT" dirty="0" err="1"/>
+              <a:t>Blazor</a:t>
+            </a:r>
+            <a:r>
+              <a:rPr lang="de-AT" dirty="0"/>
+              <a:t> </a:t>
+            </a:r>
+            <a:r>
+              <a:rPr lang="de-AT" dirty="0" err="1"/>
+              <a:t>Introduction</a:t>
+            </a:r>
+            <a:endParaRPr lang="en-US" dirty="0"/>
+          </a:p>
+        </p:txBody>
+      </p:sp>
+      <p:pic>
+        <p:nvPicPr>
+          <p:cNvPr id="21" name="Content Placeholder 23"/>
+          <p:cNvPicPr>
+            <a:picLocks noGrp="1" noChangeAspect="1"/>
+          </p:cNvPicPr>
+          <p:nvPr>
+            <p:ph sz="quarter" idx="20"/>
+          </p:nvPr>
+        </p:nvPicPr>
+        <p:blipFill>
+          <a:blip r:embed="rId2" cstate="print">
+            <a:extLst>
+              <a:ext uri="{28A0092B-C50C-407E-A947-70E740481C1C}">
+                <a14:useLocalDpi xmlns:a14="http://schemas.microsoft.com/office/drawing/2010/main" val="0"/>
+              </a:ext>
+            </a:extLst>
+          </a:blip>
+          <a:stretch>
+            <a:fillRect/>
+          </a:stretch>
+        </p:blipFill>
+        <p:spPr/>
+      </p:pic>
+      <p:sp>
+        <p:nvSpPr>
+          <p:cNvPr id="13" name="Title 12"/>
+          <p:cNvSpPr>
+            <a:spLocks noGrp="1"/>
+          </p:cNvSpPr>
+          <p:nvPr>
+            <p:ph type="title"/>
+          </p:nvPr>
+        </p:nvSpPr>
+        <p:spPr>
+          <a:xfrm>
+            <a:off x="1043608" y="2859782"/>
+            <a:ext cx="3785944" cy="681980"/>
+          </a:xfrm>
+        </p:spPr>
+        <p:txBody>
+          <a:bodyPr/>
+          <a:lstStyle/>
+          <a:p>
+            <a:r>
+              <a:rPr lang="de-AT" sz="7200" dirty="0" err="1"/>
+              <a:t>Blazor</a:t>
+            </a:r>
+            <a:endParaRPr lang="en-US" sz="7200" dirty="0"/>
+          </a:p>
+        </p:txBody>
+      </p:sp>
+      <p:sp>
+        <p:nvSpPr>
+          <p:cNvPr id="14" name="Text Placeholder 13"/>
+          <p:cNvSpPr>
+            <a:spLocks noGrp="1"/>
+          </p:cNvSpPr>
+          <p:nvPr>
+            <p:ph type="body" sz="quarter" idx="12"/>
+          </p:nvPr>
+        </p:nvSpPr>
+        <p:spPr/>
+        <p:txBody>
+          <a:bodyPr/>
+          <a:lstStyle/>
+          <a:p>
+            <a:r>
+              <a:rPr lang="de-AT"/>
+              <a:t>Rainer Stropek</a:t>
+            </a:r>
+            <a:endParaRPr lang="en-US" dirty="0"/>
+          </a:p>
+        </p:txBody>
+      </p:sp>
+      <p:sp>
+        <p:nvSpPr>
+          <p:cNvPr id="31" name="Text Placeholder 30"/>
+          <p:cNvSpPr>
+            <a:spLocks noGrp="1"/>
+          </p:cNvSpPr>
+          <p:nvPr>
+            <p:ph type="body" sz="quarter" idx="13"/>
+          </p:nvPr>
+        </p:nvSpPr>
+        <p:spPr/>
+        <p:txBody>
+          <a:bodyPr/>
+          <a:lstStyle/>
+          <a:p>
+            <a:r>
+              <a:rPr lang="de-AT" dirty="0" err="1"/>
+              <a:t>software</a:t>
+            </a:r>
+            <a:r>
+              <a:rPr lang="de-AT" dirty="0"/>
+              <a:t> </a:t>
+            </a:r>
+            <a:r>
+              <a:rPr lang="de-AT" dirty="0" err="1"/>
+              <a:t>architects</a:t>
+            </a:r>
+            <a:r>
+              <a:rPr lang="de-AT" dirty="0"/>
+              <a:t> </a:t>
+            </a:r>
+            <a:r>
+              <a:rPr lang="de-AT" dirty="0" err="1"/>
+              <a:t>gmbh</a:t>
+            </a:r>
+            <a:endParaRPr lang="en-US" dirty="0"/>
+          </a:p>
+        </p:txBody>
+      </p:sp>
+      <p:sp>
+        <p:nvSpPr>
+          <p:cNvPr id="16" name="Text Placeholder 15"/>
+          <p:cNvSpPr>
+            <a:spLocks noGrp="1"/>
+          </p:cNvSpPr>
+          <p:nvPr>
+            <p:ph type="body" sz="quarter" idx="15"/>
+          </p:nvPr>
+        </p:nvSpPr>
+        <p:spPr/>
+        <p:txBody>
+          <a:bodyPr/>
+          <a:lstStyle/>
+          <a:p>
+            <a:r>
+              <a:rPr lang="de-AT">
+                <a:hlinkClick r:id="rId3"/>
+              </a:rPr>
+              <a:t>http://www.timecockpit.com</a:t>
+            </a:r>
+            <a:endParaRPr lang="de-AT"/>
+          </a:p>
+          <a:p>
+            <a:r>
+              <a:rPr lang="de-AT">
+                <a:hlinkClick r:id="rId4"/>
+              </a:rPr>
+              <a:t>rainer@timecockpit.com</a:t>
+            </a:r>
+            <a:endParaRPr lang="de-AT"/>
+          </a:p>
+          <a:p>
+            <a:r>
+              <a:rPr lang="de-AT"/>
+              <a:t>@rstropek</a:t>
+            </a:r>
+            <a:endParaRPr lang="en-US" dirty="0"/>
+          </a:p>
+        </p:txBody>
+      </p:sp>
+      <p:sp>
+        <p:nvSpPr>
+          <p:cNvPr id="19" name="Text Placeholder 18"/>
+          <p:cNvSpPr>
+            <a:spLocks noGrp="1"/>
+          </p:cNvSpPr>
+          <p:nvPr>
+            <p:ph type="body" sz="quarter" idx="25"/>
+          </p:nvPr>
+        </p:nvSpPr>
+        <p:spPr>
+          <a:xfrm>
+            <a:off x="1121896" y="2154627"/>
+            <a:ext cx="3790135" cy="367201"/>
+          </a:xfrm>
+        </p:spPr>
+        <p:txBody>
+          <a:bodyPr/>
+          <a:lstStyle/>
+          <a:p>
+            <a:r>
+              <a:rPr lang="de-AT" dirty="0"/>
+              <a:t>ASP.NET        Browser</a:t>
+            </a:r>
+            <a:endParaRPr lang="en-US" dirty="0"/>
+          </a:p>
+        </p:txBody>
+      </p:sp>
+      <p:sp>
+        <p:nvSpPr>
+          <p:cNvPr id="20" name="Text Placeholder 19"/>
+          <p:cNvSpPr>
+            <a:spLocks noGrp="1"/>
+          </p:cNvSpPr>
+          <p:nvPr>
+            <p:ph type="body" sz="quarter" idx="26"/>
+          </p:nvPr>
+        </p:nvSpPr>
+        <p:spPr/>
+        <p:txBody>
+          <a:bodyPr/>
+          <a:lstStyle/>
+          <a:p>
+            <a:r>
+              <a:rPr lang="de-AT" dirty="0"/>
+              <a:t>Web</a:t>
+            </a:r>
+          </a:p>
+          <a:p>
+            <a:r>
+              <a:rPr lang="de-AT" dirty="0"/>
+              <a:t>Mail</a:t>
+            </a:r>
+          </a:p>
+          <a:p>
+            <a:r>
+              <a:rPr lang="de-AT" dirty="0"/>
+              <a:t>Twitter</a:t>
+            </a:r>
+            <a:endParaRPr lang="en-US" dirty="0"/>
+          </a:p>
+        </p:txBody>
+      </p:sp>
+      <p:pic>
+        <p:nvPicPr>
+          <p:cNvPr id="10" name="Picture 6" descr="Heart, Shape, Red, Love, Heart Shape, Day, Holiday">
+            <a:extLst>
+              <a:ext uri="{FF2B5EF4-FFF2-40B4-BE49-F238E27FC236}">
+                <a16:creationId xmlns:a16="http://schemas.microsoft.com/office/drawing/2014/main" id="{907A61B1-D0E0-4913-9FB2-C403E157D553}"/>
+              </a:ext>
+            </a:extLst>
+          </p:cNvPr>
+          <p:cNvPicPr>
+            <a:picLocks noChangeAspect="1" noChangeArrowheads="1"/>
+          </p:cNvPicPr>
+          <p:nvPr/>
+        </p:nvPicPr>
+        <p:blipFill>
+          <a:blip r:embed="rId5" cstate="print">
+            <a:extLst>
+              <a:ext uri="{28A0092B-C50C-407E-A947-70E740481C1C}">
+                <a14:useLocalDpi xmlns:a14="http://schemas.microsoft.com/office/drawing/2010/main" val="0"/>
+              </a:ext>
+            </a:extLst>
+          </a:blip>
+          <a:srcRect/>
+          <a:stretch>
+            <a:fillRect/>
+          </a:stretch>
+        </p:blipFill>
+        <p:spPr bwMode="auto">
+          <a:xfrm>
+            <a:off x="2123728" y="1912459"/>
+            <a:ext cx="643723" cy="623703"/>
+          </a:xfrm>
+          <a:prstGeom prst="rect">
+            <a:avLst/>
+          </a:prstGeom>
+          <a:noFill/>
+          <a:extLst>
+            <a:ext uri="{909E8E84-426E-40DD-AFC4-6F175D3DCCD1}">
+              <a14:hiddenFill xmlns:a14="http://schemas.microsoft.com/office/drawing/2010/main">
+                <a:solidFill>
+                  <a:srgbClr val="FFFFFF"/>
+                </a:solidFill>
+              </a14:hiddenFill>
+            </a:ext>
+          </a:extLst>
+        </p:spPr>
+      </p:pic>
+    </p:spTree>
+    <p:extLst>
+      <p:ext uri="{BB962C8B-B14F-4D97-AF65-F5344CB8AC3E}">
+        <p14:creationId xmlns:p14="http://schemas.microsoft.com/office/powerpoint/2010/main" val="2543561029"/>
+      </p:ext>
+    </p:extLst>
+  </p:cSld>
+  <p:clrMapOvr>
+    <a:masterClrMapping/>
+  </p:clrMapOvr>
+  <mc:AlternateContent xmlns:mc="http://schemas.openxmlformats.org/markup-compatibility/2006" xmlns:p14="http://schemas.microsoft.com/office/powerpoint/2010/main">
+    <mc:Choice Requires="p14">
+      <p:transition spd="med" p14:dur="700">
+        <p:fade/>
+      </p:transition>
+    </mc:Choice>
+    <mc:Fallback xmlns="">
+      <p:transition spd="med">
+        <p:fade/>
+      </p:transition>
+    </mc:Fallback>
+  </mc:AlternateContent>
+</p:sld>
+</file>
+
+<file path=ppt/slides/slide30.xml><?xml version="1.0" encoding="utf-8"?>
 <p:sld xmlns:a="http://schemas.openxmlformats.org/drawingml/2006/main" xmlns:r="http://schemas.openxmlformats.org/officeDocument/2006/relationships" xmlns:p="http://schemas.openxmlformats.org/presentationml/2006/main">
   <p:cSld>
     <p:spTree>
@@ -19989,7 +19227,7 @@
 </p:sld>
 </file>
 
-<file path=ppt/slides/slide32.xml><?xml version="1.0" encoding="utf-8"?>
+<file path=ppt/slides/slide31.xml><?xml version="1.0" encoding="utf-8"?>
 <p:sld xmlns:a="http://schemas.openxmlformats.org/drawingml/2006/main" xmlns:r="http://schemas.openxmlformats.org/officeDocument/2006/relationships" xmlns:p="http://schemas.openxmlformats.org/presentationml/2006/main">
   <p:cSld>
     <p:spTree>
@@ -20179,7 +19417,7 @@
 </p:sld>
 </file>
 
-<file path=ppt/slides/slide33.xml><?xml version="1.0" encoding="utf-8"?>
+<file path=ppt/slides/slide32.xml><?xml version="1.0" encoding="utf-8"?>
 <p:sld xmlns:a="http://schemas.openxmlformats.org/drawingml/2006/main" xmlns:r="http://schemas.openxmlformats.org/officeDocument/2006/relationships" xmlns:p="http://schemas.openxmlformats.org/presentationml/2006/main">
   <p:cSld>
     <p:spTree>
@@ -20196,6 +19434,54 @@
           <a:chExt cx="0" cy="0"/>
         </a:xfrm>
       </p:grpSpPr>
+      <p:sp>
+        <p:nvSpPr>
+          <p:cNvPr id="2" name="Title 1">
+            <a:extLst>
+              <a:ext uri="{FF2B5EF4-FFF2-40B4-BE49-F238E27FC236}">
+                <a16:creationId xmlns:a16="http://schemas.microsoft.com/office/drawing/2014/main" id="{5F974580-2671-42D8-AC3C-6BE332C9C12F}"/>
+              </a:ext>
+            </a:extLst>
+          </p:cNvPr>
+          <p:cNvSpPr>
+            <a:spLocks noGrp="1"/>
+          </p:cNvSpPr>
+          <p:nvPr>
+            <p:ph type="title"/>
+          </p:nvPr>
+        </p:nvSpPr>
+        <p:spPr/>
+        <p:txBody>
+          <a:bodyPr/>
+          <a:lstStyle/>
+          <a:p>
+            <a:r>
+              <a:rPr lang="de-AT" dirty="0" err="1"/>
+              <a:t>Thank</a:t>
+            </a:r>
+            <a:r>
+              <a:rPr lang="de-AT" dirty="0"/>
+              <a:t> </a:t>
+            </a:r>
+            <a:r>
+              <a:rPr lang="de-AT" dirty="0" err="1"/>
+              <a:t>you</a:t>
+            </a:r>
+            <a:r>
+              <a:rPr lang="de-AT" dirty="0"/>
+              <a:t> for </a:t>
+            </a:r>
+            <a:r>
+              <a:rPr lang="de-AT" dirty="0" err="1"/>
+              <a:t>coming</a:t>
+            </a:r>
+            <a:r>
+              <a:rPr lang="de-AT" dirty="0"/>
+              <a:t>!</a:t>
+            </a:r>
+          </a:p>
+        </p:txBody>
+      </p:sp>
     </p:spTree>
     <p:extLst>
       <p:ext uri="{BB962C8B-B14F-4D97-AF65-F5344CB8AC3E}">
@@ -20209,7 +19495,7 @@
 </p:sld>
 </file>
 
-<file path=ppt/slides/slide34.xml><?xml version="1.0" encoding="utf-8"?>
+<file path=ppt/slides/slide33.xml><?xml version="1.0" encoding="utf-8"?>
 <p:sld xmlns:a="http://schemas.openxmlformats.org/drawingml/2006/main" xmlns:r="http://schemas.openxmlformats.org/officeDocument/2006/relationships" xmlns:p="http://schemas.openxmlformats.org/presentationml/2006/main" show="0">
   <p:cSld>
     <p:spTree>
@@ -20461,13 +19747,13 @@
   <p:clrMapOvr>
     <a:masterClrMapping/>
   </p:clrMapOvr>
-  <mc:AlternateContent xmlns:mc="http://schemas.openxmlformats.org/markup-compatibility/2006">
-    <mc:Choice xmlns:p14="http://schemas.microsoft.com/office/powerpoint/2010/main" Requires="p14">
+  <mc:AlternateContent xmlns:mc="http://schemas.openxmlformats.org/markup-compatibility/2006" xmlns:p14="http://schemas.microsoft.com/office/powerpoint/2010/main">
+    <mc:Choice Requires="p14">
       <p:transition spd="med" p14:dur="700">
         <p:fade/>
       </p:transition>
     </mc:Choice>
-    <mc:Fallback>
+    <mc:Fallback xmlns="">
       <p:transition spd="med">
         <p:fade/>
       </p:transition>
@@ -20477,344 +19763,6 @@
 </file>
 
 <file path=ppt/slides/slide4.xml><?xml version="1.0" encoding="utf-8"?>
-<p:sld xmlns:a="http://schemas.openxmlformats.org/drawingml/2006/main" xmlns:r="http://schemas.openxmlformats.org/officeDocument/2006/relationships" xmlns:p="http://schemas.openxmlformats.org/presentationml/2006/main" show="0">
-  <p:cSld>
-    <p:spTree>
-      <p:nvGrpSpPr>
-        <p:cNvPr id="1" name=""/>
-        <p:cNvGrpSpPr/>
-        <p:nvPr/>
-      </p:nvGrpSpPr>
-      <p:grpSpPr>
-        <a:xfrm>
-          <a:off x="0" y="0"/>
-          <a:ext cx="0" cy="0"/>
-          <a:chOff x="0" y="0"/>
-          <a:chExt cx="0" cy="0"/>
-        </a:xfrm>
-      </p:grpSpPr>
-      <p:sp>
-        <p:nvSpPr>
-          <p:cNvPr id="18" name="Text Placeholder 17"/>
-          <p:cNvSpPr>
-            <a:spLocks noGrp="1"/>
-          </p:cNvSpPr>
-          <p:nvPr>
-            <p:ph type="body" sz="quarter" idx="24"/>
-          </p:nvPr>
-        </p:nvSpPr>
-        <p:spPr/>
-        <p:txBody>
-          <a:bodyPr/>
-          <a:lstStyle/>
-          <a:p>
-            <a:r>
-              <a:rPr lang="de-AT" dirty="0" err="1"/>
-              <a:t>Blazor</a:t>
-            </a:r>
-            <a:r>
-              <a:rPr lang="de-AT" dirty="0"/>
-              <a:t> </a:t>
-            </a:r>
-            <a:r>
-              <a:rPr lang="de-AT" dirty="0" err="1"/>
-              <a:t>Introduction</a:t>
-            </a:r>
-            <a:endParaRPr lang="en-US" dirty="0"/>
-          </a:p>
-        </p:txBody>
-      </p:sp>
-      <p:pic>
-        <p:nvPicPr>
-          <p:cNvPr id="21" name="Content Placeholder 23"/>
-          <p:cNvPicPr>
-            <a:picLocks noGrp="1" noChangeAspect="1"/>
-          </p:cNvPicPr>
-          <p:nvPr>
-            <p:ph sz="quarter" idx="20"/>
-          </p:nvPr>
-        </p:nvPicPr>
-        <p:blipFill>
-          <a:blip r:embed="rId2" cstate="print">
-            <a:extLst>
-              <a:ext uri="{28A0092B-C50C-407E-A947-70E740481C1C}">
-                <a14:useLocalDpi xmlns:a14="http://schemas.microsoft.com/office/drawing/2010/main" val="0"/>
-              </a:ext>
-            </a:extLst>
-          </a:blip>
-          <a:stretch>
-            <a:fillRect/>
-          </a:stretch>
-        </p:blipFill>
-        <p:spPr/>
-      </p:pic>
-      <p:sp>
-        <p:nvSpPr>
-          <p:cNvPr id="13" name="Title 12"/>
-          <p:cNvSpPr>
-            <a:spLocks noGrp="1"/>
-          </p:cNvSpPr>
-          <p:nvPr>
-            <p:ph type="title"/>
-          </p:nvPr>
-        </p:nvSpPr>
-        <p:spPr>
-          <a:xfrm>
-            <a:off x="1043608" y="2859782"/>
-            <a:ext cx="3785944" cy="681980"/>
-          </a:xfrm>
-        </p:spPr>
-        <p:txBody>
-          <a:bodyPr/>
-          <a:lstStyle/>
-          <a:p>
-            <a:r>
-              <a:rPr lang="de-AT" sz="7200" dirty="0" err="1"/>
-              <a:t>Blazor</a:t>
-            </a:r>
-            <a:endParaRPr lang="en-US" sz="7200" dirty="0"/>
-          </a:p>
-        </p:txBody>
-      </p:sp>
-      <p:sp>
-        <p:nvSpPr>
-          <p:cNvPr id="14" name="Text Placeholder 13"/>
-          <p:cNvSpPr>
-            <a:spLocks noGrp="1"/>
-          </p:cNvSpPr>
-          <p:nvPr>
-            <p:ph type="body" sz="quarter" idx="12"/>
-          </p:nvPr>
-        </p:nvSpPr>
-        <p:spPr/>
-        <p:txBody>
-          <a:bodyPr/>
-          <a:lstStyle/>
-          <a:p>
-            <a:r>
-              <a:rPr lang="de-AT"/>
-              <a:t>Rainer Stropek</a:t>
-            </a:r>
-            <a:endParaRPr lang="en-US" dirty="0"/>
-          </a:p>
-        </p:txBody>
-      </p:sp>
-      <p:sp>
-        <p:nvSpPr>
-          <p:cNvPr id="31" name="Text Placeholder 30"/>
-          <p:cNvSpPr>
-            <a:spLocks noGrp="1"/>
-          </p:cNvSpPr>
-          <p:nvPr>
-            <p:ph type="body" sz="quarter" idx="13"/>
-          </p:nvPr>
-        </p:nvSpPr>
-        <p:spPr/>
-        <p:txBody>
-          <a:bodyPr/>
-          <a:lstStyle/>
-          <a:p>
-            <a:r>
-              <a:rPr lang="de-AT" dirty="0" err="1"/>
-              <a:t>software</a:t>
-            </a:r>
-            <a:r>
-              <a:rPr lang="de-AT" dirty="0"/>
-              <a:t> </a:t>
-            </a:r>
-            <a:r>
-              <a:rPr lang="de-AT" dirty="0" err="1"/>
-              <a:t>architects</a:t>
-            </a:r>
-            <a:r>
-              <a:rPr lang="de-AT" dirty="0"/>
-              <a:t> </a:t>
-            </a:r>
-            <a:r>
-              <a:rPr lang="de-AT" dirty="0" err="1"/>
-              <a:t>gmbh</a:t>
-            </a:r>
-            <a:endParaRPr lang="en-US" dirty="0"/>
-          </a:p>
-        </p:txBody>
-      </p:sp>
-      <p:sp>
-        <p:nvSpPr>
-          <p:cNvPr id="16" name="Text Placeholder 15"/>
-          <p:cNvSpPr>
-            <a:spLocks noGrp="1"/>
-          </p:cNvSpPr>
-          <p:nvPr>
-            <p:ph type="body" sz="quarter" idx="15"/>
-          </p:nvPr>
-        </p:nvSpPr>
-        <p:spPr/>
-        <p:txBody>
-          <a:bodyPr/>
-          <a:lstStyle/>
-          <a:p>
-            <a:r>
-              <a:rPr lang="de-AT">
-                <a:hlinkClick r:id="rId3"/>
-              </a:rPr>
-              <a:t>http://www.timecockpit.com</a:t>
-            </a:r>
-            <a:endParaRPr lang="de-AT"/>
-          </a:p>
-          <a:p>
-            <a:r>
-              <a:rPr lang="de-AT">
-                <a:hlinkClick r:id="rId4"/>
-              </a:rPr>
-              <a:t>rainer@timecockpit.com</a:t>
-            </a:r>
-            <a:endParaRPr lang="de-AT"/>
-          </a:p>
-          <a:p>
-            <a:r>
-              <a:rPr lang="de-AT"/>
-              <a:t>@rstropek</a:t>
-            </a:r>
-            <a:endParaRPr lang="en-US" dirty="0"/>
-          </a:p>
-        </p:txBody>
-      </p:sp>
-      <p:sp>
-        <p:nvSpPr>
-          <p:cNvPr id="19" name="Text Placeholder 18"/>
-          <p:cNvSpPr>
-            <a:spLocks noGrp="1"/>
-          </p:cNvSpPr>
-          <p:nvPr>
-            <p:ph type="body" sz="quarter" idx="25"/>
-          </p:nvPr>
-        </p:nvSpPr>
-        <p:spPr>
-          <a:xfrm>
-            <a:off x="1121896" y="2154627"/>
-            <a:ext cx="3790135" cy="367201"/>
-          </a:xfrm>
-        </p:spPr>
-        <p:txBody>
-          <a:bodyPr/>
-          <a:lstStyle/>
-          <a:p>
-            <a:r>
-              <a:rPr lang="de-AT" dirty="0"/>
-              <a:t>ASP.NET        Browser</a:t>
-            </a:r>
-            <a:endParaRPr lang="en-US" dirty="0"/>
-          </a:p>
-        </p:txBody>
-      </p:sp>
-      <p:sp>
-        <p:nvSpPr>
-          <p:cNvPr id="20" name="Text Placeholder 19"/>
-          <p:cNvSpPr>
-            <a:spLocks noGrp="1"/>
-          </p:cNvSpPr>
-          <p:nvPr>
-            <p:ph type="body" sz="quarter" idx="26"/>
-          </p:nvPr>
-        </p:nvSpPr>
-        <p:spPr/>
-        <p:txBody>
-          <a:bodyPr/>
-          <a:lstStyle/>
-          <a:p>
-            <a:r>
-              <a:rPr lang="de-AT" dirty="0"/>
-              <a:t>Web</a:t>
-            </a:r>
-          </a:p>
-          <a:p>
-            <a:r>
-              <a:rPr lang="de-AT" dirty="0"/>
-              <a:t>Mail</a:t>
-            </a:r>
-          </a:p>
-          <a:p>
-            <a:r>
-              <a:rPr lang="de-AT" dirty="0"/>
-              <a:t>Twitter</a:t>
-            </a:r>
-            <a:endParaRPr lang="en-US" dirty="0"/>
-          </a:p>
-        </p:txBody>
-      </p:sp>
-      <p:pic>
-        <p:nvPicPr>
-          <p:cNvPr id="10" name="Picture 6" descr="Heart, Shape, Red, Love, Heart Shape, Day, Holiday">
-            <a:extLst>
-              <a:ext uri="{FF2B5EF4-FFF2-40B4-BE49-F238E27FC236}">
-                <a16:creationId xmlns:a16="http://schemas.microsoft.com/office/drawing/2014/main" id="{907A61B1-D0E0-4913-9FB2-C403E157D553}"/>
-              </a:ext>
-            </a:extLst>
-          </p:cNvPr>
-          <p:cNvPicPr>
-            <a:picLocks noChangeAspect="1" noChangeArrowheads="1"/>
-          </p:cNvPicPr>
-          <p:nvPr/>
-        </p:nvPicPr>
-        <p:blipFill>
-          <a:blip r:embed="rId5" cstate="print">
-            <a:extLst>
-              <a:ext uri="{28A0092B-C50C-407E-A947-70E740481C1C}">
-                <a14:useLocalDpi xmlns:a14="http://schemas.microsoft.com/office/drawing/2010/main" val="0"/>
-              </a:ext>
-            </a:extLst>
-          </a:blip>
-          <a:srcRect/>
-          <a:stretch>
-            <a:fillRect/>
-          </a:stretch>
-        </p:blipFill>
-        <p:spPr bwMode="auto">
-          <a:xfrm>
-            <a:off x="2123728" y="1912459"/>
-            <a:ext cx="643723" cy="623703"/>
-          </a:xfrm>
-          <a:prstGeom prst="rect">
-            <a:avLst/>
-          </a:prstGeom>
-          <a:noFill/>
-          <a:extLst>
-            <a:ext uri="{909E8E84-426E-40DD-AFC4-6F175D3DCCD1}">
-              <a14:hiddenFill xmlns:a14="http://schemas.microsoft.com/office/drawing/2010/main">
-                <a:solidFill>
-                  <a:srgbClr val="FFFFFF"/>
-                </a:solidFill>
-              </a14:hiddenFill>
-            </a:ext>
-          </a:extLst>
-        </p:spPr>
-      </p:pic>
-    </p:spTree>
-    <p:extLst>
-      <p:ext uri="{BB962C8B-B14F-4D97-AF65-F5344CB8AC3E}">
-        <p14:creationId xmlns:p14="http://schemas.microsoft.com/office/powerpoint/2010/main" val="2543561029"/>
-      </p:ext>
-    </p:extLst>
-  </p:cSld>
-  <p:clrMapOvr>
-    <a:masterClrMapping/>
-  </p:clrMapOvr>
-  <mc:AlternateContent xmlns:mc="http://schemas.openxmlformats.org/markup-compatibility/2006">
-    <mc:Choice xmlns:p14="http://schemas.microsoft.com/office/powerpoint/2010/main" Requires="p14">
-      <p:transition spd="med" p14:dur="700">
-        <p:fade/>
-      </p:transition>
-    </mc:Choice>
-    <mc:Fallback>
-      <p:transition spd="med">
-        <p:fade/>
-      </p:transition>
-    </mc:Fallback>
-  </mc:AlternateContent>
-</p:sld>
-</file>
-
-<file path=ppt/slides/slide5.xml><?xml version="1.0" encoding="utf-8"?>
 <p:sld xmlns:a="http://schemas.openxmlformats.org/drawingml/2006/main" xmlns:r="http://schemas.openxmlformats.org/officeDocument/2006/relationships" xmlns:p="http://schemas.openxmlformats.org/presentationml/2006/main">
   <p:cSld>
     <p:spTree>
@@ -21198,7 +20146,7 @@
 </p:sld>
 </file>
 
-<file path=ppt/slides/slide6.xml><?xml version="1.0" encoding="utf-8"?>
+<file path=ppt/slides/slide5.xml><?xml version="1.0" encoding="utf-8"?>
 <p:sld xmlns:a="http://schemas.openxmlformats.org/drawingml/2006/main" xmlns:r="http://schemas.openxmlformats.org/officeDocument/2006/relationships" xmlns:p="http://schemas.openxmlformats.org/presentationml/2006/main">
   <p:cSld>
     <p:spTree>
@@ -21695,7 +20643,7 @@
 </p:sld>
 </file>
 
-<file path=ppt/slides/slide7.xml><?xml version="1.0" encoding="utf-8"?>
+<file path=ppt/slides/slide6.xml><?xml version="1.0" encoding="utf-8"?>
 <p:sld xmlns:a="http://schemas.openxmlformats.org/drawingml/2006/main" xmlns:r="http://schemas.openxmlformats.org/officeDocument/2006/relationships" xmlns:p="http://schemas.openxmlformats.org/presentationml/2006/main">
   <p:cSld>
     <p:spTree>
@@ -21819,7 +20767,7 @@
 </p:sld>
 </file>
 
-<file path=ppt/slides/slide8.xml><?xml version="1.0" encoding="utf-8"?>
+<file path=ppt/slides/slide7.xml><?xml version="1.0" encoding="utf-8"?>
 <p:sld xmlns:a="http://schemas.openxmlformats.org/drawingml/2006/main" xmlns:r="http://schemas.openxmlformats.org/officeDocument/2006/relationships" xmlns:p="http://schemas.openxmlformats.org/presentationml/2006/main">
   <p:cSld>
     <p:spTree>
@@ -22073,7 +21021,7 @@
 </p:sld>
 </file>
 
-<file path=ppt/slides/slide9.xml><?xml version="1.0" encoding="utf-8"?>
+<file path=ppt/slides/slide8.xml><?xml version="1.0" encoding="utf-8"?>
 <p:sld xmlns:a="http://schemas.openxmlformats.org/drawingml/2006/main" xmlns:r="http://schemas.openxmlformats.org/officeDocument/2006/relationships" xmlns:p="http://schemas.openxmlformats.org/presentationml/2006/main">
   <p:cSld>
     <p:spTree>
@@ -22613,6 +21561,256 @@
 </p:sld>
 </file>
 
+<file path=ppt/slides/slide9.xml><?xml version="1.0" encoding="utf-8"?>
+<p:sld xmlns:a="http://schemas.openxmlformats.org/drawingml/2006/main" xmlns:r="http://schemas.openxmlformats.org/officeDocument/2006/relationships" xmlns:p="http://schemas.openxmlformats.org/presentationml/2006/main">
+  <p:cSld>
+    <p:spTree>
+      <p:nvGrpSpPr>
+        <p:cNvPr id="1" name=""/>
+        <p:cNvGrpSpPr/>
+        <p:nvPr/>
+      </p:nvGrpSpPr>
+      <p:grpSpPr>
+        <a:xfrm>
+          <a:off x="0" y="0"/>
+          <a:ext cx="0" cy="0"/>
+          <a:chOff x="0" y="0"/>
+          <a:chExt cx="0" cy="0"/>
+        </a:xfrm>
+      </p:grpSpPr>
+      <p:sp>
+        <p:nvSpPr>
+          <p:cNvPr id="2" name="Title 1">
+            <a:extLst>
+              <a:ext uri="{FF2B5EF4-FFF2-40B4-BE49-F238E27FC236}">
+                <a16:creationId xmlns:a16="http://schemas.microsoft.com/office/drawing/2014/main" id="{9EB43A58-15E0-418C-B760-4996EEE72F7B}"/>
+              </a:ext>
+            </a:extLst>
+          </p:cNvPr>
+          <p:cNvSpPr>
+            <a:spLocks noGrp="1"/>
+          </p:cNvSpPr>
+          <p:nvPr>
+            <p:ph type="title"/>
+          </p:nvPr>
+        </p:nvSpPr>
+        <p:spPr/>
+        <p:txBody>
+          <a:bodyPr/>
+          <a:lstStyle/>
+          <a:p>
+            <a:r>
+              <a:rPr lang="de-AT" dirty="0" err="1"/>
+              <a:t>WebAssembly</a:t>
+            </a:r>
+            <a:endParaRPr lang="de-AT" dirty="0"/>
+          </a:p>
+        </p:txBody>
+      </p:sp>
+      <p:sp>
+        <p:nvSpPr>
+          <p:cNvPr id="5" name="Text Placeholder 4">
+            <a:extLst>
+              <a:ext uri="{FF2B5EF4-FFF2-40B4-BE49-F238E27FC236}">
+                <a16:creationId xmlns:a16="http://schemas.microsoft.com/office/drawing/2014/main" id="{C605B6C3-8495-4E14-8F22-ADDFE3D05ED5}"/>
+              </a:ext>
+            </a:extLst>
+          </p:cNvPr>
+          <p:cNvSpPr>
+            <a:spLocks noGrp="1"/>
+          </p:cNvSpPr>
+          <p:nvPr>
+            <p:ph type="body" sz="quarter" idx="23"/>
+          </p:nvPr>
+        </p:nvSpPr>
+        <p:spPr/>
+        <p:txBody>
+          <a:bodyPr/>
+          <a:lstStyle/>
+          <a:p>
+            <a:r>
+              <a:rPr lang="de-AT" dirty="0">
+                <a:hlinkClick r:id="rId2"/>
+              </a:rPr>
+              <a:t>http://webassembly.org/</a:t>
+            </a:r>
+            <a:endParaRPr lang="de-AT" dirty="0"/>
+          </a:p>
+        </p:txBody>
+      </p:sp>
+      <p:sp>
+        <p:nvSpPr>
+          <p:cNvPr id="6" name="Text Placeholder 5">
+            <a:extLst>
+              <a:ext uri="{FF2B5EF4-FFF2-40B4-BE49-F238E27FC236}">
+                <a16:creationId xmlns:a16="http://schemas.microsoft.com/office/drawing/2014/main" id="{A111940C-CF0B-46BB-87B1-7171DA8F6C1A}"/>
+              </a:ext>
+            </a:extLst>
+          </p:cNvPr>
+          <p:cNvSpPr>
+            <a:spLocks noGrp="1"/>
+          </p:cNvSpPr>
+          <p:nvPr>
+            <p:ph type="body" sz="quarter" idx="24"/>
+          </p:nvPr>
+        </p:nvSpPr>
+        <p:spPr/>
+        <p:txBody>
+          <a:bodyPr/>
+          <a:lstStyle/>
+          <a:p>
+            <a:r>
+              <a:rPr lang="en-US" dirty="0"/>
+              <a:t>Binary instruction format for a stack-based VM</a:t>
+            </a:r>
+          </a:p>
+          <a:p>
+            <a:pPr lvl="1"/>
+            <a:r>
+              <a:rPr lang="en-US" dirty="0"/>
+              <a:t>For Browser and beyond</a:t>
+            </a:r>
+          </a:p>
+          <a:p>
+            <a:r>
+              <a:rPr lang="en-US" dirty="0"/>
+              <a:t>Portable compilation target for high-level languages like C/C++/Rust</a:t>
+            </a:r>
+          </a:p>
+          <a:p>
+            <a:r>
+              <a:rPr lang="en-US" b="1" dirty="0"/>
+              <a:t>Open Standard</a:t>
+            </a:r>
+          </a:p>
+          <a:p>
+            <a:r>
+              <a:rPr lang="en-US" dirty="0"/>
+              <a:t>Why?</a:t>
+            </a:r>
+          </a:p>
+          <a:p>
+            <a:pPr lvl="1"/>
+            <a:r>
+              <a:rPr lang="en-US" dirty="0"/>
+              <a:t>Performance</a:t>
+            </a:r>
+          </a:p>
+          <a:p>
+            <a:pPr lvl="1"/>
+            <a:r>
+              <a:rPr lang="de-AT" dirty="0"/>
+              <a:t>Safe</a:t>
+            </a:r>
+          </a:p>
+          <a:p>
+            <a:pPr lvl="1"/>
+            <a:endParaRPr lang="de-AT" dirty="0"/>
+          </a:p>
+        </p:txBody>
+      </p:sp>
+      <p:sp>
+        <p:nvSpPr>
+          <p:cNvPr id="7" name="Text Placeholder 6">
+            <a:extLst>
+              <a:ext uri="{FF2B5EF4-FFF2-40B4-BE49-F238E27FC236}">
+                <a16:creationId xmlns:a16="http://schemas.microsoft.com/office/drawing/2014/main" id="{2D507E37-4EB3-4E63-9E42-4E30F150BB41}"/>
+              </a:ext>
+            </a:extLst>
+          </p:cNvPr>
+          <p:cNvSpPr>
+            <a:spLocks noGrp="1"/>
+          </p:cNvSpPr>
+          <p:nvPr>
+            <p:ph type="body" sz="quarter" idx="25"/>
+          </p:nvPr>
+        </p:nvSpPr>
+        <p:spPr/>
+        <p:txBody>
+          <a:bodyPr/>
+          <a:lstStyle/>
+          <a:p>
+            <a:r>
+              <a:rPr lang="de-AT" sz="700" dirty="0"/>
+              <a:t>https://commons.wikimedia.org/wiki/File:Web_Assembly_Logo.svg</a:t>
+            </a:r>
+          </a:p>
+        </p:txBody>
+      </p:sp>
+      <p:pic>
+        <p:nvPicPr>
+          <p:cNvPr id="9" name="Picture 2" descr="File:Web Assembly Logo.svg">
+            <a:extLst>
+              <a:ext uri="{FF2B5EF4-FFF2-40B4-BE49-F238E27FC236}">
+                <a16:creationId xmlns:a16="http://schemas.microsoft.com/office/drawing/2014/main" id="{F467BD0D-EE83-45F0-B933-32E253173F63}"/>
+              </a:ext>
+            </a:extLst>
+          </p:cNvPr>
+          <p:cNvPicPr>
+            <a:picLocks noGrp="1" noChangeAspect="1" noChangeArrowheads="1"/>
+          </p:cNvPicPr>
+          <p:nvPr>
+            <p:ph sz="quarter" idx="22"/>
+          </p:nvPr>
+        </p:nvPicPr>
+        <p:blipFill>
+          <a:blip r:embed="rId3">
+            <a:extLst>
+              <a:ext uri="{28A0092B-C50C-407E-A947-70E740481C1C}">
+                <a14:useLocalDpi xmlns:a14="http://schemas.microsoft.com/office/drawing/2010/main" val="0"/>
+              </a:ext>
+            </a:extLst>
+          </a:blip>
+          <a:srcRect/>
+          <a:stretch>
+            <a:fillRect/>
+          </a:stretch>
+        </p:blipFill>
+        <p:spPr bwMode="auto">
+          <a:xfrm>
+            <a:off x="971600" y="464344"/>
+            <a:ext cx="4214812" cy="4214812"/>
+          </a:xfrm>
+          <a:prstGeom prst="rect">
+            <a:avLst/>
+          </a:prstGeom>
+          <a:noFill/>
+          <a:extLst>
+            <a:ext uri="{909E8E84-426E-40DD-AFC4-6F175D3DCCD1}">
+              <a14:hiddenFill xmlns:a14="http://schemas.microsoft.com/office/drawing/2010/main">
+                <a:solidFill>
+                  <a:srgbClr val="FFFFFF"/>
+                </a:solidFill>
+              </a14:hiddenFill>
+            </a:ext>
+          </a:extLst>
+        </p:spPr>
+      </p:pic>
+    </p:spTree>
+    <p:extLst>
+      <p:ext uri="{BB962C8B-B14F-4D97-AF65-F5344CB8AC3E}">
+        <p14:creationId xmlns:p14="http://schemas.microsoft.com/office/powerpoint/2010/main" val="2001206982"/>
+      </p:ext>
+    </p:extLst>
+  </p:cSld>
+  <p:clrMapOvr>
+    <a:masterClrMapping/>
+  </p:clrMapOvr>
+  <mc:AlternateContent xmlns:mc="http://schemas.openxmlformats.org/markup-compatibility/2006" xmlns:p14="http://schemas.microsoft.com/office/powerpoint/2010/main">
+    <mc:Choice Requires="p14">
+      <p:transition spd="med" p14:dur="700">
+        <p:fade/>
+      </p:transition>
+    </mc:Choice>
+    <mc:Fallback xmlns="">
+      <p:transition spd="med">
+        <p:fade/>
+      </p:transition>
+    </mc:Fallback>
+  </mc:AlternateContent>
+</p:sld>
+</file>
+
 <file path=ppt/theme/theme1.xml><?xml version="1.0" encoding="utf-8"?>
 <a:theme xmlns:a="http://schemas.openxmlformats.org/drawingml/2006/main" name="Larissa-Design">
   <a:themeElements>
@@ -22842,267 +22040,6 @@
 </file>
 
 <file path=ppt/theme/theme2.xml><?xml version="1.0" encoding="utf-8"?>
-<a:theme xmlns:a="http://schemas.openxmlformats.org/drawingml/2006/main" name="Theme1">
-  <a:themeElements>
-    <a:clrScheme name="Office-thema">
-      <a:dk1>
-        <a:sysClr val="windowText" lastClr="000000"/>
-      </a:dk1>
-      <a:lt1>
-        <a:sysClr val="window" lastClr="FFFFFF"/>
-      </a:lt1>
-      <a:dk2>
-        <a:srgbClr val="44546A"/>
-      </a:dk2>
-      <a:lt2>
-        <a:srgbClr val="E7E6E6"/>
-      </a:lt2>
-      <a:accent1>
-        <a:srgbClr val="4472C4"/>
-      </a:accent1>
-      <a:accent2>
-        <a:srgbClr val="ED7D31"/>
-      </a:accent2>
-      <a:accent3>
-        <a:srgbClr val="A5A5A5"/>
-      </a:accent3>
-      <a:accent4>
-        <a:srgbClr val="FFC000"/>
-      </a:accent4>
-      <a:accent5>
-        <a:srgbClr val="5B9BD5"/>
-      </a:accent5>
-      <a:accent6>
-        <a:srgbClr val="70AD47"/>
-      </a:accent6>
-      <a:hlink>
-        <a:srgbClr val="0563C1"/>
-      </a:hlink>
-      <a:folHlink>
-        <a:srgbClr val="954F72"/>
-      </a:folHlink>
-    </a:clrScheme>
-    <a:fontScheme name="Office">
-      <a:majorFont>
-        <a:latin typeface="Calibri Light" panose="020F0302020204030204"/>
-        <a:ea typeface=""/>
-        <a:cs typeface=""/>
-        <a:font script="Jpan" typeface="Yu Gothic Light"/>
-        <a:font script="Hang" typeface="맑은 고딕"/>
-        <a:font script="Hans" typeface="DengXian Light"/>
-        <a:font script="Hant" typeface="新細明體"/>
-        <a:font script="Arab" typeface="Times New Roman"/>
-        <a:font script="Hebr" typeface="Times New Roman"/>
-        <a:font script="Thai" typeface="Angsana New"/>
-        <a:font script="Ethi" typeface="Nyala"/>
-        <a:font script="Beng" typeface="Vrinda"/>
-        <a:font script="Gujr" typeface="Shruti"/>
-        <a:font script="Khmr" typeface="MoolBoran"/>
-        <a:font script="Knda" typeface="Tunga"/>
-        <a:font script="Guru" typeface="Raavi"/>
-        <a:font script="Cans" typeface="Euphemia"/>
-        <a:font script="Cher" typeface="Plantagenet Cherokee"/>
-        <a:font script="Yiii" typeface="Microsoft Yi Baiti"/>
-        <a:font script="Tibt" typeface="Microsoft Himalaya"/>
-        <a:font script="Thaa" typeface="MV Boli"/>
-        <a:font script="Deva" typeface="Mangal"/>
-        <a:font script="Telu" typeface="Gautami"/>
-        <a:font script="Taml" typeface="Latha"/>
-        <a:font script="Syrc" typeface="Estrangelo Edessa"/>
-        <a:font script="Orya" typeface="Kalinga"/>
-        <a:font script="Mlym" typeface="Kartika"/>
-        <a:font script="Laoo" typeface="DokChampa"/>
-        <a:font script="Sinh" typeface="Iskoola Pota"/>
-        <a:font script="Mong" typeface="Mongolian Baiti"/>
-        <a:font script="Viet" typeface="Times New Roman"/>
-        <a:font script="Uigh" typeface="Microsoft Uighur"/>
-        <a:font script="Geor" typeface="Sylfaen"/>
-      </a:majorFont>
-      <a:minorFont>
-        <a:latin typeface="Calibri" panose="020F0502020204030204"/>
-        <a:ea typeface=""/>
-        <a:cs typeface=""/>
-        <a:font script="Jpan" typeface="Yu Gothic"/>
-        <a:font script="Hang" typeface="맑은 고딕"/>
-        <a:font script="Hans" typeface="DengXian"/>
-        <a:font script="Hant" typeface="新細明體"/>
-        <a:font script="Arab" typeface="Arial"/>
-        <a:font script="Hebr" typeface="Arial"/>
-        <a:font script="Thai" typeface="Cordia New"/>
-        <a:font script="Ethi" typeface="Nyala"/>
-        <a:font script="Beng" typeface="Vrinda"/>
-        <a:font script="Gujr" typeface="Shruti"/>
-        <a:font script="Khmr" typeface="DaunPenh"/>
-        <a:font script="Knda" typeface="Tunga"/>
-        <a:font script="Guru" typeface="Raavi"/>
-        <a:font script="Cans" typeface="Euphemia"/>
-        <a:font script="Cher" typeface="Plantagenet Cherokee"/>
-        <a:font script="Yiii" typeface="Microsoft Yi Baiti"/>
-        <a:font script="Tibt" typeface="Microsoft Himalaya"/>
-        <a:font script="Thaa" typeface="MV Boli"/>
-        <a:font script="Deva" typeface="Mangal"/>
-        <a:font script="Telu" typeface="Gautami"/>
-        <a:font script="Taml" typeface="Latha"/>
-        <a:font script="Syrc" typeface="Estrangelo Edessa"/>
-        <a:font script="Orya" typeface="Kalinga"/>
-        <a:font script="Mlym" typeface="Kartika"/>
-        <a:font script="Laoo" typeface="DokChampa"/>
-        <a:font script="Sinh" typeface="Iskoola Pota"/>
-        <a:font script="Mong" typeface="Mongolian Baiti"/>
-        <a:font script="Viet" typeface="Arial"/>
-        <a:font script="Uigh" typeface="Microsoft Uighur"/>
-        <a:font script="Geor" typeface="Sylfaen"/>
-      </a:minorFont>
-    </a:fontScheme>
-    <a:fmtScheme name="Office-thema">
-      <a:fillStyleLst>
-        <a:solidFill>
-          <a:schemeClr val="phClr"/>
-        </a:solidFill>
-        <a:gradFill rotWithShape="1">
-          <a:gsLst>
-            <a:gs pos="0">
-              <a:schemeClr val="phClr">
-                <a:lumMod val="110000"/>
-                <a:satMod val="105000"/>
-                <a:tint val="67000"/>
-              </a:schemeClr>
-            </a:gs>
-            <a:gs pos="50000">
-              <a:schemeClr val="phClr">
-                <a:lumMod val="105000"/>
-                <a:satMod val="103000"/>
-                <a:tint val="73000"/>
-              </a:schemeClr>
-            </a:gs>
-            <a:gs pos="100000">
-              <a:schemeClr val="phClr">
-                <a:lumMod val="105000"/>
-                <a:satMod val="109000"/>
-                <a:tint val="81000"/>
-              </a:schemeClr>
-            </a:gs>
-          </a:gsLst>
-          <a:lin ang="5400000" scaled="0"/>
-        </a:gradFill>
-        <a:gradFill rotWithShape="1">
-          <a:gsLst>
-            <a:gs pos="0">
-              <a:schemeClr val="phClr">
-                <a:satMod val="103000"/>
-                <a:lumMod val="102000"/>
-                <a:tint val="94000"/>
-              </a:schemeClr>
-            </a:gs>
-            <a:gs pos="50000">
-              <a:schemeClr val="phClr">
-                <a:satMod val="110000"/>
-                <a:lumMod val="100000"/>
-                <a:shade val="100000"/>
-              </a:schemeClr>
-            </a:gs>
-            <a:gs pos="100000">
-              <a:schemeClr val="phClr">
-                <a:lumMod val="99000"/>
-                <a:satMod val="120000"/>
-                <a:shade val="78000"/>
-              </a:schemeClr>
-            </a:gs>
-          </a:gsLst>
-          <a:lin ang="5400000" scaled="0"/>
-        </a:gradFill>
-      </a:fillStyleLst>
-      <a:lnStyleLst>
-        <a:ln w="6350" cap="flat" cmpd="sng" algn="ctr">
-          <a:solidFill>
-            <a:schemeClr val="phClr"/>
-          </a:solidFill>
-          <a:prstDash val="solid"/>
-          <a:miter lim="800000"/>
-        </a:ln>
-        <a:ln w="12700" cap="flat" cmpd="sng" algn="ctr">
-          <a:solidFill>
-            <a:schemeClr val="phClr"/>
-          </a:solidFill>
-          <a:prstDash val="solid"/>
-          <a:miter lim="800000"/>
-        </a:ln>
-        <a:ln w="19050" cap="flat" cmpd="sng" algn="ctr">
-          <a:solidFill>
-            <a:schemeClr val="phClr"/>
-          </a:solidFill>
-          <a:prstDash val="solid"/>
-          <a:miter lim="800000"/>
-        </a:ln>
-      </a:lnStyleLst>
-      <a:effectStyleLst>
-        <a:effectStyle>
-          <a:effectLst/>
-        </a:effectStyle>
-        <a:effectStyle>
-          <a:effectLst/>
-        </a:effectStyle>
-        <a:effectStyle>
-          <a:effectLst>
-            <a:outerShdw blurRad="57150" dist="19050" dir="5400000" algn="ctr" rotWithShape="0">
-              <a:srgbClr val="000000">
-                <a:alpha val="63000"/>
-              </a:srgbClr>
-            </a:outerShdw>
-          </a:effectLst>
-        </a:effectStyle>
-      </a:effectStyleLst>
-      <a:bgFillStyleLst>
-        <a:solidFill>
-          <a:schemeClr val="phClr"/>
-        </a:solidFill>
-        <a:solidFill>
-          <a:schemeClr val="phClr">
-            <a:tint val="95000"/>
-            <a:satMod val="170000"/>
-          </a:schemeClr>
-        </a:solidFill>
-        <a:gradFill rotWithShape="1">
-          <a:gsLst>
-            <a:gs pos="0">
-              <a:schemeClr val="phClr">
-                <a:tint val="93000"/>
-                <a:satMod val="150000"/>
-                <a:shade val="98000"/>
-                <a:lumMod val="102000"/>
-              </a:schemeClr>
-            </a:gs>
-            <a:gs pos="50000">
-              <a:schemeClr val="phClr">
-                <a:tint val="98000"/>
-                <a:satMod val="130000"/>
-                <a:shade val="90000"/>
-                <a:lumMod val="103000"/>
-              </a:schemeClr>
-            </a:gs>
-            <a:gs pos="100000">
-              <a:schemeClr val="phClr">
-                <a:shade val="63000"/>
-                <a:satMod val="120000"/>
-              </a:schemeClr>
-            </a:gs>
-          </a:gsLst>
-          <a:lin ang="5400000" scaled="0"/>
-        </a:gradFill>
-      </a:bgFillStyleLst>
-    </a:fmtScheme>
-  </a:themeElements>
-  <a:objectDefaults/>
-  <a:extraClrSchemeLst/>
-  <a:extLst>
-    <a:ext uri="{05A4C25C-085E-4340-85A3-A5531E510DB2}">
-      <thm15:themeFamily xmlns:thm15="http://schemas.microsoft.com/office/thememl/2012/main" name="Techorama2018NLPowerPointTemplate.potx" id="{9705AFDB-0799-4D53-8BD5-0F2851941A4F}" vid="{7BAB30A0-7706-4E9C-877A-234AFEBE5C1C}"/>
-    </a:ext>
-  </a:extLst>
-</a:theme>
-</file>
-
-<file path=ppt/theme/theme3.xml><?xml version="1.0" encoding="utf-8"?>
 <a:theme xmlns:a="http://schemas.openxmlformats.org/drawingml/2006/main" name="Larissa-Design">
   <a:themeElements>
     <a:clrScheme name="Larissa">
@@ -23385,7 +22322,7 @@
 </a:theme>
 </file>
 
-<file path=ppt/theme/theme4.xml><?xml version="1.0" encoding="utf-8"?>
+<file path=ppt/theme/theme3.xml><?xml version="1.0" encoding="utf-8"?>
 <a:theme xmlns:a="http://schemas.openxmlformats.org/drawingml/2006/main" name="Larissa">
   <a:themeElements>
     <a:clrScheme name="Larissa">
